--- a/docs/8NightsVRDesign.pptx
+++ b/docs/8NightsVRDesign.pptx
@@ -8,18 +8,20 @@
     <p:sldId id="256" r:id="rId2"/>
     <p:sldId id="268" r:id="rId3"/>
     <p:sldId id="271" r:id="rId4"/>
-    <p:sldId id="269" r:id="rId5"/>
-    <p:sldId id="270" r:id="rId6"/>
-    <p:sldId id="257" r:id="rId7"/>
-    <p:sldId id="258" r:id="rId8"/>
-    <p:sldId id="259" r:id="rId9"/>
-    <p:sldId id="260" r:id="rId10"/>
-    <p:sldId id="261" r:id="rId11"/>
-    <p:sldId id="262" r:id="rId12"/>
-    <p:sldId id="263" r:id="rId13"/>
-    <p:sldId id="265" r:id="rId14"/>
-    <p:sldId id="266" r:id="rId15"/>
-    <p:sldId id="267" r:id="rId16"/>
+    <p:sldId id="272" r:id="rId5"/>
+    <p:sldId id="273" r:id="rId6"/>
+    <p:sldId id="269" r:id="rId7"/>
+    <p:sldId id="270" r:id="rId8"/>
+    <p:sldId id="257" r:id="rId9"/>
+    <p:sldId id="258" r:id="rId10"/>
+    <p:sldId id="259" r:id="rId11"/>
+    <p:sldId id="260" r:id="rId12"/>
+    <p:sldId id="261" r:id="rId13"/>
+    <p:sldId id="262" r:id="rId14"/>
+    <p:sldId id="263" r:id="rId15"/>
+    <p:sldId id="265" r:id="rId16"/>
+    <p:sldId id="266" r:id="rId17"/>
+    <p:sldId id="267" r:id="rId18"/>
   </p:sldIdLst>
   <p:sldSz cx="12192000" cy="6858000"/>
   <p:notesSz cx="6858000" cy="9144000"/>
@@ -3075,22 +3077,17 @@
             <p:ph type="title"/>
           </p:nvPr>
         </p:nvSpPr>
-        <p:spPr>
-          <a:xfrm>
-            <a:off x="627843" y="366385"/>
-            <a:ext cx="10995992" cy="1325563"/>
-          </a:xfrm>
-        </p:spPr>
+        <p:spPr/>
         <p:txBody>
           <a:bodyPr>
-            <a:normAutofit/>
+            <a:normAutofit fontScale="90000"/>
           </a:bodyPr>
           <a:lstStyle/>
           <a:p>
             <a:pPr algn="ctr"/>
             <a:r>
               <a:rPr lang="en-US" dirty="0" smtClean="0"/>
-              <a:t>Onward, the lantern carrier has appeared and is there to guide the way!</a:t>
+              <a:t>When they light the torch, a glowing path appears in the room (not visible in VR), and a windy dark forest ahead in VR.  </a:t>
             </a:r>
             <a:endParaRPr lang="en-US" dirty="0"/>
           </a:p>
@@ -3133,6 +3130,55 @@
           <a:p>
             <a:pPr algn="ctr"/>
             <a:endParaRPr lang="en-US" dirty="0"/>
+          </a:p>
+        </p:txBody>
+      </p:sp>
+      <p:sp>
+        <p:nvSpPr>
+          <p:cNvPr id="5" name="Oval 4"/>
+          <p:cNvSpPr/>
+          <p:nvPr/>
+        </p:nvSpPr>
+        <p:spPr>
+          <a:xfrm>
+            <a:off x="2890451" y="4101412"/>
+            <a:ext cx="606511" cy="606511"/>
+          </a:xfrm>
+          <a:prstGeom prst="ellipse">
+            <a:avLst/>
+          </a:prstGeom>
+          <a:solidFill>
+            <a:schemeClr val="bg1">
+              <a:alpha val="35000"/>
+            </a:schemeClr>
+          </a:solidFill>
+        </p:spPr>
+        <p:style>
+          <a:lnRef idx="2">
+            <a:schemeClr val="accent1">
+              <a:shade val="50000"/>
+            </a:schemeClr>
+          </a:lnRef>
+          <a:fillRef idx="1">
+            <a:schemeClr val="accent1"/>
+          </a:fillRef>
+          <a:effectRef idx="0">
+            <a:schemeClr val="accent1"/>
+          </a:effectRef>
+          <a:fontRef idx="minor">
+            <a:schemeClr val="lt1"/>
+          </a:fontRef>
+        </p:style>
+        <p:txBody>
+          <a:bodyPr rtlCol="0" anchor="ctr"/>
+          <a:lstStyle/>
+          <a:p>
+            <a:pPr algn="ctr"/>
+            <a:endParaRPr lang="en-US">
+              <a:solidFill>
+                <a:srgbClr val="FF0000"/>
+              </a:solidFill>
+            </a:endParaRPr>
           </a:p>
         </p:txBody>
       </p:sp>
@@ -3479,7 +3525,7 @@
         </p:blipFill>
         <p:spPr bwMode="auto">
           <a:xfrm>
-            <a:off x="3993336" y="3458948"/>
+            <a:off x="2987760" y="3670983"/>
             <a:ext cx="472647" cy="472647"/>
           </a:xfrm>
           <a:prstGeom prst="rect">
@@ -3520,7 +3566,7 @@
         </p:blipFill>
         <p:spPr bwMode="auto">
           <a:xfrm>
-            <a:off x="4346019" y="3381721"/>
+            <a:off x="3340443" y="3593756"/>
             <a:ext cx="507656" cy="507656"/>
           </a:xfrm>
           <a:prstGeom prst="rect">
@@ -3540,7 +3586,7 @@
       </p:pic>
       <p:pic>
         <p:nvPicPr>
-          <p:cNvPr id="17" name="Picture 2" descr="http://www.stockvault.net/blog/wp-content/uploads/2011/10/241.jpg"/>
+          <p:cNvPr id="3074" name="Picture 2" descr="http://www.stockvault.net/blog/wp-content/uploads/2011/10/241.jpg"/>
           <p:cNvPicPr>
             <a:picLocks noChangeAspect="1" noChangeArrowheads="1"/>
           </p:cNvPicPr>
@@ -3586,50 +3632,9 @@
           </a:extLst>
         </p:spPr>
       </p:pic>
-      <p:pic>
-        <p:nvPicPr>
-          <p:cNvPr id="5122" name="Picture 2" descr="http://images.vectorhq.com/images/previews/895/star-shine-flare-psd-428944.png"/>
-          <p:cNvPicPr>
-            <a:picLocks noChangeAspect="1" noChangeArrowheads="1"/>
-          </p:cNvPicPr>
-          <p:nvPr/>
-        </p:nvPicPr>
-        <p:blipFill>
-          <a:blip r:embed="rId5" cstate="print">
-            <a:extLst>
-              <a:ext uri="{28A0092B-C50C-407E-A947-70E740481C1C}">
-                <a14:useLocalDpi xmlns:a14="http://schemas.microsoft.com/office/drawing/2010/main" val="0"/>
-              </a:ext>
-            </a:extLst>
-          </a:blip>
-          <a:srcRect/>
-          <a:stretch>
-            <a:fillRect/>
-          </a:stretch>
-        </p:blipFill>
-        <p:spPr bwMode="auto">
-          <a:xfrm>
-            <a:off x="8484424" y="4045686"/>
-            <a:ext cx="1295680" cy="1250332"/>
-          </a:xfrm>
-          <a:prstGeom prst="rect">
-            <a:avLst/>
-          </a:prstGeom>
-          <a:noFill/>
-          <a:extLst>
-            <a:ext uri="{909E8E84-426E-40DD-AFC4-6F175D3DCCD1}">
-              <a14:hiddenFill xmlns:a14="http://schemas.microsoft.com/office/drawing/2010/main">
-                <a:solidFill>
-                  <a:srgbClr val="FFFFFF"/>
-                </a:solidFill>
-              </a14:hiddenFill>
-            </a:ext>
-          </a:extLst>
-        </p:spPr>
-      </p:pic>
-      <p:sp>
-        <p:nvSpPr>
-          <p:cNvPr id="19" name="Freeform 18"/>
+      <p:sp>
+        <p:nvSpPr>
+          <p:cNvPr id="3" name="Freeform 2"/>
           <p:cNvSpPr/>
           <p:nvPr/>
         </p:nvSpPr>
@@ -4373,6 +4378,7 @@
               </a:path>
             </a:pathLst>
           </a:custGeom>
+          <a:noFill/>
           <a:effectLst>
             <a:glow rad="139700">
               <a:schemeClr val="accent4">
@@ -4414,100 +4420,10 @@
           </a:p>
         </p:txBody>
       </p:sp>
-      <p:pic>
-        <p:nvPicPr>
-          <p:cNvPr id="5130" name="Picture 10" descr="https://cdn3.iconfinder.com/data/icons/outdoor-and-camping-icons/512/Lantern-512.png"/>
-          <p:cNvPicPr>
-            <a:picLocks noChangeAspect="1" noChangeArrowheads="1"/>
-          </p:cNvPicPr>
-          <p:nvPr/>
-        </p:nvPicPr>
-        <p:blipFill>
-          <a:blip r:embed="rId6" cstate="print">
-            <a:extLst>
-              <a:ext uri="{28A0092B-C50C-407E-A947-70E740481C1C}">
-                <a14:useLocalDpi xmlns:a14="http://schemas.microsoft.com/office/drawing/2010/main" val="0"/>
-              </a:ext>
-            </a:extLst>
-          </a:blip>
-          <a:srcRect/>
-          <a:stretch>
-            <a:fillRect/>
-          </a:stretch>
-        </p:blipFill>
-        <p:spPr bwMode="auto">
-          <a:xfrm>
-            <a:off x="4346019" y="4147322"/>
-            <a:ext cx="477286" cy="477286"/>
-          </a:xfrm>
-          <a:prstGeom prst="rect">
-            <a:avLst/>
-          </a:prstGeom>
-          <a:noFill/>
-          <a:extLst>
-            <a:ext uri="{909E8E84-426E-40DD-AFC4-6F175D3DCCD1}">
-              <a14:hiddenFill xmlns:a14="http://schemas.microsoft.com/office/drawing/2010/main">
-                <a:solidFill>
-                  <a:srgbClr val="FFFFFF"/>
-                </a:solidFill>
-              </a14:hiddenFill>
-            </a:ext>
-          </a:extLst>
-        </p:spPr>
-      </p:pic>
-      <p:sp>
-        <p:nvSpPr>
-          <p:cNvPr id="23" name="Oval 22"/>
-          <p:cNvSpPr/>
-          <p:nvPr/>
-        </p:nvSpPr>
-        <p:spPr>
-          <a:xfrm>
-            <a:off x="2890451" y="4101412"/>
-            <a:ext cx="606511" cy="606511"/>
-          </a:xfrm>
-          <a:prstGeom prst="ellipse">
-            <a:avLst/>
-          </a:prstGeom>
-          <a:solidFill>
-            <a:schemeClr val="bg1">
-              <a:alpha val="35000"/>
-            </a:schemeClr>
-          </a:solidFill>
-        </p:spPr>
-        <p:style>
-          <a:lnRef idx="2">
-            <a:schemeClr val="accent1">
-              <a:shade val="50000"/>
-            </a:schemeClr>
-          </a:lnRef>
-          <a:fillRef idx="1">
-            <a:schemeClr val="accent1"/>
-          </a:fillRef>
-          <a:effectRef idx="0">
-            <a:schemeClr val="accent1"/>
-          </a:effectRef>
-          <a:fontRef idx="minor">
-            <a:schemeClr val="lt1"/>
-          </a:fontRef>
-        </p:style>
-        <p:txBody>
-          <a:bodyPr rtlCol="0" anchor="ctr"/>
-          <a:lstStyle/>
-          <a:p>
-            <a:pPr algn="ctr"/>
-            <a:endParaRPr lang="en-US">
-              <a:solidFill>
-                <a:srgbClr val="FF0000"/>
-              </a:solidFill>
-            </a:endParaRPr>
-          </a:p>
-        </p:txBody>
-      </p:sp>
     </p:spTree>
     <p:extLst>
       <p:ext uri="{BB962C8B-B14F-4D97-AF65-F5344CB8AC3E}">
-        <p14:creationId xmlns:p14="http://schemas.microsoft.com/office/powerpoint/2010/main" val="939980395"/>
+        <p14:creationId xmlns:p14="http://schemas.microsoft.com/office/powerpoint/2010/main" val="1414219416"/>
       </p:ext>
     </p:extLst>
   </p:cSld>
@@ -4553,8 +4469,8 @@
         </p:nvSpPr>
         <p:spPr>
           <a:xfrm>
-            <a:off x="627843" y="366385"/>
-            <a:ext cx="10995992" cy="1325563"/>
+            <a:off x="838200" y="365125"/>
+            <a:ext cx="10585174" cy="1325563"/>
           </a:xfrm>
         </p:spPr>
         <p:txBody>
@@ -4566,7 +4482,15 @@
             <a:pPr algn="ctr"/>
             <a:r>
               <a:rPr lang="en-US" dirty="0" smtClean="0"/>
-              <a:t>If the VR person strays too far from the path, their torch blows out and the maze disappears.  Back to the center to relight!</a:t>
+              <a:t>It’s a little scary, but comforting to draw </a:t>
+            </a:r>
+            <a:r>
+              <a:rPr lang="en-US" dirty="0" err="1" smtClean="0"/>
+              <a:t>glowy</a:t>
+            </a:r>
+            <a:r>
+              <a:rPr lang="en-US" dirty="0" smtClean="0"/>
+              <a:t> trails in front of them by swinging the torch around as they get their bearings</a:t>
             </a:r>
             <a:endParaRPr lang="en-US" dirty="0"/>
           </a:p>
@@ -4580,7 +4504,7 @@
         </p:nvSpPr>
         <p:spPr>
           <a:xfrm>
-            <a:off x="838200" y="2426043"/>
+            <a:off x="739346" y="2471351"/>
             <a:ext cx="4969476" cy="3805881"/>
           </a:xfrm>
           <a:prstGeom prst="rect">
@@ -4609,55 +4533,6 @@
           <a:p>
             <a:pPr algn="ctr"/>
             <a:endParaRPr lang="en-US" dirty="0"/>
-          </a:p>
-        </p:txBody>
-      </p:sp>
-      <p:sp>
-        <p:nvSpPr>
-          <p:cNvPr id="5" name="Oval 4"/>
-          <p:cNvSpPr/>
-          <p:nvPr/>
-        </p:nvSpPr>
-        <p:spPr>
-          <a:xfrm>
-            <a:off x="2890451" y="4101412"/>
-            <a:ext cx="606511" cy="606511"/>
-          </a:xfrm>
-          <a:prstGeom prst="ellipse">
-            <a:avLst/>
-          </a:prstGeom>
-          <a:solidFill>
-            <a:schemeClr val="bg1">
-              <a:lumMod val="95000"/>
-            </a:schemeClr>
-          </a:solidFill>
-        </p:spPr>
-        <p:style>
-          <a:lnRef idx="2">
-            <a:schemeClr val="accent1">
-              <a:shade val="50000"/>
-            </a:schemeClr>
-          </a:lnRef>
-          <a:fillRef idx="1">
-            <a:schemeClr val="accent1"/>
-          </a:fillRef>
-          <a:effectRef idx="0">
-            <a:schemeClr val="accent1"/>
-          </a:effectRef>
-          <a:fontRef idx="minor">
-            <a:schemeClr val="lt1"/>
-          </a:fontRef>
-        </p:style>
-        <p:txBody>
-          <a:bodyPr rtlCol="0" anchor="ctr"/>
-          <a:lstStyle/>
-          <a:p>
-            <a:pPr algn="ctr"/>
-            <a:endParaRPr lang="en-US">
-              <a:solidFill>
-                <a:srgbClr val="FF0000"/>
-              </a:solidFill>
-            </a:endParaRPr>
           </a:p>
         </p:txBody>
       </p:sp>
@@ -5004,7 +4879,7 @@
         </p:blipFill>
         <p:spPr bwMode="auto">
           <a:xfrm>
-            <a:off x="4229659" y="5055791"/>
+            <a:off x="2987760" y="3670983"/>
             <a:ext cx="472647" cy="472647"/>
           </a:xfrm>
           <a:prstGeom prst="rect">
@@ -5024,7 +4899,7 @@
       </p:pic>
       <p:pic>
         <p:nvPicPr>
-          <p:cNvPr id="5122" name="Picture 2" descr="http://images.vectorhq.com/images/previews/895/star-shine-flare-psd-428944.png"/>
+          <p:cNvPr id="2050" name="Picture 2" descr="http://icons.iconarchive.com/icons/icons8/windows-8/512/Sports-Olympic-Torch-icon.png"/>
           <p:cNvPicPr>
             <a:picLocks noChangeAspect="1" noChangeArrowheads="1"/>
           </p:cNvPicPr>
@@ -5045,8 +4920,8 @@
         </p:blipFill>
         <p:spPr bwMode="auto">
           <a:xfrm>
-            <a:off x="8484424" y="4045686"/>
-            <a:ext cx="1295680" cy="1250332"/>
+            <a:off x="3340443" y="3593756"/>
+            <a:ext cx="507656" cy="507656"/>
           </a:xfrm>
           <a:prstGeom prst="rect">
             <a:avLst/>
@@ -5065,14 +4940,14 @@
       </p:pic>
       <p:pic>
         <p:nvPicPr>
-          <p:cNvPr id="5130" name="Picture 10" descr="https://cdn3.iconfinder.com/data/icons/outdoor-and-camping-icons/512/Lantern-512.png"/>
+          <p:cNvPr id="4098" name="Picture 2" descr="https://i.vimeocdn.com/video/466361221_640.jpg"/>
           <p:cNvPicPr>
             <a:picLocks noChangeAspect="1" noChangeArrowheads="1"/>
           </p:cNvPicPr>
           <p:nvPr/>
         </p:nvPicPr>
         <p:blipFill>
-          <a:blip r:embed="rId4" cstate="print">
+          <a:blip r:embed="rId4">
             <a:extLst>
               <a:ext uri="{28A0092B-C50C-407E-A947-70E740481C1C}">
                 <a14:useLocalDpi xmlns:a14="http://schemas.microsoft.com/office/drawing/2010/main" val="0"/>
@@ -5086,148 +4961,8 @@
         </p:blipFill>
         <p:spPr bwMode="auto">
           <a:xfrm>
-            <a:off x="3422822" y="5057375"/>
-            <a:ext cx="477286" cy="477286"/>
-          </a:xfrm>
-          <a:prstGeom prst="rect">
-            <a:avLst/>
-          </a:prstGeom>
-          <a:noFill/>
-          <a:extLst>
-            <a:ext uri="{909E8E84-426E-40DD-AFC4-6F175D3DCCD1}">
-              <a14:hiddenFill xmlns:a14="http://schemas.microsoft.com/office/drawing/2010/main">
-                <a:solidFill>
-                  <a:srgbClr val="FFFFFF"/>
-                </a:solidFill>
-              </a14:hiddenFill>
-            </a:ext>
-          </a:extLst>
-        </p:spPr>
-      </p:pic>
-      <p:grpSp>
-        <p:nvGrpSpPr>
-          <p:cNvPr id="20" name="Group 19"/>
-          <p:cNvGrpSpPr/>
-          <p:nvPr/>
-        </p:nvGrpSpPr>
-        <p:grpSpPr>
-          <a:xfrm>
-            <a:off x="4544199" y="4784176"/>
-            <a:ext cx="507656" cy="649246"/>
-            <a:chOff x="3841408" y="3705994"/>
-            <a:chExt cx="507656" cy="649246"/>
-          </a:xfrm>
-        </p:grpSpPr>
-        <p:pic>
-          <p:nvPicPr>
-            <p:cNvPr id="21" name="Picture 2" descr="http://icons.iconarchive.com/icons/icons8/windows-8/512/Sports-Olympic-Torch-icon.png"/>
-            <p:cNvPicPr>
-              <a:picLocks noChangeAspect="1" noChangeArrowheads="1"/>
-            </p:cNvPicPr>
-            <p:nvPr/>
-          </p:nvPicPr>
-          <p:blipFill>
-            <a:blip r:embed="rId5" cstate="print">
-              <a:extLst>
-                <a:ext uri="{28A0092B-C50C-407E-A947-70E740481C1C}">
-                  <a14:useLocalDpi xmlns:a14="http://schemas.microsoft.com/office/drawing/2010/main" val="0"/>
-                </a:ext>
-              </a:extLst>
-            </a:blip>
-            <a:srcRect/>
-            <a:stretch>
-              <a:fillRect/>
-            </a:stretch>
-          </p:blipFill>
-          <p:spPr bwMode="auto">
-            <a:xfrm>
-              <a:off x="3841408" y="3847584"/>
-              <a:ext cx="507656" cy="507656"/>
-            </a:xfrm>
-            <a:prstGeom prst="rect">
-              <a:avLst/>
-            </a:prstGeom>
-            <a:noFill/>
-            <a:extLst>
-              <a:ext uri="{909E8E84-426E-40DD-AFC4-6F175D3DCCD1}">
-                <a14:hiddenFill xmlns:a14="http://schemas.microsoft.com/office/drawing/2010/main">
-                  <a:solidFill>
-                    <a:srgbClr val="FFFFFF"/>
-                  </a:solidFill>
-                </a14:hiddenFill>
-              </a:ext>
-            </a:extLst>
-          </p:spPr>
-        </p:pic>
-        <p:sp>
-          <p:nvSpPr>
-            <p:cNvPr id="22" name="Rectangle 21"/>
-            <p:cNvSpPr/>
-            <p:nvPr/>
-          </p:nvSpPr>
-          <p:spPr>
-            <a:xfrm>
-              <a:off x="3991235" y="3705994"/>
-              <a:ext cx="228600" cy="367105"/>
-            </a:xfrm>
-            <a:prstGeom prst="rect">
-              <a:avLst/>
-            </a:prstGeom>
-            <a:ln>
-              <a:noFill/>
-            </a:ln>
-          </p:spPr>
-          <p:style>
-            <a:lnRef idx="2">
-              <a:schemeClr val="accent1">
-                <a:shade val="50000"/>
-              </a:schemeClr>
-            </a:lnRef>
-            <a:fillRef idx="1">
-              <a:schemeClr val="accent1"/>
-            </a:fillRef>
-            <a:effectRef idx="0">
-              <a:schemeClr val="accent1"/>
-            </a:effectRef>
-            <a:fontRef idx="minor">
-              <a:schemeClr val="lt1"/>
-            </a:fontRef>
-          </p:style>
-          <p:txBody>
-            <a:bodyPr rtlCol="0" anchor="ctr"/>
-            <a:lstStyle/>
-            <a:p>
-              <a:pPr algn="ctr"/>
-              <a:endParaRPr lang="en-US"/>
-            </a:p>
-          </p:txBody>
-        </p:sp>
-      </p:grpSp>
-      <p:pic>
-        <p:nvPicPr>
-          <p:cNvPr id="23" name="Picture 4" descr="http://orig05.deviantart.net/084d/f/2015/214/3/3/_one_piece__werewolf_modern_au___part_2__the_call__by_laracaldin-d93wpdb.jpg"/>
-          <p:cNvPicPr>
-            <a:picLocks noChangeAspect="1" noChangeArrowheads="1"/>
-          </p:cNvPicPr>
-          <p:nvPr/>
-        </p:nvPicPr>
-        <p:blipFill>
-          <a:blip r:embed="rId6">
-            <a:extLst>
-              <a:ext uri="{28A0092B-C50C-407E-A947-70E740481C1C}">
-                <a14:useLocalDpi xmlns:a14="http://schemas.microsoft.com/office/drawing/2010/main" val="0"/>
-              </a:ext>
-            </a:extLst>
-          </a:blip>
-          <a:srcRect/>
-          <a:stretch>
-            <a:fillRect/>
-          </a:stretch>
-        </p:blipFill>
-        <p:spPr bwMode="auto">
-          <a:xfrm>
-            <a:off x="6798781" y="2712307"/>
-            <a:ext cx="4377632" cy="3519617"/>
+            <a:off x="6595095" y="2990332"/>
+            <a:ext cx="5028740" cy="2828667"/>
           </a:xfrm>
           <a:prstGeom prst="rect">
             <a:avLst/>
@@ -5251,88 +4986,9 @@
           </a:extLst>
         </p:spPr>
       </p:pic>
-      <p:pic>
-        <p:nvPicPr>
-          <p:cNvPr id="24" name="Picture 2" descr="http://images.vectorhq.com/images/previews/895/star-shine-flare-psd-428944.png"/>
-          <p:cNvPicPr>
-            <a:picLocks noChangeAspect="1" noChangeArrowheads="1"/>
-          </p:cNvPicPr>
-          <p:nvPr/>
-        </p:nvPicPr>
-        <p:blipFill>
-          <a:blip r:embed="rId3" cstate="print">
-            <a:extLst>
-              <a:ext uri="{28A0092B-C50C-407E-A947-70E740481C1C}">
-                <a14:useLocalDpi xmlns:a14="http://schemas.microsoft.com/office/drawing/2010/main" val="0"/>
-              </a:ext>
-            </a:extLst>
-          </a:blip>
-          <a:srcRect/>
-          <a:stretch>
-            <a:fillRect/>
-          </a:stretch>
-        </p:blipFill>
-        <p:spPr bwMode="auto">
-          <a:xfrm>
-            <a:off x="8339757" y="4130192"/>
-            <a:ext cx="1295680" cy="1250332"/>
-          </a:xfrm>
-          <a:prstGeom prst="rect">
-            <a:avLst/>
-          </a:prstGeom>
-          <a:noFill/>
-          <a:extLst>
-            <a:ext uri="{909E8E84-426E-40DD-AFC4-6F175D3DCCD1}">
-              <a14:hiddenFill xmlns:a14="http://schemas.microsoft.com/office/drawing/2010/main">
-                <a:solidFill>
-                  <a:srgbClr val="FFFFFF"/>
-                </a:solidFill>
-              </a14:hiddenFill>
-            </a:ext>
-          </a:extLst>
-        </p:spPr>
-      </p:pic>
-      <p:cxnSp>
-        <p:nvCxnSpPr>
-          <p:cNvPr id="25" name="Straight Arrow Connector 24"/>
-          <p:cNvCxnSpPr>
-            <a:stCxn id="1028" idx="0"/>
-          </p:cNvCxnSpPr>
-          <p:nvPr/>
-        </p:nvCxnSpPr>
-        <p:spPr>
-          <a:xfrm flipH="1" flipV="1">
-            <a:off x="3510158" y="4425057"/>
-            <a:ext cx="955825" cy="630734"/>
-          </a:xfrm>
-          <a:prstGeom prst="straightConnector1">
-            <a:avLst/>
-          </a:prstGeom>
-          <a:ln>
-            <a:solidFill>
-              <a:srgbClr val="FF0000"/>
-            </a:solidFill>
-            <a:tailEnd type="triangle"/>
-          </a:ln>
-        </p:spPr>
-        <p:style>
-          <a:lnRef idx="1">
-            <a:schemeClr val="accent1"/>
-          </a:lnRef>
-          <a:fillRef idx="0">
-            <a:schemeClr val="accent1"/>
-          </a:fillRef>
-          <a:effectRef idx="0">
-            <a:schemeClr val="accent1"/>
-          </a:effectRef>
-          <a:fontRef idx="minor">
-            <a:schemeClr val="tx1"/>
-          </a:fontRef>
-        </p:style>
-      </p:cxnSp>
-      <p:sp>
-        <p:nvSpPr>
-          <p:cNvPr id="26" name="Freeform 25"/>
+      <p:sp>
+        <p:nvSpPr>
+          <p:cNvPr id="17" name="Freeform 16"/>
           <p:cNvSpPr/>
           <p:nvPr/>
         </p:nvSpPr>
@@ -6117,10 +5773,59 @@
           </a:p>
         </p:txBody>
       </p:sp>
+      <p:sp>
+        <p:nvSpPr>
+          <p:cNvPr id="18" name="Oval 17"/>
+          <p:cNvSpPr/>
+          <p:nvPr/>
+        </p:nvSpPr>
+        <p:spPr>
+          <a:xfrm>
+            <a:off x="2890451" y="4101412"/>
+            <a:ext cx="606511" cy="606511"/>
+          </a:xfrm>
+          <a:prstGeom prst="ellipse">
+            <a:avLst/>
+          </a:prstGeom>
+          <a:solidFill>
+            <a:schemeClr val="bg1">
+              <a:alpha val="35000"/>
+            </a:schemeClr>
+          </a:solidFill>
+        </p:spPr>
+        <p:style>
+          <a:lnRef idx="2">
+            <a:schemeClr val="accent1">
+              <a:shade val="50000"/>
+            </a:schemeClr>
+          </a:lnRef>
+          <a:fillRef idx="1">
+            <a:schemeClr val="accent1"/>
+          </a:fillRef>
+          <a:effectRef idx="0">
+            <a:schemeClr val="accent1"/>
+          </a:effectRef>
+          <a:fontRef idx="minor">
+            <a:schemeClr val="lt1"/>
+          </a:fontRef>
+        </p:style>
+        <p:txBody>
+          <a:bodyPr rtlCol="0" anchor="ctr"/>
+          <a:lstStyle/>
+          <a:p>
+            <a:pPr algn="ctr"/>
+            <a:endParaRPr lang="en-US">
+              <a:solidFill>
+                <a:srgbClr val="FF0000"/>
+              </a:solidFill>
+            </a:endParaRPr>
+          </a:p>
+        </p:txBody>
+      </p:sp>
     </p:spTree>
     <p:extLst>
       <p:ext uri="{BB962C8B-B14F-4D97-AF65-F5344CB8AC3E}">
-        <p14:creationId xmlns:p14="http://schemas.microsoft.com/office/powerpoint/2010/main" val="3217669765"/>
+        <p14:creationId xmlns:p14="http://schemas.microsoft.com/office/powerpoint/2010/main" val="1580254765"/>
       </p:ext>
     </p:extLst>
   </p:cSld>
@@ -6172,14 +5877,14 @@
         </p:spPr>
         <p:txBody>
           <a:bodyPr>
-            <a:normAutofit fontScale="90000"/>
+            <a:normAutofit/>
           </a:bodyPr>
           <a:lstStyle/>
           <a:p>
             <a:pPr algn="ctr"/>
             <a:r>
               <a:rPr lang="en-US" dirty="0" smtClean="0"/>
-              <a:t>The process is repeated until the two safely navigate the maze and approach the first beacon</a:t>
+              <a:t>Onward, the lantern carrier has appeared and is there to guide the way!</a:t>
             </a:r>
             <a:endParaRPr lang="en-US" dirty="0"/>
           </a:p>
@@ -6568,7 +6273,7 @@
         </p:blipFill>
         <p:spPr bwMode="auto">
           <a:xfrm>
-            <a:off x="1628793" y="2697168"/>
+            <a:off x="3993336" y="3458948"/>
             <a:ext cx="472647" cy="472647"/>
           </a:xfrm>
           <a:prstGeom prst="rect">
@@ -6609,7 +6314,7 @@
         </p:blipFill>
         <p:spPr bwMode="auto">
           <a:xfrm>
-            <a:off x="1964122" y="2627526"/>
+            <a:off x="4346019" y="3381721"/>
             <a:ext cx="507656" cy="507656"/>
           </a:xfrm>
           <a:prstGeom prst="rect">
@@ -7526,7 +7231,7 @@
         </p:blipFill>
         <p:spPr bwMode="auto">
           <a:xfrm>
-            <a:off x="1250423" y="3008182"/>
+            <a:off x="4346019" y="4147322"/>
             <a:ext cx="477286" cy="477286"/>
           </a:xfrm>
           <a:prstGeom prst="rect">
@@ -7546,7 +7251,7 @@
       </p:pic>
       <p:sp>
         <p:nvSpPr>
-          <p:cNvPr id="20" name="Oval 19"/>
+          <p:cNvPr id="23" name="Oval 22"/>
           <p:cNvSpPr/>
           <p:nvPr/>
         </p:nvSpPr>
@@ -7596,7 +7301,7 @@
     </p:spTree>
     <p:extLst>
       <p:ext uri="{BB962C8B-B14F-4D97-AF65-F5344CB8AC3E}">
-        <p14:creationId xmlns:p14="http://schemas.microsoft.com/office/powerpoint/2010/main" val="2618032427"/>
+        <p14:creationId xmlns:p14="http://schemas.microsoft.com/office/powerpoint/2010/main" val="939980395"/>
       </p:ext>
     </p:extLst>
   </p:cSld>
@@ -7655,6 +7360,3095 @@
             <a:pPr algn="ctr"/>
             <a:r>
               <a:rPr lang="en-US" dirty="0" smtClean="0"/>
+              <a:t>If the VR person strays too far from the path, their torch blows out and the maze disappears.  Back to the center to relight!</a:t>
+            </a:r>
+            <a:endParaRPr lang="en-US" dirty="0"/>
+          </a:p>
+        </p:txBody>
+      </p:sp>
+      <p:sp>
+        <p:nvSpPr>
+          <p:cNvPr id="4" name="Rectangle 3"/>
+          <p:cNvSpPr/>
+          <p:nvPr/>
+        </p:nvSpPr>
+        <p:spPr>
+          <a:xfrm>
+            <a:off x="838200" y="2426043"/>
+            <a:ext cx="4969476" cy="3805881"/>
+          </a:xfrm>
+          <a:prstGeom prst="rect">
+            <a:avLst/>
+          </a:prstGeom>
+        </p:spPr>
+        <p:style>
+          <a:lnRef idx="2">
+            <a:schemeClr val="accent1">
+              <a:shade val="50000"/>
+            </a:schemeClr>
+          </a:lnRef>
+          <a:fillRef idx="1">
+            <a:schemeClr val="accent1"/>
+          </a:fillRef>
+          <a:effectRef idx="0">
+            <a:schemeClr val="accent1"/>
+          </a:effectRef>
+          <a:fontRef idx="minor">
+            <a:schemeClr val="lt1"/>
+          </a:fontRef>
+        </p:style>
+        <p:txBody>
+          <a:bodyPr rtlCol="0" anchor="ctr"/>
+          <a:lstStyle/>
+          <a:p>
+            <a:pPr algn="ctr"/>
+            <a:endParaRPr lang="en-US" dirty="0"/>
+          </a:p>
+        </p:txBody>
+      </p:sp>
+      <p:sp>
+        <p:nvSpPr>
+          <p:cNvPr id="5" name="Oval 4"/>
+          <p:cNvSpPr/>
+          <p:nvPr/>
+        </p:nvSpPr>
+        <p:spPr>
+          <a:xfrm>
+            <a:off x="2890451" y="4101412"/>
+            <a:ext cx="606511" cy="606511"/>
+          </a:xfrm>
+          <a:prstGeom prst="ellipse">
+            <a:avLst/>
+          </a:prstGeom>
+          <a:solidFill>
+            <a:schemeClr val="bg1">
+              <a:lumMod val="95000"/>
+            </a:schemeClr>
+          </a:solidFill>
+        </p:spPr>
+        <p:style>
+          <a:lnRef idx="2">
+            <a:schemeClr val="accent1">
+              <a:shade val="50000"/>
+            </a:schemeClr>
+          </a:lnRef>
+          <a:fillRef idx="1">
+            <a:schemeClr val="accent1"/>
+          </a:fillRef>
+          <a:effectRef idx="0">
+            <a:schemeClr val="accent1"/>
+          </a:effectRef>
+          <a:fontRef idx="minor">
+            <a:schemeClr val="lt1"/>
+          </a:fontRef>
+        </p:style>
+        <p:txBody>
+          <a:bodyPr rtlCol="0" anchor="ctr"/>
+          <a:lstStyle/>
+          <a:p>
+            <a:pPr algn="ctr"/>
+            <a:endParaRPr lang="en-US">
+              <a:solidFill>
+                <a:srgbClr val="FF0000"/>
+              </a:solidFill>
+            </a:endParaRPr>
+          </a:p>
+        </p:txBody>
+      </p:sp>
+      <p:sp>
+        <p:nvSpPr>
+          <p:cNvPr id="7" name="Oval 6"/>
+          <p:cNvSpPr/>
+          <p:nvPr/>
+        </p:nvSpPr>
+        <p:spPr>
+          <a:xfrm>
+            <a:off x="838200" y="5628368"/>
+            <a:ext cx="532371" cy="532371"/>
+          </a:xfrm>
+          <a:prstGeom prst="ellipse">
+            <a:avLst/>
+          </a:prstGeom>
+        </p:spPr>
+        <p:style>
+          <a:lnRef idx="2">
+            <a:schemeClr val="accent1">
+              <a:shade val="50000"/>
+            </a:schemeClr>
+          </a:lnRef>
+          <a:fillRef idx="1">
+            <a:schemeClr val="accent1"/>
+          </a:fillRef>
+          <a:effectRef idx="0">
+            <a:schemeClr val="accent1"/>
+          </a:effectRef>
+          <a:fontRef idx="minor">
+            <a:schemeClr val="lt1"/>
+          </a:fontRef>
+        </p:style>
+        <p:txBody>
+          <a:bodyPr rtlCol="0" anchor="ctr"/>
+          <a:lstStyle/>
+          <a:p>
+            <a:pPr algn="ctr"/>
+            <a:endParaRPr lang="en-US"/>
+          </a:p>
+        </p:txBody>
+      </p:sp>
+      <p:sp>
+        <p:nvSpPr>
+          <p:cNvPr id="8" name="Oval 7"/>
+          <p:cNvSpPr/>
+          <p:nvPr/>
+        </p:nvSpPr>
+        <p:spPr>
+          <a:xfrm>
+            <a:off x="838200" y="2591958"/>
+            <a:ext cx="532371" cy="532371"/>
+          </a:xfrm>
+          <a:prstGeom prst="ellipse">
+            <a:avLst/>
+          </a:prstGeom>
+        </p:spPr>
+        <p:style>
+          <a:lnRef idx="2">
+            <a:schemeClr val="accent1">
+              <a:shade val="50000"/>
+            </a:schemeClr>
+          </a:lnRef>
+          <a:fillRef idx="1">
+            <a:schemeClr val="accent1"/>
+          </a:fillRef>
+          <a:effectRef idx="0">
+            <a:schemeClr val="accent1"/>
+          </a:effectRef>
+          <a:fontRef idx="minor">
+            <a:schemeClr val="lt1"/>
+          </a:fontRef>
+        </p:style>
+        <p:txBody>
+          <a:bodyPr rtlCol="0" anchor="ctr"/>
+          <a:lstStyle/>
+          <a:p>
+            <a:pPr algn="ctr"/>
+            <a:endParaRPr lang="en-US"/>
+          </a:p>
+        </p:txBody>
+      </p:sp>
+      <p:sp>
+        <p:nvSpPr>
+          <p:cNvPr id="9" name="Oval 8"/>
+          <p:cNvSpPr/>
+          <p:nvPr/>
+        </p:nvSpPr>
+        <p:spPr>
+          <a:xfrm>
+            <a:off x="5088404" y="2590281"/>
+            <a:ext cx="532371" cy="532371"/>
+          </a:xfrm>
+          <a:prstGeom prst="ellipse">
+            <a:avLst/>
+          </a:prstGeom>
+        </p:spPr>
+        <p:style>
+          <a:lnRef idx="2">
+            <a:schemeClr val="accent1">
+              <a:shade val="50000"/>
+            </a:schemeClr>
+          </a:lnRef>
+          <a:fillRef idx="1">
+            <a:schemeClr val="accent1"/>
+          </a:fillRef>
+          <a:effectRef idx="0">
+            <a:schemeClr val="accent1"/>
+          </a:effectRef>
+          <a:fontRef idx="minor">
+            <a:schemeClr val="lt1"/>
+          </a:fontRef>
+        </p:style>
+        <p:txBody>
+          <a:bodyPr rtlCol="0" anchor="ctr"/>
+          <a:lstStyle/>
+          <a:p>
+            <a:pPr algn="ctr"/>
+            <a:endParaRPr lang="en-US"/>
+          </a:p>
+        </p:txBody>
+      </p:sp>
+      <p:sp>
+        <p:nvSpPr>
+          <p:cNvPr id="10" name="Oval 9"/>
+          <p:cNvSpPr/>
+          <p:nvPr/>
+        </p:nvSpPr>
+        <p:spPr>
+          <a:xfrm>
+            <a:off x="5088403" y="5625929"/>
+            <a:ext cx="532371" cy="532371"/>
+          </a:xfrm>
+          <a:prstGeom prst="ellipse">
+            <a:avLst/>
+          </a:prstGeom>
+        </p:spPr>
+        <p:style>
+          <a:lnRef idx="2">
+            <a:schemeClr val="accent1">
+              <a:shade val="50000"/>
+            </a:schemeClr>
+          </a:lnRef>
+          <a:fillRef idx="1">
+            <a:schemeClr val="accent1"/>
+          </a:fillRef>
+          <a:effectRef idx="0">
+            <a:schemeClr val="accent1"/>
+          </a:effectRef>
+          <a:fontRef idx="minor">
+            <a:schemeClr val="lt1"/>
+          </a:fontRef>
+        </p:style>
+        <p:txBody>
+          <a:bodyPr rtlCol="0" anchor="ctr"/>
+          <a:lstStyle/>
+          <a:p>
+            <a:pPr algn="ctr"/>
+            <a:endParaRPr lang="en-US"/>
+          </a:p>
+        </p:txBody>
+      </p:sp>
+      <p:sp>
+        <p:nvSpPr>
+          <p:cNvPr id="11" name="Oval 10"/>
+          <p:cNvSpPr/>
+          <p:nvPr/>
+        </p:nvSpPr>
+        <p:spPr>
+          <a:xfrm>
+            <a:off x="838200" y="4138481"/>
+            <a:ext cx="532371" cy="532371"/>
+          </a:xfrm>
+          <a:prstGeom prst="ellipse">
+            <a:avLst/>
+          </a:prstGeom>
+        </p:spPr>
+        <p:style>
+          <a:lnRef idx="2">
+            <a:schemeClr val="accent1">
+              <a:shade val="50000"/>
+            </a:schemeClr>
+          </a:lnRef>
+          <a:fillRef idx="1">
+            <a:schemeClr val="accent1"/>
+          </a:fillRef>
+          <a:effectRef idx="0">
+            <a:schemeClr val="accent1"/>
+          </a:effectRef>
+          <a:fontRef idx="minor">
+            <a:schemeClr val="lt1"/>
+          </a:fontRef>
+        </p:style>
+        <p:txBody>
+          <a:bodyPr rtlCol="0" anchor="ctr"/>
+          <a:lstStyle/>
+          <a:p>
+            <a:pPr algn="ctr"/>
+            <a:endParaRPr lang="en-US"/>
+          </a:p>
+        </p:txBody>
+      </p:sp>
+      <p:sp>
+        <p:nvSpPr>
+          <p:cNvPr id="12" name="Oval 11"/>
+          <p:cNvSpPr/>
+          <p:nvPr/>
+        </p:nvSpPr>
+        <p:spPr>
+          <a:xfrm>
+            <a:off x="2890451" y="5628368"/>
+            <a:ext cx="532371" cy="532371"/>
+          </a:xfrm>
+          <a:prstGeom prst="ellipse">
+            <a:avLst/>
+          </a:prstGeom>
+        </p:spPr>
+        <p:style>
+          <a:lnRef idx="2">
+            <a:schemeClr val="accent1">
+              <a:shade val="50000"/>
+            </a:schemeClr>
+          </a:lnRef>
+          <a:fillRef idx="1">
+            <a:schemeClr val="accent1"/>
+          </a:fillRef>
+          <a:effectRef idx="0">
+            <a:schemeClr val="accent1"/>
+          </a:effectRef>
+          <a:fontRef idx="minor">
+            <a:schemeClr val="lt1"/>
+          </a:fontRef>
+        </p:style>
+        <p:txBody>
+          <a:bodyPr rtlCol="0" anchor="ctr"/>
+          <a:lstStyle/>
+          <a:p>
+            <a:pPr algn="ctr"/>
+            <a:endParaRPr lang="en-US"/>
+          </a:p>
+        </p:txBody>
+      </p:sp>
+      <p:sp>
+        <p:nvSpPr>
+          <p:cNvPr id="13" name="Oval 12"/>
+          <p:cNvSpPr/>
+          <p:nvPr/>
+        </p:nvSpPr>
+        <p:spPr>
+          <a:xfrm>
+            <a:off x="2964591" y="2590281"/>
+            <a:ext cx="532371" cy="532371"/>
+          </a:xfrm>
+          <a:prstGeom prst="ellipse">
+            <a:avLst/>
+          </a:prstGeom>
+        </p:spPr>
+        <p:style>
+          <a:lnRef idx="2">
+            <a:schemeClr val="accent1">
+              <a:shade val="50000"/>
+            </a:schemeClr>
+          </a:lnRef>
+          <a:fillRef idx="1">
+            <a:schemeClr val="accent1"/>
+          </a:fillRef>
+          <a:effectRef idx="0">
+            <a:schemeClr val="accent1"/>
+          </a:effectRef>
+          <a:fontRef idx="minor">
+            <a:schemeClr val="lt1"/>
+          </a:fontRef>
+        </p:style>
+        <p:txBody>
+          <a:bodyPr rtlCol="0" anchor="ctr"/>
+          <a:lstStyle/>
+          <a:p>
+            <a:pPr algn="ctr"/>
+            <a:endParaRPr lang="en-US"/>
+          </a:p>
+        </p:txBody>
+      </p:sp>
+      <p:sp>
+        <p:nvSpPr>
+          <p:cNvPr id="14" name="Oval 13"/>
+          <p:cNvSpPr/>
+          <p:nvPr/>
+        </p:nvSpPr>
+        <p:spPr>
+          <a:xfrm>
+            <a:off x="5088405" y="4108105"/>
+            <a:ext cx="532371" cy="532371"/>
+          </a:xfrm>
+          <a:prstGeom prst="ellipse">
+            <a:avLst/>
+          </a:prstGeom>
+        </p:spPr>
+        <p:style>
+          <a:lnRef idx="2">
+            <a:schemeClr val="accent1">
+              <a:shade val="50000"/>
+            </a:schemeClr>
+          </a:lnRef>
+          <a:fillRef idx="1">
+            <a:schemeClr val="accent1"/>
+          </a:fillRef>
+          <a:effectRef idx="0">
+            <a:schemeClr val="accent1"/>
+          </a:effectRef>
+          <a:fontRef idx="minor">
+            <a:schemeClr val="lt1"/>
+          </a:fontRef>
+        </p:style>
+        <p:txBody>
+          <a:bodyPr rtlCol="0" anchor="ctr"/>
+          <a:lstStyle/>
+          <a:p>
+            <a:pPr algn="ctr"/>
+            <a:endParaRPr lang="en-US"/>
+          </a:p>
+        </p:txBody>
+      </p:sp>
+      <p:pic>
+        <p:nvPicPr>
+          <p:cNvPr id="1028" name="Picture 4" descr="http://pcgamingwiki.com/images/thumb/3/3c/Editor_Icon_-_VR.svg/120px-Editor_Icon_-_VR.svg.png"/>
+          <p:cNvPicPr>
+            <a:picLocks noChangeAspect="1" noChangeArrowheads="1"/>
+          </p:cNvPicPr>
+          <p:nvPr/>
+        </p:nvPicPr>
+        <p:blipFill>
+          <a:blip r:embed="rId2" cstate="print">
+            <a:extLst>
+              <a:ext uri="{28A0092B-C50C-407E-A947-70E740481C1C}">
+                <a14:useLocalDpi xmlns:a14="http://schemas.microsoft.com/office/drawing/2010/main" val="0"/>
+              </a:ext>
+            </a:extLst>
+          </a:blip>
+          <a:srcRect/>
+          <a:stretch>
+            <a:fillRect/>
+          </a:stretch>
+        </p:blipFill>
+        <p:spPr bwMode="auto">
+          <a:xfrm>
+            <a:off x="4229659" y="5055791"/>
+            <a:ext cx="472647" cy="472647"/>
+          </a:xfrm>
+          <a:prstGeom prst="rect">
+            <a:avLst/>
+          </a:prstGeom>
+          <a:noFill/>
+          <a:extLst>
+            <a:ext uri="{909E8E84-426E-40DD-AFC4-6F175D3DCCD1}">
+              <a14:hiddenFill xmlns:a14="http://schemas.microsoft.com/office/drawing/2010/main">
+                <a:solidFill>
+                  <a:srgbClr val="FFFFFF"/>
+                </a:solidFill>
+              </a14:hiddenFill>
+            </a:ext>
+          </a:extLst>
+        </p:spPr>
+      </p:pic>
+      <p:pic>
+        <p:nvPicPr>
+          <p:cNvPr id="5122" name="Picture 2" descr="http://images.vectorhq.com/images/previews/895/star-shine-flare-psd-428944.png"/>
+          <p:cNvPicPr>
+            <a:picLocks noChangeAspect="1" noChangeArrowheads="1"/>
+          </p:cNvPicPr>
+          <p:nvPr/>
+        </p:nvPicPr>
+        <p:blipFill>
+          <a:blip r:embed="rId3" cstate="print">
+            <a:extLst>
+              <a:ext uri="{28A0092B-C50C-407E-A947-70E740481C1C}">
+                <a14:useLocalDpi xmlns:a14="http://schemas.microsoft.com/office/drawing/2010/main" val="0"/>
+              </a:ext>
+            </a:extLst>
+          </a:blip>
+          <a:srcRect/>
+          <a:stretch>
+            <a:fillRect/>
+          </a:stretch>
+        </p:blipFill>
+        <p:spPr bwMode="auto">
+          <a:xfrm>
+            <a:off x="8484424" y="4045686"/>
+            <a:ext cx="1295680" cy="1250332"/>
+          </a:xfrm>
+          <a:prstGeom prst="rect">
+            <a:avLst/>
+          </a:prstGeom>
+          <a:noFill/>
+          <a:extLst>
+            <a:ext uri="{909E8E84-426E-40DD-AFC4-6F175D3DCCD1}">
+              <a14:hiddenFill xmlns:a14="http://schemas.microsoft.com/office/drawing/2010/main">
+                <a:solidFill>
+                  <a:srgbClr val="FFFFFF"/>
+                </a:solidFill>
+              </a14:hiddenFill>
+            </a:ext>
+          </a:extLst>
+        </p:spPr>
+      </p:pic>
+      <p:pic>
+        <p:nvPicPr>
+          <p:cNvPr id="5130" name="Picture 10" descr="https://cdn3.iconfinder.com/data/icons/outdoor-and-camping-icons/512/Lantern-512.png"/>
+          <p:cNvPicPr>
+            <a:picLocks noChangeAspect="1" noChangeArrowheads="1"/>
+          </p:cNvPicPr>
+          <p:nvPr/>
+        </p:nvPicPr>
+        <p:blipFill>
+          <a:blip r:embed="rId4" cstate="print">
+            <a:extLst>
+              <a:ext uri="{28A0092B-C50C-407E-A947-70E740481C1C}">
+                <a14:useLocalDpi xmlns:a14="http://schemas.microsoft.com/office/drawing/2010/main" val="0"/>
+              </a:ext>
+            </a:extLst>
+          </a:blip>
+          <a:srcRect/>
+          <a:stretch>
+            <a:fillRect/>
+          </a:stretch>
+        </p:blipFill>
+        <p:spPr bwMode="auto">
+          <a:xfrm>
+            <a:off x="3422822" y="5057375"/>
+            <a:ext cx="477286" cy="477286"/>
+          </a:xfrm>
+          <a:prstGeom prst="rect">
+            <a:avLst/>
+          </a:prstGeom>
+          <a:noFill/>
+          <a:extLst>
+            <a:ext uri="{909E8E84-426E-40DD-AFC4-6F175D3DCCD1}">
+              <a14:hiddenFill xmlns:a14="http://schemas.microsoft.com/office/drawing/2010/main">
+                <a:solidFill>
+                  <a:srgbClr val="FFFFFF"/>
+                </a:solidFill>
+              </a14:hiddenFill>
+            </a:ext>
+          </a:extLst>
+        </p:spPr>
+      </p:pic>
+      <p:grpSp>
+        <p:nvGrpSpPr>
+          <p:cNvPr id="20" name="Group 19"/>
+          <p:cNvGrpSpPr/>
+          <p:nvPr/>
+        </p:nvGrpSpPr>
+        <p:grpSpPr>
+          <a:xfrm>
+            <a:off x="4544199" y="4784176"/>
+            <a:ext cx="507656" cy="649246"/>
+            <a:chOff x="3841408" y="3705994"/>
+            <a:chExt cx="507656" cy="649246"/>
+          </a:xfrm>
+        </p:grpSpPr>
+        <p:pic>
+          <p:nvPicPr>
+            <p:cNvPr id="21" name="Picture 2" descr="http://icons.iconarchive.com/icons/icons8/windows-8/512/Sports-Olympic-Torch-icon.png"/>
+            <p:cNvPicPr>
+              <a:picLocks noChangeAspect="1" noChangeArrowheads="1"/>
+            </p:cNvPicPr>
+            <p:nvPr/>
+          </p:nvPicPr>
+          <p:blipFill>
+            <a:blip r:embed="rId5" cstate="print">
+              <a:extLst>
+                <a:ext uri="{28A0092B-C50C-407E-A947-70E740481C1C}">
+                  <a14:useLocalDpi xmlns:a14="http://schemas.microsoft.com/office/drawing/2010/main" val="0"/>
+                </a:ext>
+              </a:extLst>
+            </a:blip>
+            <a:srcRect/>
+            <a:stretch>
+              <a:fillRect/>
+            </a:stretch>
+          </p:blipFill>
+          <p:spPr bwMode="auto">
+            <a:xfrm>
+              <a:off x="3841408" y="3847584"/>
+              <a:ext cx="507656" cy="507656"/>
+            </a:xfrm>
+            <a:prstGeom prst="rect">
+              <a:avLst/>
+            </a:prstGeom>
+            <a:noFill/>
+            <a:extLst>
+              <a:ext uri="{909E8E84-426E-40DD-AFC4-6F175D3DCCD1}">
+                <a14:hiddenFill xmlns:a14="http://schemas.microsoft.com/office/drawing/2010/main">
+                  <a:solidFill>
+                    <a:srgbClr val="FFFFFF"/>
+                  </a:solidFill>
+                </a14:hiddenFill>
+              </a:ext>
+            </a:extLst>
+          </p:spPr>
+        </p:pic>
+        <p:sp>
+          <p:nvSpPr>
+            <p:cNvPr id="22" name="Rectangle 21"/>
+            <p:cNvSpPr/>
+            <p:nvPr/>
+          </p:nvSpPr>
+          <p:spPr>
+            <a:xfrm>
+              <a:off x="3991235" y="3705994"/>
+              <a:ext cx="228600" cy="367105"/>
+            </a:xfrm>
+            <a:prstGeom prst="rect">
+              <a:avLst/>
+            </a:prstGeom>
+            <a:ln>
+              <a:noFill/>
+            </a:ln>
+          </p:spPr>
+          <p:style>
+            <a:lnRef idx="2">
+              <a:schemeClr val="accent1">
+                <a:shade val="50000"/>
+              </a:schemeClr>
+            </a:lnRef>
+            <a:fillRef idx="1">
+              <a:schemeClr val="accent1"/>
+            </a:fillRef>
+            <a:effectRef idx="0">
+              <a:schemeClr val="accent1"/>
+            </a:effectRef>
+            <a:fontRef idx="minor">
+              <a:schemeClr val="lt1"/>
+            </a:fontRef>
+          </p:style>
+          <p:txBody>
+            <a:bodyPr rtlCol="0" anchor="ctr"/>
+            <a:lstStyle/>
+            <a:p>
+              <a:pPr algn="ctr"/>
+              <a:endParaRPr lang="en-US"/>
+            </a:p>
+          </p:txBody>
+        </p:sp>
+      </p:grpSp>
+      <p:pic>
+        <p:nvPicPr>
+          <p:cNvPr id="23" name="Picture 4" descr="http://orig05.deviantart.net/084d/f/2015/214/3/3/_one_piece__werewolf_modern_au___part_2__the_call__by_laracaldin-d93wpdb.jpg"/>
+          <p:cNvPicPr>
+            <a:picLocks noChangeAspect="1" noChangeArrowheads="1"/>
+          </p:cNvPicPr>
+          <p:nvPr/>
+        </p:nvPicPr>
+        <p:blipFill>
+          <a:blip r:embed="rId6">
+            <a:extLst>
+              <a:ext uri="{28A0092B-C50C-407E-A947-70E740481C1C}">
+                <a14:useLocalDpi xmlns:a14="http://schemas.microsoft.com/office/drawing/2010/main" val="0"/>
+              </a:ext>
+            </a:extLst>
+          </a:blip>
+          <a:srcRect/>
+          <a:stretch>
+            <a:fillRect/>
+          </a:stretch>
+        </p:blipFill>
+        <p:spPr bwMode="auto">
+          <a:xfrm>
+            <a:off x="6798781" y="2712307"/>
+            <a:ext cx="4377632" cy="3519617"/>
+          </a:xfrm>
+          <a:prstGeom prst="rect">
+            <a:avLst/>
+          </a:prstGeom>
+          <a:noFill/>
+          <a:effectLst>
+            <a:outerShdw blurRad="50800" dist="38100" dir="2700000" algn="tl" rotWithShape="0">
+              <a:prstClr val="black">
+                <a:alpha val="40000"/>
+              </a:prstClr>
+            </a:outerShdw>
+          </a:effectLst>
+          <a:extLst>
+            <a:ext uri="{909E8E84-426E-40DD-AFC4-6F175D3DCCD1}">
+              <a14:hiddenFill xmlns:a14="http://schemas.microsoft.com/office/drawing/2010/main">
+                <a:solidFill>
+                  <a:srgbClr val="FFFFFF"/>
+                </a:solidFill>
+              </a14:hiddenFill>
+            </a:ext>
+          </a:extLst>
+        </p:spPr>
+      </p:pic>
+      <p:pic>
+        <p:nvPicPr>
+          <p:cNvPr id="24" name="Picture 2" descr="http://images.vectorhq.com/images/previews/895/star-shine-flare-psd-428944.png"/>
+          <p:cNvPicPr>
+            <a:picLocks noChangeAspect="1" noChangeArrowheads="1"/>
+          </p:cNvPicPr>
+          <p:nvPr/>
+        </p:nvPicPr>
+        <p:blipFill>
+          <a:blip r:embed="rId3" cstate="print">
+            <a:extLst>
+              <a:ext uri="{28A0092B-C50C-407E-A947-70E740481C1C}">
+                <a14:useLocalDpi xmlns:a14="http://schemas.microsoft.com/office/drawing/2010/main" val="0"/>
+              </a:ext>
+            </a:extLst>
+          </a:blip>
+          <a:srcRect/>
+          <a:stretch>
+            <a:fillRect/>
+          </a:stretch>
+        </p:blipFill>
+        <p:spPr bwMode="auto">
+          <a:xfrm>
+            <a:off x="8339757" y="4130192"/>
+            <a:ext cx="1295680" cy="1250332"/>
+          </a:xfrm>
+          <a:prstGeom prst="rect">
+            <a:avLst/>
+          </a:prstGeom>
+          <a:noFill/>
+          <a:extLst>
+            <a:ext uri="{909E8E84-426E-40DD-AFC4-6F175D3DCCD1}">
+              <a14:hiddenFill xmlns:a14="http://schemas.microsoft.com/office/drawing/2010/main">
+                <a:solidFill>
+                  <a:srgbClr val="FFFFFF"/>
+                </a:solidFill>
+              </a14:hiddenFill>
+            </a:ext>
+          </a:extLst>
+        </p:spPr>
+      </p:pic>
+      <p:cxnSp>
+        <p:nvCxnSpPr>
+          <p:cNvPr id="25" name="Straight Arrow Connector 24"/>
+          <p:cNvCxnSpPr>
+            <a:stCxn id="1028" idx="0"/>
+          </p:cNvCxnSpPr>
+          <p:nvPr/>
+        </p:nvCxnSpPr>
+        <p:spPr>
+          <a:xfrm flipH="1" flipV="1">
+            <a:off x="3510158" y="4425057"/>
+            <a:ext cx="955825" cy="630734"/>
+          </a:xfrm>
+          <a:prstGeom prst="straightConnector1">
+            <a:avLst/>
+          </a:prstGeom>
+          <a:ln w="38100">
+            <a:solidFill>
+              <a:srgbClr val="FF0000"/>
+            </a:solidFill>
+            <a:tailEnd type="triangle"/>
+          </a:ln>
+        </p:spPr>
+        <p:style>
+          <a:lnRef idx="1">
+            <a:schemeClr val="accent1"/>
+          </a:lnRef>
+          <a:fillRef idx="0">
+            <a:schemeClr val="accent1"/>
+          </a:fillRef>
+          <a:effectRef idx="0">
+            <a:schemeClr val="accent1"/>
+          </a:effectRef>
+          <a:fontRef idx="minor">
+            <a:schemeClr val="tx1"/>
+          </a:fontRef>
+        </p:style>
+      </p:cxnSp>
+      <p:sp>
+        <p:nvSpPr>
+          <p:cNvPr id="26" name="Freeform 25"/>
+          <p:cNvSpPr/>
+          <p:nvPr/>
+        </p:nvSpPr>
+        <p:spPr>
+          <a:xfrm>
+            <a:off x="1338470" y="3008182"/>
+            <a:ext cx="3127513" cy="2372201"/>
+          </a:xfrm>
+          <a:custGeom>
+            <a:avLst/>
+            <a:gdLst>
+              <a:gd name="connsiteX0" fmla="*/ 2160104 w 3127513"/>
+              <a:gd name="connsiteY0" fmla="*/ 1338531 h 2372201"/>
+              <a:gd name="connsiteX1" fmla="*/ 2226365 w 3127513"/>
+              <a:gd name="connsiteY1" fmla="*/ 1365035 h 2372201"/>
+              <a:gd name="connsiteX2" fmla="*/ 2266121 w 3127513"/>
+              <a:gd name="connsiteY2" fmla="*/ 1378288 h 2372201"/>
+              <a:gd name="connsiteX3" fmla="*/ 2517913 w 3127513"/>
+              <a:gd name="connsiteY3" fmla="*/ 1365035 h 2372201"/>
+              <a:gd name="connsiteX4" fmla="*/ 2570921 w 3127513"/>
+              <a:gd name="connsiteY4" fmla="*/ 1312027 h 2372201"/>
+              <a:gd name="connsiteX5" fmla="*/ 2650434 w 3127513"/>
+              <a:gd name="connsiteY5" fmla="*/ 1259018 h 2372201"/>
+              <a:gd name="connsiteX6" fmla="*/ 2703443 w 3127513"/>
+              <a:gd name="connsiteY6" fmla="*/ 1206009 h 2372201"/>
+              <a:gd name="connsiteX7" fmla="*/ 2743200 w 3127513"/>
+              <a:gd name="connsiteY7" fmla="*/ 1126496 h 2372201"/>
+              <a:gd name="connsiteX8" fmla="*/ 2769704 w 3127513"/>
+              <a:gd name="connsiteY8" fmla="*/ 1046983 h 2372201"/>
+              <a:gd name="connsiteX9" fmla="*/ 2835965 w 3127513"/>
+              <a:gd name="connsiteY9" fmla="*/ 954218 h 2372201"/>
+              <a:gd name="connsiteX10" fmla="*/ 2928730 w 3127513"/>
+              <a:gd name="connsiteY10" fmla="*/ 927714 h 2372201"/>
+              <a:gd name="connsiteX11" fmla="*/ 3008243 w 3127513"/>
+              <a:gd name="connsiteY11" fmla="*/ 940966 h 2372201"/>
+              <a:gd name="connsiteX12" fmla="*/ 3061252 w 3127513"/>
+              <a:gd name="connsiteY12" fmla="*/ 1020479 h 2372201"/>
+              <a:gd name="connsiteX13" fmla="*/ 3087756 w 3127513"/>
+              <a:gd name="connsiteY13" fmla="*/ 1060235 h 2372201"/>
+              <a:gd name="connsiteX14" fmla="*/ 3114260 w 3127513"/>
+              <a:gd name="connsiteY14" fmla="*/ 1139748 h 2372201"/>
+              <a:gd name="connsiteX15" fmla="*/ 3127513 w 3127513"/>
+              <a:gd name="connsiteY15" fmla="*/ 1179505 h 2372201"/>
+              <a:gd name="connsiteX16" fmla="*/ 3101008 w 3127513"/>
+              <a:gd name="connsiteY16" fmla="*/ 1457801 h 2372201"/>
+              <a:gd name="connsiteX17" fmla="*/ 3087756 w 3127513"/>
+              <a:gd name="connsiteY17" fmla="*/ 1497557 h 2372201"/>
+              <a:gd name="connsiteX18" fmla="*/ 3061252 w 3127513"/>
+              <a:gd name="connsiteY18" fmla="*/ 1537314 h 2372201"/>
+              <a:gd name="connsiteX19" fmla="*/ 3021495 w 3127513"/>
+              <a:gd name="connsiteY19" fmla="*/ 1603575 h 2372201"/>
+              <a:gd name="connsiteX20" fmla="*/ 3008243 w 3127513"/>
+              <a:gd name="connsiteY20" fmla="*/ 1643331 h 2372201"/>
+              <a:gd name="connsiteX21" fmla="*/ 2862469 w 3127513"/>
+              <a:gd name="connsiteY21" fmla="*/ 1762601 h 2372201"/>
+              <a:gd name="connsiteX22" fmla="*/ 2782956 w 3127513"/>
+              <a:gd name="connsiteY22" fmla="*/ 1789105 h 2372201"/>
+              <a:gd name="connsiteX23" fmla="*/ 2743200 w 3127513"/>
+              <a:gd name="connsiteY23" fmla="*/ 1815609 h 2372201"/>
+              <a:gd name="connsiteX24" fmla="*/ 2703443 w 3127513"/>
+              <a:gd name="connsiteY24" fmla="*/ 1828861 h 2372201"/>
+              <a:gd name="connsiteX25" fmla="*/ 2650434 w 3127513"/>
+              <a:gd name="connsiteY25" fmla="*/ 1881870 h 2372201"/>
+              <a:gd name="connsiteX26" fmla="*/ 2623930 w 3127513"/>
+              <a:gd name="connsiteY26" fmla="*/ 1908375 h 2372201"/>
+              <a:gd name="connsiteX27" fmla="*/ 2597426 w 3127513"/>
+              <a:gd name="connsiteY27" fmla="*/ 2001140 h 2372201"/>
+              <a:gd name="connsiteX28" fmla="*/ 2584173 w 3127513"/>
+              <a:gd name="connsiteY28" fmla="*/ 2054148 h 2372201"/>
+              <a:gd name="connsiteX29" fmla="*/ 2557669 w 3127513"/>
+              <a:gd name="connsiteY29" fmla="*/ 2093905 h 2372201"/>
+              <a:gd name="connsiteX30" fmla="*/ 2544417 w 3127513"/>
+              <a:gd name="connsiteY30" fmla="*/ 2133661 h 2372201"/>
+              <a:gd name="connsiteX31" fmla="*/ 2504660 w 3127513"/>
+              <a:gd name="connsiteY31" fmla="*/ 2160166 h 2372201"/>
+              <a:gd name="connsiteX32" fmla="*/ 2491408 w 3127513"/>
+              <a:gd name="connsiteY32" fmla="*/ 2199922 h 2372201"/>
+              <a:gd name="connsiteX33" fmla="*/ 2411895 w 3127513"/>
+              <a:gd name="connsiteY33" fmla="*/ 2239679 h 2372201"/>
+              <a:gd name="connsiteX34" fmla="*/ 2385391 w 3127513"/>
+              <a:gd name="connsiteY34" fmla="*/ 2279435 h 2372201"/>
+              <a:gd name="connsiteX35" fmla="*/ 2345634 w 3127513"/>
+              <a:gd name="connsiteY35" fmla="*/ 2292688 h 2372201"/>
+              <a:gd name="connsiteX36" fmla="*/ 2305878 w 3127513"/>
+              <a:gd name="connsiteY36" fmla="*/ 2319192 h 2372201"/>
+              <a:gd name="connsiteX37" fmla="*/ 2173356 w 3127513"/>
+              <a:gd name="connsiteY37" fmla="*/ 2358948 h 2372201"/>
+              <a:gd name="connsiteX38" fmla="*/ 2133600 w 3127513"/>
+              <a:gd name="connsiteY38" fmla="*/ 2372201 h 2372201"/>
+              <a:gd name="connsiteX39" fmla="*/ 1789043 w 3127513"/>
+              <a:gd name="connsiteY39" fmla="*/ 2358948 h 2372201"/>
+              <a:gd name="connsiteX40" fmla="*/ 1709530 w 3127513"/>
+              <a:gd name="connsiteY40" fmla="*/ 2332444 h 2372201"/>
+              <a:gd name="connsiteX41" fmla="*/ 1683026 w 3127513"/>
+              <a:gd name="connsiteY41" fmla="*/ 2292688 h 2372201"/>
+              <a:gd name="connsiteX42" fmla="*/ 1643269 w 3127513"/>
+              <a:gd name="connsiteY42" fmla="*/ 2266183 h 2372201"/>
+              <a:gd name="connsiteX43" fmla="*/ 1590260 w 3127513"/>
+              <a:gd name="connsiteY43" fmla="*/ 2186670 h 2372201"/>
+              <a:gd name="connsiteX44" fmla="*/ 1550504 w 3127513"/>
+              <a:gd name="connsiteY44" fmla="*/ 2054148 h 2372201"/>
+              <a:gd name="connsiteX45" fmla="*/ 1510747 w 3127513"/>
+              <a:gd name="connsiteY45" fmla="*/ 1908375 h 2372201"/>
+              <a:gd name="connsiteX46" fmla="*/ 1444487 w 3127513"/>
+              <a:gd name="connsiteY46" fmla="*/ 1842114 h 2372201"/>
+              <a:gd name="connsiteX47" fmla="*/ 1378226 w 3127513"/>
+              <a:gd name="connsiteY47" fmla="*/ 1789105 h 2372201"/>
+              <a:gd name="connsiteX48" fmla="*/ 1325217 w 3127513"/>
+              <a:gd name="connsiteY48" fmla="*/ 1775853 h 2372201"/>
+              <a:gd name="connsiteX49" fmla="*/ 1219200 w 3127513"/>
+              <a:gd name="connsiteY49" fmla="*/ 1736096 h 2372201"/>
+              <a:gd name="connsiteX50" fmla="*/ 1046921 w 3127513"/>
+              <a:gd name="connsiteY50" fmla="*/ 1696340 h 2372201"/>
+              <a:gd name="connsiteX51" fmla="*/ 1020417 w 3127513"/>
+              <a:gd name="connsiteY51" fmla="*/ 1669835 h 2372201"/>
+              <a:gd name="connsiteX52" fmla="*/ 940904 w 3127513"/>
+              <a:gd name="connsiteY52" fmla="*/ 1643331 h 2372201"/>
+              <a:gd name="connsiteX53" fmla="*/ 914400 w 3127513"/>
+              <a:gd name="connsiteY53" fmla="*/ 1603575 h 2372201"/>
+              <a:gd name="connsiteX54" fmla="*/ 874643 w 3127513"/>
+              <a:gd name="connsiteY54" fmla="*/ 1590322 h 2372201"/>
+              <a:gd name="connsiteX55" fmla="*/ 861391 w 3127513"/>
+              <a:gd name="connsiteY55" fmla="*/ 1550566 h 2372201"/>
+              <a:gd name="connsiteX56" fmla="*/ 808382 w 3127513"/>
+              <a:gd name="connsiteY56" fmla="*/ 1497557 h 2372201"/>
+              <a:gd name="connsiteX57" fmla="*/ 781878 w 3127513"/>
+              <a:gd name="connsiteY57" fmla="*/ 1418044 h 2372201"/>
+              <a:gd name="connsiteX58" fmla="*/ 768626 w 3127513"/>
+              <a:gd name="connsiteY58" fmla="*/ 1378288 h 2372201"/>
+              <a:gd name="connsiteX59" fmla="*/ 742121 w 3127513"/>
+              <a:gd name="connsiteY59" fmla="*/ 1272270 h 2372201"/>
+              <a:gd name="connsiteX60" fmla="*/ 728869 w 3127513"/>
+              <a:gd name="connsiteY60" fmla="*/ 1219261 h 2372201"/>
+              <a:gd name="connsiteX61" fmla="*/ 715617 w 3127513"/>
+              <a:gd name="connsiteY61" fmla="*/ 371122 h 2372201"/>
+              <a:gd name="connsiteX62" fmla="*/ 662608 w 3127513"/>
+              <a:gd name="connsiteY62" fmla="*/ 304861 h 2372201"/>
+              <a:gd name="connsiteX63" fmla="*/ 636104 w 3127513"/>
+              <a:gd name="connsiteY63" fmla="*/ 265105 h 2372201"/>
+              <a:gd name="connsiteX64" fmla="*/ 596347 w 3127513"/>
+              <a:gd name="connsiteY64" fmla="*/ 251853 h 2372201"/>
+              <a:gd name="connsiteX65" fmla="*/ 543339 w 3127513"/>
+              <a:gd name="connsiteY65" fmla="*/ 185592 h 2372201"/>
+              <a:gd name="connsiteX66" fmla="*/ 490330 w 3127513"/>
+              <a:gd name="connsiteY66" fmla="*/ 132583 h 2372201"/>
+              <a:gd name="connsiteX67" fmla="*/ 410817 w 3127513"/>
+              <a:gd name="connsiteY67" fmla="*/ 106079 h 2372201"/>
+              <a:gd name="connsiteX68" fmla="*/ 371060 w 3127513"/>
+              <a:gd name="connsiteY68" fmla="*/ 79575 h 2372201"/>
+              <a:gd name="connsiteX69" fmla="*/ 318052 w 3127513"/>
+              <a:gd name="connsiteY69" fmla="*/ 66322 h 2372201"/>
+              <a:gd name="connsiteX70" fmla="*/ 251791 w 3127513"/>
+              <a:gd name="connsiteY70" fmla="*/ 53070 h 2372201"/>
+              <a:gd name="connsiteX71" fmla="*/ 172278 w 3127513"/>
+              <a:gd name="connsiteY71" fmla="*/ 39818 h 2372201"/>
+              <a:gd name="connsiteX72" fmla="*/ 92765 w 3127513"/>
+              <a:gd name="connsiteY72" fmla="*/ 13314 h 2372201"/>
+              <a:gd name="connsiteX73" fmla="*/ 0 w 3127513"/>
+              <a:gd name="connsiteY73" fmla="*/ 61 h 2372201"/>
+            </a:gdLst>
+            <a:ahLst/>
+            <a:cxnLst>
+              <a:cxn ang="0">
+                <a:pos x="connsiteX0" y="connsiteY0"/>
+              </a:cxn>
+              <a:cxn ang="0">
+                <a:pos x="connsiteX1" y="connsiteY1"/>
+              </a:cxn>
+              <a:cxn ang="0">
+                <a:pos x="connsiteX2" y="connsiteY2"/>
+              </a:cxn>
+              <a:cxn ang="0">
+                <a:pos x="connsiteX3" y="connsiteY3"/>
+              </a:cxn>
+              <a:cxn ang="0">
+                <a:pos x="connsiteX4" y="connsiteY4"/>
+              </a:cxn>
+              <a:cxn ang="0">
+                <a:pos x="connsiteX5" y="connsiteY5"/>
+              </a:cxn>
+              <a:cxn ang="0">
+                <a:pos x="connsiteX6" y="connsiteY6"/>
+              </a:cxn>
+              <a:cxn ang="0">
+                <a:pos x="connsiteX7" y="connsiteY7"/>
+              </a:cxn>
+              <a:cxn ang="0">
+                <a:pos x="connsiteX8" y="connsiteY8"/>
+              </a:cxn>
+              <a:cxn ang="0">
+                <a:pos x="connsiteX9" y="connsiteY9"/>
+              </a:cxn>
+              <a:cxn ang="0">
+                <a:pos x="connsiteX10" y="connsiteY10"/>
+              </a:cxn>
+              <a:cxn ang="0">
+                <a:pos x="connsiteX11" y="connsiteY11"/>
+              </a:cxn>
+              <a:cxn ang="0">
+                <a:pos x="connsiteX12" y="connsiteY12"/>
+              </a:cxn>
+              <a:cxn ang="0">
+                <a:pos x="connsiteX13" y="connsiteY13"/>
+              </a:cxn>
+              <a:cxn ang="0">
+                <a:pos x="connsiteX14" y="connsiteY14"/>
+              </a:cxn>
+              <a:cxn ang="0">
+                <a:pos x="connsiteX15" y="connsiteY15"/>
+              </a:cxn>
+              <a:cxn ang="0">
+                <a:pos x="connsiteX16" y="connsiteY16"/>
+              </a:cxn>
+              <a:cxn ang="0">
+                <a:pos x="connsiteX17" y="connsiteY17"/>
+              </a:cxn>
+              <a:cxn ang="0">
+                <a:pos x="connsiteX18" y="connsiteY18"/>
+              </a:cxn>
+              <a:cxn ang="0">
+                <a:pos x="connsiteX19" y="connsiteY19"/>
+              </a:cxn>
+              <a:cxn ang="0">
+                <a:pos x="connsiteX20" y="connsiteY20"/>
+              </a:cxn>
+              <a:cxn ang="0">
+                <a:pos x="connsiteX21" y="connsiteY21"/>
+              </a:cxn>
+              <a:cxn ang="0">
+                <a:pos x="connsiteX22" y="connsiteY22"/>
+              </a:cxn>
+              <a:cxn ang="0">
+                <a:pos x="connsiteX23" y="connsiteY23"/>
+              </a:cxn>
+              <a:cxn ang="0">
+                <a:pos x="connsiteX24" y="connsiteY24"/>
+              </a:cxn>
+              <a:cxn ang="0">
+                <a:pos x="connsiteX25" y="connsiteY25"/>
+              </a:cxn>
+              <a:cxn ang="0">
+                <a:pos x="connsiteX26" y="connsiteY26"/>
+              </a:cxn>
+              <a:cxn ang="0">
+                <a:pos x="connsiteX27" y="connsiteY27"/>
+              </a:cxn>
+              <a:cxn ang="0">
+                <a:pos x="connsiteX28" y="connsiteY28"/>
+              </a:cxn>
+              <a:cxn ang="0">
+                <a:pos x="connsiteX29" y="connsiteY29"/>
+              </a:cxn>
+              <a:cxn ang="0">
+                <a:pos x="connsiteX30" y="connsiteY30"/>
+              </a:cxn>
+              <a:cxn ang="0">
+                <a:pos x="connsiteX31" y="connsiteY31"/>
+              </a:cxn>
+              <a:cxn ang="0">
+                <a:pos x="connsiteX32" y="connsiteY32"/>
+              </a:cxn>
+              <a:cxn ang="0">
+                <a:pos x="connsiteX33" y="connsiteY33"/>
+              </a:cxn>
+              <a:cxn ang="0">
+                <a:pos x="connsiteX34" y="connsiteY34"/>
+              </a:cxn>
+              <a:cxn ang="0">
+                <a:pos x="connsiteX35" y="connsiteY35"/>
+              </a:cxn>
+              <a:cxn ang="0">
+                <a:pos x="connsiteX36" y="connsiteY36"/>
+              </a:cxn>
+              <a:cxn ang="0">
+                <a:pos x="connsiteX37" y="connsiteY37"/>
+              </a:cxn>
+              <a:cxn ang="0">
+                <a:pos x="connsiteX38" y="connsiteY38"/>
+              </a:cxn>
+              <a:cxn ang="0">
+                <a:pos x="connsiteX39" y="connsiteY39"/>
+              </a:cxn>
+              <a:cxn ang="0">
+                <a:pos x="connsiteX40" y="connsiteY40"/>
+              </a:cxn>
+              <a:cxn ang="0">
+                <a:pos x="connsiteX41" y="connsiteY41"/>
+              </a:cxn>
+              <a:cxn ang="0">
+                <a:pos x="connsiteX42" y="connsiteY42"/>
+              </a:cxn>
+              <a:cxn ang="0">
+                <a:pos x="connsiteX43" y="connsiteY43"/>
+              </a:cxn>
+              <a:cxn ang="0">
+                <a:pos x="connsiteX44" y="connsiteY44"/>
+              </a:cxn>
+              <a:cxn ang="0">
+                <a:pos x="connsiteX45" y="connsiteY45"/>
+              </a:cxn>
+              <a:cxn ang="0">
+                <a:pos x="connsiteX46" y="connsiteY46"/>
+              </a:cxn>
+              <a:cxn ang="0">
+                <a:pos x="connsiteX47" y="connsiteY47"/>
+              </a:cxn>
+              <a:cxn ang="0">
+                <a:pos x="connsiteX48" y="connsiteY48"/>
+              </a:cxn>
+              <a:cxn ang="0">
+                <a:pos x="connsiteX49" y="connsiteY49"/>
+              </a:cxn>
+              <a:cxn ang="0">
+                <a:pos x="connsiteX50" y="connsiteY50"/>
+              </a:cxn>
+              <a:cxn ang="0">
+                <a:pos x="connsiteX51" y="connsiteY51"/>
+              </a:cxn>
+              <a:cxn ang="0">
+                <a:pos x="connsiteX52" y="connsiteY52"/>
+              </a:cxn>
+              <a:cxn ang="0">
+                <a:pos x="connsiteX53" y="connsiteY53"/>
+              </a:cxn>
+              <a:cxn ang="0">
+                <a:pos x="connsiteX54" y="connsiteY54"/>
+              </a:cxn>
+              <a:cxn ang="0">
+                <a:pos x="connsiteX55" y="connsiteY55"/>
+              </a:cxn>
+              <a:cxn ang="0">
+                <a:pos x="connsiteX56" y="connsiteY56"/>
+              </a:cxn>
+              <a:cxn ang="0">
+                <a:pos x="connsiteX57" y="connsiteY57"/>
+              </a:cxn>
+              <a:cxn ang="0">
+                <a:pos x="connsiteX58" y="connsiteY58"/>
+              </a:cxn>
+              <a:cxn ang="0">
+                <a:pos x="connsiteX59" y="connsiteY59"/>
+              </a:cxn>
+              <a:cxn ang="0">
+                <a:pos x="connsiteX60" y="connsiteY60"/>
+              </a:cxn>
+              <a:cxn ang="0">
+                <a:pos x="connsiteX61" y="connsiteY61"/>
+              </a:cxn>
+              <a:cxn ang="0">
+                <a:pos x="connsiteX62" y="connsiteY62"/>
+              </a:cxn>
+              <a:cxn ang="0">
+                <a:pos x="connsiteX63" y="connsiteY63"/>
+              </a:cxn>
+              <a:cxn ang="0">
+                <a:pos x="connsiteX64" y="connsiteY64"/>
+              </a:cxn>
+              <a:cxn ang="0">
+                <a:pos x="connsiteX65" y="connsiteY65"/>
+              </a:cxn>
+              <a:cxn ang="0">
+                <a:pos x="connsiteX66" y="connsiteY66"/>
+              </a:cxn>
+              <a:cxn ang="0">
+                <a:pos x="connsiteX67" y="connsiteY67"/>
+              </a:cxn>
+              <a:cxn ang="0">
+                <a:pos x="connsiteX68" y="connsiteY68"/>
+              </a:cxn>
+              <a:cxn ang="0">
+                <a:pos x="connsiteX69" y="connsiteY69"/>
+              </a:cxn>
+              <a:cxn ang="0">
+                <a:pos x="connsiteX70" y="connsiteY70"/>
+              </a:cxn>
+              <a:cxn ang="0">
+                <a:pos x="connsiteX71" y="connsiteY71"/>
+              </a:cxn>
+              <a:cxn ang="0">
+                <a:pos x="connsiteX72" y="connsiteY72"/>
+              </a:cxn>
+              <a:cxn ang="0">
+                <a:pos x="connsiteX73" y="connsiteY73"/>
+              </a:cxn>
+            </a:cxnLst>
+            <a:rect l="l" t="t" r="r" b="b"/>
+            <a:pathLst>
+              <a:path w="3127513" h="2372201">
+                <a:moveTo>
+                  <a:pt x="2160104" y="1338531"/>
+                </a:moveTo>
+                <a:cubicBezTo>
+                  <a:pt x="2182191" y="1347366"/>
+                  <a:pt x="2204091" y="1356682"/>
+                  <a:pt x="2226365" y="1365035"/>
+                </a:cubicBezTo>
+                <a:cubicBezTo>
+                  <a:pt x="2239445" y="1369940"/>
+                  <a:pt x="2252152" y="1378288"/>
+                  <a:pt x="2266121" y="1378288"/>
+                </a:cubicBezTo>
+                <a:cubicBezTo>
+                  <a:pt x="2350168" y="1378288"/>
+                  <a:pt x="2433982" y="1369453"/>
+                  <a:pt x="2517913" y="1365035"/>
+                </a:cubicBezTo>
+                <a:cubicBezTo>
+                  <a:pt x="2623929" y="1329696"/>
+                  <a:pt x="2500244" y="1382704"/>
+                  <a:pt x="2570921" y="1312027"/>
+                </a:cubicBezTo>
+                <a:cubicBezTo>
+                  <a:pt x="2593445" y="1289503"/>
+                  <a:pt x="2627910" y="1281542"/>
+                  <a:pt x="2650434" y="1259018"/>
+                </a:cubicBezTo>
+                <a:lnTo>
+                  <a:pt x="2703443" y="1206009"/>
+                </a:lnTo>
+                <a:cubicBezTo>
+                  <a:pt x="2751774" y="1061017"/>
+                  <a:pt x="2674692" y="1280638"/>
+                  <a:pt x="2743200" y="1126496"/>
+                </a:cubicBezTo>
+                <a:cubicBezTo>
+                  <a:pt x="2754547" y="1100966"/>
+                  <a:pt x="2760869" y="1073487"/>
+                  <a:pt x="2769704" y="1046983"/>
+                </a:cubicBezTo>
+                <a:cubicBezTo>
+                  <a:pt x="2781271" y="1012283"/>
+                  <a:pt x="2790230" y="965652"/>
+                  <a:pt x="2835965" y="954218"/>
+                </a:cubicBezTo>
+                <a:cubicBezTo>
+                  <a:pt x="2902525" y="937578"/>
+                  <a:pt x="2871694" y="946725"/>
+                  <a:pt x="2928730" y="927714"/>
+                </a:cubicBezTo>
+                <a:cubicBezTo>
+                  <a:pt x="2955234" y="932131"/>
+                  <a:pt x="2983689" y="930053"/>
+                  <a:pt x="3008243" y="940966"/>
+                </a:cubicBezTo>
+                <a:cubicBezTo>
+                  <a:pt x="3056693" y="962499"/>
+                  <a:pt x="3042956" y="983887"/>
+                  <a:pt x="3061252" y="1020479"/>
+                </a:cubicBezTo>
+                <a:cubicBezTo>
+                  <a:pt x="3068375" y="1034725"/>
+                  <a:pt x="3078921" y="1046983"/>
+                  <a:pt x="3087756" y="1060235"/>
+                </a:cubicBezTo>
+                <a:lnTo>
+                  <a:pt x="3114260" y="1139748"/>
+                </a:lnTo>
+                <a:lnTo>
+                  <a:pt x="3127513" y="1179505"/>
+                </a:lnTo>
+                <a:cubicBezTo>
+                  <a:pt x="3119966" y="1300243"/>
+                  <a:pt x="3125886" y="1358288"/>
+                  <a:pt x="3101008" y="1457801"/>
+                </a:cubicBezTo>
+                <a:cubicBezTo>
+                  <a:pt x="3097620" y="1471353"/>
+                  <a:pt x="3094003" y="1485063"/>
+                  <a:pt x="3087756" y="1497557"/>
+                </a:cubicBezTo>
+                <a:cubicBezTo>
+                  <a:pt x="3080633" y="1511803"/>
+                  <a:pt x="3068375" y="1523068"/>
+                  <a:pt x="3061252" y="1537314"/>
+                </a:cubicBezTo>
+                <a:cubicBezTo>
+                  <a:pt x="3026847" y="1606126"/>
+                  <a:pt x="3073264" y="1551806"/>
+                  <a:pt x="3021495" y="1603575"/>
+                </a:cubicBezTo>
+                <a:cubicBezTo>
+                  <a:pt x="3017078" y="1616827"/>
+                  <a:pt x="3016624" y="1632156"/>
+                  <a:pt x="3008243" y="1643331"/>
+                </a:cubicBezTo>
+                <a:cubicBezTo>
+                  <a:pt x="2983538" y="1676271"/>
+                  <a:pt x="2902622" y="1749217"/>
+                  <a:pt x="2862469" y="1762601"/>
+                </a:cubicBezTo>
+                <a:lnTo>
+                  <a:pt x="2782956" y="1789105"/>
+                </a:lnTo>
+                <a:cubicBezTo>
+                  <a:pt x="2769704" y="1797940"/>
+                  <a:pt x="2757446" y="1808486"/>
+                  <a:pt x="2743200" y="1815609"/>
+                </a:cubicBezTo>
+                <a:cubicBezTo>
+                  <a:pt x="2730706" y="1821856"/>
+                  <a:pt x="2714810" y="1820742"/>
+                  <a:pt x="2703443" y="1828861"/>
+                </a:cubicBezTo>
+                <a:cubicBezTo>
+                  <a:pt x="2683109" y="1843385"/>
+                  <a:pt x="2668104" y="1864200"/>
+                  <a:pt x="2650434" y="1881870"/>
+                </a:cubicBezTo>
+                <a:lnTo>
+                  <a:pt x="2623930" y="1908375"/>
+                </a:lnTo>
+                <a:cubicBezTo>
+                  <a:pt x="2582516" y="2074032"/>
+                  <a:pt x="2635439" y="1868099"/>
+                  <a:pt x="2597426" y="2001140"/>
+                </a:cubicBezTo>
+                <a:cubicBezTo>
+                  <a:pt x="2592422" y="2018652"/>
+                  <a:pt x="2591348" y="2037407"/>
+                  <a:pt x="2584173" y="2054148"/>
+                </a:cubicBezTo>
+                <a:cubicBezTo>
+                  <a:pt x="2577899" y="2068787"/>
+                  <a:pt x="2564792" y="2079659"/>
+                  <a:pt x="2557669" y="2093905"/>
+                </a:cubicBezTo>
+                <a:cubicBezTo>
+                  <a:pt x="2551422" y="2106399"/>
+                  <a:pt x="2553143" y="2122753"/>
+                  <a:pt x="2544417" y="2133661"/>
+                </a:cubicBezTo>
+                <a:cubicBezTo>
+                  <a:pt x="2534467" y="2146098"/>
+                  <a:pt x="2517912" y="2151331"/>
+                  <a:pt x="2504660" y="2160166"/>
+                </a:cubicBezTo>
+                <a:cubicBezTo>
+                  <a:pt x="2500243" y="2173418"/>
+                  <a:pt x="2500134" y="2189014"/>
+                  <a:pt x="2491408" y="2199922"/>
+                </a:cubicBezTo>
+                <a:cubicBezTo>
+                  <a:pt x="2472723" y="2223278"/>
+                  <a:pt x="2438087" y="2230949"/>
+                  <a:pt x="2411895" y="2239679"/>
+                </a:cubicBezTo>
+                <a:cubicBezTo>
+                  <a:pt x="2403060" y="2252931"/>
+                  <a:pt x="2397828" y="2269486"/>
+                  <a:pt x="2385391" y="2279435"/>
+                </a:cubicBezTo>
+                <a:cubicBezTo>
+                  <a:pt x="2374483" y="2288162"/>
+                  <a:pt x="2358128" y="2286441"/>
+                  <a:pt x="2345634" y="2292688"/>
+                </a:cubicBezTo>
+                <a:cubicBezTo>
+                  <a:pt x="2331389" y="2299811"/>
+                  <a:pt x="2320432" y="2312724"/>
+                  <a:pt x="2305878" y="2319192"/>
+                </a:cubicBezTo>
+                <a:cubicBezTo>
+                  <a:pt x="2249184" y="2344389"/>
+                  <a:pt x="2227328" y="2343527"/>
+                  <a:pt x="2173356" y="2358948"/>
+                </a:cubicBezTo>
+                <a:cubicBezTo>
+                  <a:pt x="2159925" y="2362786"/>
+                  <a:pt x="2146852" y="2367783"/>
+                  <a:pt x="2133600" y="2372201"/>
+                </a:cubicBezTo>
+                <a:cubicBezTo>
+                  <a:pt x="2018748" y="2367783"/>
+                  <a:pt x="1903478" y="2369676"/>
+                  <a:pt x="1789043" y="2358948"/>
+                </a:cubicBezTo>
+                <a:cubicBezTo>
+                  <a:pt x="1761227" y="2356340"/>
+                  <a:pt x="1709530" y="2332444"/>
+                  <a:pt x="1709530" y="2332444"/>
+                </a:cubicBezTo>
+                <a:cubicBezTo>
+                  <a:pt x="1700695" y="2319192"/>
+                  <a:pt x="1694288" y="2303950"/>
+                  <a:pt x="1683026" y="2292688"/>
+                </a:cubicBezTo>
+                <a:cubicBezTo>
+                  <a:pt x="1671764" y="2281426"/>
+                  <a:pt x="1653757" y="2278170"/>
+                  <a:pt x="1643269" y="2266183"/>
+                </a:cubicBezTo>
+                <a:cubicBezTo>
+                  <a:pt x="1622293" y="2242210"/>
+                  <a:pt x="1590260" y="2186670"/>
+                  <a:pt x="1590260" y="2186670"/>
+                </a:cubicBezTo>
+                <a:cubicBezTo>
+                  <a:pt x="1568236" y="2120597"/>
+                  <a:pt x="1563856" y="2114234"/>
+                  <a:pt x="1550504" y="2054148"/>
+                </a:cubicBezTo>
+                <a:cubicBezTo>
+                  <a:pt x="1542206" y="2016806"/>
+                  <a:pt x="1531434" y="1939407"/>
+                  <a:pt x="1510747" y="1908375"/>
+                </a:cubicBezTo>
+                <a:cubicBezTo>
+                  <a:pt x="1465312" y="1840220"/>
+                  <a:pt x="1507592" y="1892598"/>
+                  <a:pt x="1444487" y="1842114"/>
+                </a:cubicBezTo>
+                <a:cubicBezTo>
+                  <a:pt x="1411605" y="1815808"/>
+                  <a:pt x="1422151" y="1807930"/>
+                  <a:pt x="1378226" y="1789105"/>
+                </a:cubicBezTo>
+                <a:cubicBezTo>
+                  <a:pt x="1361485" y="1781930"/>
+                  <a:pt x="1342887" y="1780270"/>
+                  <a:pt x="1325217" y="1775853"/>
+                </a:cubicBezTo>
+                <a:cubicBezTo>
+                  <a:pt x="1274969" y="1725603"/>
+                  <a:pt x="1321241" y="1761606"/>
+                  <a:pt x="1219200" y="1736096"/>
+                </a:cubicBezTo>
+                <a:cubicBezTo>
+                  <a:pt x="1025164" y="1687588"/>
+                  <a:pt x="1262255" y="1727101"/>
+                  <a:pt x="1046921" y="1696340"/>
+                </a:cubicBezTo>
+                <a:cubicBezTo>
+                  <a:pt x="1038086" y="1687505"/>
+                  <a:pt x="1031592" y="1675423"/>
+                  <a:pt x="1020417" y="1669835"/>
+                </a:cubicBezTo>
+                <a:cubicBezTo>
+                  <a:pt x="995429" y="1657341"/>
+                  <a:pt x="940904" y="1643331"/>
+                  <a:pt x="940904" y="1643331"/>
+                </a:cubicBezTo>
+                <a:cubicBezTo>
+                  <a:pt x="932069" y="1630079"/>
+                  <a:pt x="926837" y="1613524"/>
+                  <a:pt x="914400" y="1603575"/>
+                </a:cubicBezTo>
+                <a:cubicBezTo>
+                  <a:pt x="903492" y="1594848"/>
+                  <a:pt x="884521" y="1600200"/>
+                  <a:pt x="874643" y="1590322"/>
+                </a:cubicBezTo>
+                <a:cubicBezTo>
+                  <a:pt x="864766" y="1580445"/>
+                  <a:pt x="869510" y="1561933"/>
+                  <a:pt x="861391" y="1550566"/>
+                </a:cubicBezTo>
+                <a:cubicBezTo>
+                  <a:pt x="846867" y="1530232"/>
+                  <a:pt x="808382" y="1497557"/>
+                  <a:pt x="808382" y="1497557"/>
+                </a:cubicBezTo>
+                <a:lnTo>
+                  <a:pt x="781878" y="1418044"/>
+                </a:lnTo>
+                <a:cubicBezTo>
+                  <a:pt x="777461" y="1404792"/>
+                  <a:pt x="772014" y="1391840"/>
+                  <a:pt x="768626" y="1378288"/>
+                </a:cubicBezTo>
+                <a:lnTo>
+                  <a:pt x="742121" y="1272270"/>
+                </a:lnTo>
+                <a:lnTo>
+                  <a:pt x="728869" y="1219261"/>
+                </a:lnTo>
+                <a:cubicBezTo>
+                  <a:pt x="724452" y="936548"/>
+                  <a:pt x="728265" y="653586"/>
+                  <a:pt x="715617" y="371122"/>
+                </a:cubicBezTo>
+                <a:cubicBezTo>
+                  <a:pt x="714650" y="349519"/>
+                  <a:pt x="674905" y="320232"/>
+                  <a:pt x="662608" y="304861"/>
+                </a:cubicBezTo>
+                <a:cubicBezTo>
+                  <a:pt x="652659" y="292424"/>
+                  <a:pt x="648541" y="275054"/>
+                  <a:pt x="636104" y="265105"/>
+                </a:cubicBezTo>
+                <a:cubicBezTo>
+                  <a:pt x="625196" y="256379"/>
+                  <a:pt x="609599" y="256270"/>
+                  <a:pt x="596347" y="251853"/>
+                </a:cubicBezTo>
+                <a:cubicBezTo>
+                  <a:pt x="574053" y="184969"/>
+                  <a:pt x="599285" y="233546"/>
+                  <a:pt x="543339" y="185592"/>
+                </a:cubicBezTo>
+                <a:cubicBezTo>
+                  <a:pt x="524366" y="169330"/>
+                  <a:pt x="514036" y="140485"/>
+                  <a:pt x="490330" y="132583"/>
+                </a:cubicBezTo>
+                <a:cubicBezTo>
+                  <a:pt x="463826" y="123748"/>
+                  <a:pt x="434063" y="121576"/>
+                  <a:pt x="410817" y="106079"/>
+                </a:cubicBezTo>
+                <a:cubicBezTo>
+                  <a:pt x="397565" y="97244"/>
+                  <a:pt x="385699" y="85849"/>
+                  <a:pt x="371060" y="79575"/>
+                </a:cubicBezTo>
+                <a:cubicBezTo>
+                  <a:pt x="354319" y="72400"/>
+                  <a:pt x="335831" y="70273"/>
+                  <a:pt x="318052" y="66322"/>
+                </a:cubicBezTo>
+                <a:cubicBezTo>
+                  <a:pt x="296064" y="61436"/>
+                  <a:pt x="273952" y="57099"/>
+                  <a:pt x="251791" y="53070"/>
+                </a:cubicBezTo>
+                <a:cubicBezTo>
+                  <a:pt x="225354" y="48263"/>
+                  <a:pt x="198346" y="46335"/>
+                  <a:pt x="172278" y="39818"/>
+                </a:cubicBezTo>
+                <a:cubicBezTo>
+                  <a:pt x="145174" y="33042"/>
+                  <a:pt x="120160" y="18793"/>
+                  <a:pt x="92765" y="13314"/>
+                </a:cubicBezTo>
+                <a:cubicBezTo>
+                  <a:pt x="17841" y="-1672"/>
+                  <a:pt x="49028" y="61"/>
+                  <a:pt x="0" y="61"/>
+                </a:cubicBezTo>
+              </a:path>
+            </a:pathLst>
+          </a:custGeom>
+          <a:effectLst>
+            <a:glow rad="139700">
+              <a:schemeClr val="accent4">
+                <a:satMod val="175000"/>
+                <a:alpha val="40000"/>
+              </a:schemeClr>
+            </a:glow>
+          </a:effectLst>
+        </p:spPr>
+        <p:style>
+          <a:lnRef idx="1">
+            <a:schemeClr val="accent5"/>
+          </a:lnRef>
+          <a:fillRef idx="0">
+            <a:schemeClr val="accent5"/>
+          </a:fillRef>
+          <a:effectRef idx="0">
+            <a:schemeClr val="accent5"/>
+          </a:effectRef>
+          <a:fontRef idx="minor">
+            <a:schemeClr val="tx1"/>
+          </a:fontRef>
+        </p:style>
+        <p:txBody>
+          <a:bodyPr rtlCol="0" anchor="ctr"/>
+          <a:lstStyle/>
+          <a:p>
+            <a:pPr algn="ctr"/>
+            <a:endParaRPr lang="en-US">
+              <a:effectLst>
+                <a:glow rad="101600">
+                  <a:schemeClr val="accent4">
+                    <a:satMod val="175000"/>
+                    <a:alpha val="40000"/>
+                  </a:schemeClr>
+                </a:glow>
+              </a:effectLst>
+            </a:endParaRPr>
+          </a:p>
+        </p:txBody>
+      </p:sp>
+    </p:spTree>
+    <p:extLst>
+      <p:ext uri="{BB962C8B-B14F-4D97-AF65-F5344CB8AC3E}">
+        <p14:creationId xmlns:p14="http://schemas.microsoft.com/office/powerpoint/2010/main" val="3217669765"/>
+      </p:ext>
+    </p:extLst>
+  </p:cSld>
+  <p:clrMapOvr>
+    <a:masterClrMapping/>
+  </p:clrMapOvr>
+  <p:timing>
+    <p:tnLst>
+      <p:par>
+        <p:cTn id="1" dur="indefinite" restart="never" nodeType="tmRoot"/>
+      </p:par>
+    </p:tnLst>
+  </p:timing>
+</p:sld>
+</file>
+
+<file path=ppt/slides/slide14.xml><?xml version="1.0" encoding="utf-8"?>
+<p:sld xmlns:a="http://schemas.openxmlformats.org/drawingml/2006/main" xmlns:r="http://schemas.openxmlformats.org/officeDocument/2006/relationships" xmlns:p="http://schemas.openxmlformats.org/presentationml/2006/main">
+  <p:cSld>
+    <p:spTree>
+      <p:nvGrpSpPr>
+        <p:cNvPr id="1" name=""/>
+        <p:cNvGrpSpPr/>
+        <p:nvPr/>
+      </p:nvGrpSpPr>
+      <p:grpSpPr>
+        <a:xfrm>
+          <a:off x="0" y="0"/>
+          <a:ext cx="0" cy="0"/>
+          <a:chOff x="0" y="0"/>
+          <a:chExt cx="0" cy="0"/>
+        </a:xfrm>
+      </p:grpSpPr>
+      <p:sp>
+        <p:nvSpPr>
+          <p:cNvPr id="2" name="Title 1"/>
+          <p:cNvSpPr>
+            <a:spLocks noGrp="1"/>
+          </p:cNvSpPr>
+          <p:nvPr>
+            <p:ph type="title"/>
+          </p:nvPr>
+        </p:nvSpPr>
+        <p:spPr>
+          <a:xfrm>
+            <a:off x="627843" y="366385"/>
+            <a:ext cx="10995992" cy="1325563"/>
+          </a:xfrm>
+        </p:spPr>
+        <p:txBody>
+          <a:bodyPr>
+            <a:normAutofit fontScale="90000"/>
+          </a:bodyPr>
+          <a:lstStyle/>
+          <a:p>
+            <a:pPr algn="ctr"/>
+            <a:r>
+              <a:rPr lang="en-US" dirty="0" smtClean="0"/>
+              <a:t>The process is repeated until the two safely navigate the maze and approach the first beacon</a:t>
+            </a:r>
+            <a:endParaRPr lang="en-US" dirty="0"/>
+          </a:p>
+        </p:txBody>
+      </p:sp>
+      <p:sp>
+        <p:nvSpPr>
+          <p:cNvPr id="4" name="Rectangle 3"/>
+          <p:cNvSpPr/>
+          <p:nvPr/>
+        </p:nvSpPr>
+        <p:spPr>
+          <a:xfrm>
+            <a:off x="739346" y="2471351"/>
+            <a:ext cx="4969476" cy="3805881"/>
+          </a:xfrm>
+          <a:prstGeom prst="rect">
+            <a:avLst/>
+          </a:prstGeom>
+        </p:spPr>
+        <p:style>
+          <a:lnRef idx="2">
+            <a:schemeClr val="accent1">
+              <a:shade val="50000"/>
+            </a:schemeClr>
+          </a:lnRef>
+          <a:fillRef idx="1">
+            <a:schemeClr val="accent1"/>
+          </a:fillRef>
+          <a:effectRef idx="0">
+            <a:schemeClr val="accent1"/>
+          </a:effectRef>
+          <a:fontRef idx="minor">
+            <a:schemeClr val="lt1"/>
+          </a:fontRef>
+        </p:style>
+        <p:txBody>
+          <a:bodyPr rtlCol="0" anchor="ctr"/>
+          <a:lstStyle/>
+          <a:p>
+            <a:pPr algn="ctr"/>
+            <a:endParaRPr lang="en-US" dirty="0"/>
+          </a:p>
+        </p:txBody>
+      </p:sp>
+      <p:sp>
+        <p:nvSpPr>
+          <p:cNvPr id="7" name="Oval 6"/>
+          <p:cNvSpPr/>
+          <p:nvPr/>
+        </p:nvSpPr>
+        <p:spPr>
+          <a:xfrm>
+            <a:off x="838200" y="5628368"/>
+            <a:ext cx="532371" cy="532371"/>
+          </a:xfrm>
+          <a:prstGeom prst="ellipse">
+            <a:avLst/>
+          </a:prstGeom>
+        </p:spPr>
+        <p:style>
+          <a:lnRef idx="2">
+            <a:schemeClr val="accent1">
+              <a:shade val="50000"/>
+            </a:schemeClr>
+          </a:lnRef>
+          <a:fillRef idx="1">
+            <a:schemeClr val="accent1"/>
+          </a:fillRef>
+          <a:effectRef idx="0">
+            <a:schemeClr val="accent1"/>
+          </a:effectRef>
+          <a:fontRef idx="minor">
+            <a:schemeClr val="lt1"/>
+          </a:fontRef>
+        </p:style>
+        <p:txBody>
+          <a:bodyPr rtlCol="0" anchor="ctr"/>
+          <a:lstStyle/>
+          <a:p>
+            <a:pPr algn="ctr"/>
+            <a:endParaRPr lang="en-US"/>
+          </a:p>
+        </p:txBody>
+      </p:sp>
+      <p:sp>
+        <p:nvSpPr>
+          <p:cNvPr id="8" name="Oval 7"/>
+          <p:cNvSpPr/>
+          <p:nvPr/>
+        </p:nvSpPr>
+        <p:spPr>
+          <a:xfrm>
+            <a:off x="838200" y="2591958"/>
+            <a:ext cx="532371" cy="532371"/>
+          </a:xfrm>
+          <a:prstGeom prst="ellipse">
+            <a:avLst/>
+          </a:prstGeom>
+        </p:spPr>
+        <p:style>
+          <a:lnRef idx="2">
+            <a:schemeClr val="accent1">
+              <a:shade val="50000"/>
+            </a:schemeClr>
+          </a:lnRef>
+          <a:fillRef idx="1">
+            <a:schemeClr val="accent1"/>
+          </a:fillRef>
+          <a:effectRef idx="0">
+            <a:schemeClr val="accent1"/>
+          </a:effectRef>
+          <a:fontRef idx="minor">
+            <a:schemeClr val="lt1"/>
+          </a:fontRef>
+        </p:style>
+        <p:txBody>
+          <a:bodyPr rtlCol="0" anchor="ctr"/>
+          <a:lstStyle/>
+          <a:p>
+            <a:pPr algn="ctr"/>
+            <a:endParaRPr lang="en-US"/>
+          </a:p>
+        </p:txBody>
+      </p:sp>
+      <p:sp>
+        <p:nvSpPr>
+          <p:cNvPr id="9" name="Oval 8"/>
+          <p:cNvSpPr/>
+          <p:nvPr/>
+        </p:nvSpPr>
+        <p:spPr>
+          <a:xfrm>
+            <a:off x="5088404" y="2590281"/>
+            <a:ext cx="532371" cy="532371"/>
+          </a:xfrm>
+          <a:prstGeom prst="ellipse">
+            <a:avLst/>
+          </a:prstGeom>
+        </p:spPr>
+        <p:style>
+          <a:lnRef idx="2">
+            <a:schemeClr val="accent1">
+              <a:shade val="50000"/>
+            </a:schemeClr>
+          </a:lnRef>
+          <a:fillRef idx="1">
+            <a:schemeClr val="accent1"/>
+          </a:fillRef>
+          <a:effectRef idx="0">
+            <a:schemeClr val="accent1"/>
+          </a:effectRef>
+          <a:fontRef idx="minor">
+            <a:schemeClr val="lt1"/>
+          </a:fontRef>
+        </p:style>
+        <p:txBody>
+          <a:bodyPr rtlCol="0" anchor="ctr"/>
+          <a:lstStyle/>
+          <a:p>
+            <a:pPr algn="ctr"/>
+            <a:endParaRPr lang="en-US"/>
+          </a:p>
+        </p:txBody>
+      </p:sp>
+      <p:sp>
+        <p:nvSpPr>
+          <p:cNvPr id="10" name="Oval 9"/>
+          <p:cNvSpPr/>
+          <p:nvPr/>
+        </p:nvSpPr>
+        <p:spPr>
+          <a:xfrm>
+            <a:off x="5088403" y="5625929"/>
+            <a:ext cx="532371" cy="532371"/>
+          </a:xfrm>
+          <a:prstGeom prst="ellipse">
+            <a:avLst/>
+          </a:prstGeom>
+        </p:spPr>
+        <p:style>
+          <a:lnRef idx="2">
+            <a:schemeClr val="accent1">
+              <a:shade val="50000"/>
+            </a:schemeClr>
+          </a:lnRef>
+          <a:fillRef idx="1">
+            <a:schemeClr val="accent1"/>
+          </a:fillRef>
+          <a:effectRef idx="0">
+            <a:schemeClr val="accent1"/>
+          </a:effectRef>
+          <a:fontRef idx="minor">
+            <a:schemeClr val="lt1"/>
+          </a:fontRef>
+        </p:style>
+        <p:txBody>
+          <a:bodyPr rtlCol="0" anchor="ctr"/>
+          <a:lstStyle/>
+          <a:p>
+            <a:pPr algn="ctr"/>
+            <a:endParaRPr lang="en-US"/>
+          </a:p>
+        </p:txBody>
+      </p:sp>
+      <p:sp>
+        <p:nvSpPr>
+          <p:cNvPr id="11" name="Oval 10"/>
+          <p:cNvSpPr/>
+          <p:nvPr/>
+        </p:nvSpPr>
+        <p:spPr>
+          <a:xfrm>
+            <a:off x="838200" y="4138481"/>
+            <a:ext cx="532371" cy="532371"/>
+          </a:xfrm>
+          <a:prstGeom prst="ellipse">
+            <a:avLst/>
+          </a:prstGeom>
+        </p:spPr>
+        <p:style>
+          <a:lnRef idx="2">
+            <a:schemeClr val="accent1">
+              <a:shade val="50000"/>
+            </a:schemeClr>
+          </a:lnRef>
+          <a:fillRef idx="1">
+            <a:schemeClr val="accent1"/>
+          </a:fillRef>
+          <a:effectRef idx="0">
+            <a:schemeClr val="accent1"/>
+          </a:effectRef>
+          <a:fontRef idx="minor">
+            <a:schemeClr val="lt1"/>
+          </a:fontRef>
+        </p:style>
+        <p:txBody>
+          <a:bodyPr rtlCol="0" anchor="ctr"/>
+          <a:lstStyle/>
+          <a:p>
+            <a:pPr algn="ctr"/>
+            <a:endParaRPr lang="en-US"/>
+          </a:p>
+        </p:txBody>
+      </p:sp>
+      <p:sp>
+        <p:nvSpPr>
+          <p:cNvPr id="12" name="Oval 11"/>
+          <p:cNvSpPr/>
+          <p:nvPr/>
+        </p:nvSpPr>
+        <p:spPr>
+          <a:xfrm>
+            <a:off x="2890451" y="5628368"/>
+            <a:ext cx="532371" cy="532371"/>
+          </a:xfrm>
+          <a:prstGeom prst="ellipse">
+            <a:avLst/>
+          </a:prstGeom>
+        </p:spPr>
+        <p:style>
+          <a:lnRef idx="2">
+            <a:schemeClr val="accent1">
+              <a:shade val="50000"/>
+            </a:schemeClr>
+          </a:lnRef>
+          <a:fillRef idx="1">
+            <a:schemeClr val="accent1"/>
+          </a:fillRef>
+          <a:effectRef idx="0">
+            <a:schemeClr val="accent1"/>
+          </a:effectRef>
+          <a:fontRef idx="minor">
+            <a:schemeClr val="lt1"/>
+          </a:fontRef>
+        </p:style>
+        <p:txBody>
+          <a:bodyPr rtlCol="0" anchor="ctr"/>
+          <a:lstStyle/>
+          <a:p>
+            <a:pPr algn="ctr"/>
+            <a:endParaRPr lang="en-US"/>
+          </a:p>
+        </p:txBody>
+      </p:sp>
+      <p:sp>
+        <p:nvSpPr>
+          <p:cNvPr id="13" name="Oval 12"/>
+          <p:cNvSpPr/>
+          <p:nvPr/>
+        </p:nvSpPr>
+        <p:spPr>
+          <a:xfrm>
+            <a:off x="2964591" y="2590281"/>
+            <a:ext cx="532371" cy="532371"/>
+          </a:xfrm>
+          <a:prstGeom prst="ellipse">
+            <a:avLst/>
+          </a:prstGeom>
+        </p:spPr>
+        <p:style>
+          <a:lnRef idx="2">
+            <a:schemeClr val="accent1">
+              <a:shade val="50000"/>
+            </a:schemeClr>
+          </a:lnRef>
+          <a:fillRef idx="1">
+            <a:schemeClr val="accent1"/>
+          </a:fillRef>
+          <a:effectRef idx="0">
+            <a:schemeClr val="accent1"/>
+          </a:effectRef>
+          <a:fontRef idx="minor">
+            <a:schemeClr val="lt1"/>
+          </a:fontRef>
+        </p:style>
+        <p:txBody>
+          <a:bodyPr rtlCol="0" anchor="ctr"/>
+          <a:lstStyle/>
+          <a:p>
+            <a:pPr algn="ctr"/>
+            <a:endParaRPr lang="en-US"/>
+          </a:p>
+        </p:txBody>
+      </p:sp>
+      <p:sp>
+        <p:nvSpPr>
+          <p:cNvPr id="14" name="Oval 13"/>
+          <p:cNvSpPr/>
+          <p:nvPr/>
+        </p:nvSpPr>
+        <p:spPr>
+          <a:xfrm>
+            <a:off x="5088405" y="4108105"/>
+            <a:ext cx="532371" cy="532371"/>
+          </a:xfrm>
+          <a:prstGeom prst="ellipse">
+            <a:avLst/>
+          </a:prstGeom>
+        </p:spPr>
+        <p:style>
+          <a:lnRef idx="2">
+            <a:schemeClr val="accent1">
+              <a:shade val="50000"/>
+            </a:schemeClr>
+          </a:lnRef>
+          <a:fillRef idx="1">
+            <a:schemeClr val="accent1"/>
+          </a:fillRef>
+          <a:effectRef idx="0">
+            <a:schemeClr val="accent1"/>
+          </a:effectRef>
+          <a:fontRef idx="minor">
+            <a:schemeClr val="lt1"/>
+          </a:fontRef>
+        </p:style>
+        <p:txBody>
+          <a:bodyPr rtlCol="0" anchor="ctr"/>
+          <a:lstStyle/>
+          <a:p>
+            <a:pPr algn="ctr"/>
+            <a:endParaRPr lang="en-US"/>
+          </a:p>
+        </p:txBody>
+      </p:sp>
+      <p:pic>
+        <p:nvPicPr>
+          <p:cNvPr id="1028" name="Picture 4" descr="http://pcgamingwiki.com/images/thumb/3/3c/Editor_Icon_-_VR.svg/120px-Editor_Icon_-_VR.svg.png"/>
+          <p:cNvPicPr>
+            <a:picLocks noChangeAspect="1" noChangeArrowheads="1"/>
+          </p:cNvPicPr>
+          <p:nvPr/>
+        </p:nvPicPr>
+        <p:blipFill>
+          <a:blip r:embed="rId2" cstate="print">
+            <a:extLst>
+              <a:ext uri="{28A0092B-C50C-407E-A947-70E740481C1C}">
+                <a14:useLocalDpi xmlns:a14="http://schemas.microsoft.com/office/drawing/2010/main" val="0"/>
+              </a:ext>
+            </a:extLst>
+          </a:blip>
+          <a:srcRect/>
+          <a:stretch>
+            <a:fillRect/>
+          </a:stretch>
+        </p:blipFill>
+        <p:spPr bwMode="auto">
+          <a:xfrm>
+            <a:off x="1628793" y="2697168"/>
+            <a:ext cx="472647" cy="472647"/>
+          </a:xfrm>
+          <a:prstGeom prst="rect">
+            <a:avLst/>
+          </a:prstGeom>
+          <a:noFill/>
+          <a:extLst>
+            <a:ext uri="{909E8E84-426E-40DD-AFC4-6F175D3DCCD1}">
+              <a14:hiddenFill xmlns:a14="http://schemas.microsoft.com/office/drawing/2010/main">
+                <a:solidFill>
+                  <a:srgbClr val="FFFFFF"/>
+                </a:solidFill>
+              </a14:hiddenFill>
+            </a:ext>
+          </a:extLst>
+        </p:spPr>
+      </p:pic>
+      <p:pic>
+        <p:nvPicPr>
+          <p:cNvPr id="2050" name="Picture 2" descr="http://icons.iconarchive.com/icons/icons8/windows-8/512/Sports-Olympic-Torch-icon.png"/>
+          <p:cNvPicPr>
+            <a:picLocks noChangeAspect="1" noChangeArrowheads="1"/>
+          </p:cNvPicPr>
+          <p:nvPr/>
+        </p:nvPicPr>
+        <p:blipFill>
+          <a:blip r:embed="rId3" cstate="print">
+            <a:extLst>
+              <a:ext uri="{28A0092B-C50C-407E-A947-70E740481C1C}">
+                <a14:useLocalDpi xmlns:a14="http://schemas.microsoft.com/office/drawing/2010/main" val="0"/>
+              </a:ext>
+            </a:extLst>
+          </a:blip>
+          <a:srcRect/>
+          <a:stretch>
+            <a:fillRect/>
+          </a:stretch>
+        </p:blipFill>
+        <p:spPr bwMode="auto">
+          <a:xfrm>
+            <a:off x="1964122" y="2627526"/>
+            <a:ext cx="507656" cy="507656"/>
+          </a:xfrm>
+          <a:prstGeom prst="rect">
+            <a:avLst/>
+          </a:prstGeom>
+          <a:noFill/>
+          <a:extLst>
+            <a:ext uri="{909E8E84-426E-40DD-AFC4-6F175D3DCCD1}">
+              <a14:hiddenFill xmlns:a14="http://schemas.microsoft.com/office/drawing/2010/main">
+                <a:solidFill>
+                  <a:srgbClr val="FFFFFF"/>
+                </a:solidFill>
+              </a14:hiddenFill>
+            </a:ext>
+          </a:extLst>
+        </p:spPr>
+      </p:pic>
+      <p:pic>
+        <p:nvPicPr>
+          <p:cNvPr id="17" name="Picture 2" descr="http://www.stockvault.net/blog/wp-content/uploads/2011/10/241.jpg"/>
+          <p:cNvPicPr>
+            <a:picLocks noChangeAspect="1" noChangeArrowheads="1"/>
+          </p:cNvPicPr>
+          <p:nvPr/>
+        </p:nvPicPr>
+        <p:blipFill>
+          <a:blip r:embed="rId4">
+            <a:extLst>
+              <a:ext uri="{28A0092B-C50C-407E-A947-70E740481C1C}">
+                <a14:useLocalDpi xmlns:a14="http://schemas.microsoft.com/office/drawing/2010/main" val="0"/>
+              </a:ext>
+            </a:extLst>
+          </a:blip>
+          <a:srcRect/>
+          <a:stretch>
+            <a:fillRect/>
+          </a:stretch>
+        </p:blipFill>
+        <p:spPr bwMode="auto">
+          <a:xfrm>
+            <a:off x="6660291" y="2716424"/>
+            <a:ext cx="4501979" cy="3376484"/>
+          </a:xfrm>
+          <a:prstGeom prst="rect">
+            <a:avLst/>
+          </a:prstGeom>
+          <a:noFill/>
+          <a:effectLst>
+            <a:outerShdw blurRad="50800" dist="38100" dir="2700000" algn="tl" rotWithShape="0">
+              <a:prstClr val="black">
+                <a:alpha val="40000"/>
+              </a:prstClr>
+            </a:outerShdw>
+          </a:effectLst>
+          <a:extLst>
+            <a:ext uri="{909E8E84-426E-40DD-AFC4-6F175D3DCCD1}">
+              <a14:hiddenFill xmlns:a14="http://schemas.microsoft.com/office/drawing/2010/main">
+                <a:solidFill>
+                  <a:srgbClr val="FFFFFF"/>
+                </a:solidFill>
+              </a14:hiddenFill>
+            </a:ext>
+          </a:extLst>
+        </p:spPr>
+      </p:pic>
+      <p:pic>
+        <p:nvPicPr>
+          <p:cNvPr id="5122" name="Picture 2" descr="http://images.vectorhq.com/images/previews/895/star-shine-flare-psd-428944.png"/>
+          <p:cNvPicPr>
+            <a:picLocks noChangeAspect="1" noChangeArrowheads="1"/>
+          </p:cNvPicPr>
+          <p:nvPr/>
+        </p:nvPicPr>
+        <p:blipFill>
+          <a:blip r:embed="rId5" cstate="print">
+            <a:extLst>
+              <a:ext uri="{28A0092B-C50C-407E-A947-70E740481C1C}">
+                <a14:useLocalDpi xmlns:a14="http://schemas.microsoft.com/office/drawing/2010/main" val="0"/>
+              </a:ext>
+            </a:extLst>
+          </a:blip>
+          <a:srcRect/>
+          <a:stretch>
+            <a:fillRect/>
+          </a:stretch>
+        </p:blipFill>
+        <p:spPr bwMode="auto">
+          <a:xfrm>
+            <a:off x="8484424" y="4045686"/>
+            <a:ext cx="1295680" cy="1250332"/>
+          </a:xfrm>
+          <a:prstGeom prst="rect">
+            <a:avLst/>
+          </a:prstGeom>
+          <a:noFill/>
+          <a:extLst>
+            <a:ext uri="{909E8E84-426E-40DD-AFC4-6F175D3DCCD1}">
+              <a14:hiddenFill xmlns:a14="http://schemas.microsoft.com/office/drawing/2010/main">
+                <a:solidFill>
+                  <a:srgbClr val="FFFFFF"/>
+                </a:solidFill>
+              </a14:hiddenFill>
+            </a:ext>
+          </a:extLst>
+        </p:spPr>
+      </p:pic>
+      <p:sp>
+        <p:nvSpPr>
+          <p:cNvPr id="19" name="Freeform 18"/>
+          <p:cNvSpPr/>
+          <p:nvPr/>
+        </p:nvSpPr>
+        <p:spPr>
+          <a:xfrm>
+            <a:off x="1338470" y="3008182"/>
+            <a:ext cx="3127513" cy="2372201"/>
+          </a:xfrm>
+          <a:custGeom>
+            <a:avLst/>
+            <a:gdLst>
+              <a:gd name="connsiteX0" fmla="*/ 2160104 w 3127513"/>
+              <a:gd name="connsiteY0" fmla="*/ 1338531 h 2372201"/>
+              <a:gd name="connsiteX1" fmla="*/ 2226365 w 3127513"/>
+              <a:gd name="connsiteY1" fmla="*/ 1365035 h 2372201"/>
+              <a:gd name="connsiteX2" fmla="*/ 2266121 w 3127513"/>
+              <a:gd name="connsiteY2" fmla="*/ 1378288 h 2372201"/>
+              <a:gd name="connsiteX3" fmla="*/ 2517913 w 3127513"/>
+              <a:gd name="connsiteY3" fmla="*/ 1365035 h 2372201"/>
+              <a:gd name="connsiteX4" fmla="*/ 2570921 w 3127513"/>
+              <a:gd name="connsiteY4" fmla="*/ 1312027 h 2372201"/>
+              <a:gd name="connsiteX5" fmla="*/ 2650434 w 3127513"/>
+              <a:gd name="connsiteY5" fmla="*/ 1259018 h 2372201"/>
+              <a:gd name="connsiteX6" fmla="*/ 2703443 w 3127513"/>
+              <a:gd name="connsiteY6" fmla="*/ 1206009 h 2372201"/>
+              <a:gd name="connsiteX7" fmla="*/ 2743200 w 3127513"/>
+              <a:gd name="connsiteY7" fmla="*/ 1126496 h 2372201"/>
+              <a:gd name="connsiteX8" fmla="*/ 2769704 w 3127513"/>
+              <a:gd name="connsiteY8" fmla="*/ 1046983 h 2372201"/>
+              <a:gd name="connsiteX9" fmla="*/ 2835965 w 3127513"/>
+              <a:gd name="connsiteY9" fmla="*/ 954218 h 2372201"/>
+              <a:gd name="connsiteX10" fmla="*/ 2928730 w 3127513"/>
+              <a:gd name="connsiteY10" fmla="*/ 927714 h 2372201"/>
+              <a:gd name="connsiteX11" fmla="*/ 3008243 w 3127513"/>
+              <a:gd name="connsiteY11" fmla="*/ 940966 h 2372201"/>
+              <a:gd name="connsiteX12" fmla="*/ 3061252 w 3127513"/>
+              <a:gd name="connsiteY12" fmla="*/ 1020479 h 2372201"/>
+              <a:gd name="connsiteX13" fmla="*/ 3087756 w 3127513"/>
+              <a:gd name="connsiteY13" fmla="*/ 1060235 h 2372201"/>
+              <a:gd name="connsiteX14" fmla="*/ 3114260 w 3127513"/>
+              <a:gd name="connsiteY14" fmla="*/ 1139748 h 2372201"/>
+              <a:gd name="connsiteX15" fmla="*/ 3127513 w 3127513"/>
+              <a:gd name="connsiteY15" fmla="*/ 1179505 h 2372201"/>
+              <a:gd name="connsiteX16" fmla="*/ 3101008 w 3127513"/>
+              <a:gd name="connsiteY16" fmla="*/ 1457801 h 2372201"/>
+              <a:gd name="connsiteX17" fmla="*/ 3087756 w 3127513"/>
+              <a:gd name="connsiteY17" fmla="*/ 1497557 h 2372201"/>
+              <a:gd name="connsiteX18" fmla="*/ 3061252 w 3127513"/>
+              <a:gd name="connsiteY18" fmla="*/ 1537314 h 2372201"/>
+              <a:gd name="connsiteX19" fmla="*/ 3021495 w 3127513"/>
+              <a:gd name="connsiteY19" fmla="*/ 1603575 h 2372201"/>
+              <a:gd name="connsiteX20" fmla="*/ 3008243 w 3127513"/>
+              <a:gd name="connsiteY20" fmla="*/ 1643331 h 2372201"/>
+              <a:gd name="connsiteX21" fmla="*/ 2862469 w 3127513"/>
+              <a:gd name="connsiteY21" fmla="*/ 1762601 h 2372201"/>
+              <a:gd name="connsiteX22" fmla="*/ 2782956 w 3127513"/>
+              <a:gd name="connsiteY22" fmla="*/ 1789105 h 2372201"/>
+              <a:gd name="connsiteX23" fmla="*/ 2743200 w 3127513"/>
+              <a:gd name="connsiteY23" fmla="*/ 1815609 h 2372201"/>
+              <a:gd name="connsiteX24" fmla="*/ 2703443 w 3127513"/>
+              <a:gd name="connsiteY24" fmla="*/ 1828861 h 2372201"/>
+              <a:gd name="connsiteX25" fmla="*/ 2650434 w 3127513"/>
+              <a:gd name="connsiteY25" fmla="*/ 1881870 h 2372201"/>
+              <a:gd name="connsiteX26" fmla="*/ 2623930 w 3127513"/>
+              <a:gd name="connsiteY26" fmla="*/ 1908375 h 2372201"/>
+              <a:gd name="connsiteX27" fmla="*/ 2597426 w 3127513"/>
+              <a:gd name="connsiteY27" fmla="*/ 2001140 h 2372201"/>
+              <a:gd name="connsiteX28" fmla="*/ 2584173 w 3127513"/>
+              <a:gd name="connsiteY28" fmla="*/ 2054148 h 2372201"/>
+              <a:gd name="connsiteX29" fmla="*/ 2557669 w 3127513"/>
+              <a:gd name="connsiteY29" fmla="*/ 2093905 h 2372201"/>
+              <a:gd name="connsiteX30" fmla="*/ 2544417 w 3127513"/>
+              <a:gd name="connsiteY30" fmla="*/ 2133661 h 2372201"/>
+              <a:gd name="connsiteX31" fmla="*/ 2504660 w 3127513"/>
+              <a:gd name="connsiteY31" fmla="*/ 2160166 h 2372201"/>
+              <a:gd name="connsiteX32" fmla="*/ 2491408 w 3127513"/>
+              <a:gd name="connsiteY32" fmla="*/ 2199922 h 2372201"/>
+              <a:gd name="connsiteX33" fmla="*/ 2411895 w 3127513"/>
+              <a:gd name="connsiteY33" fmla="*/ 2239679 h 2372201"/>
+              <a:gd name="connsiteX34" fmla="*/ 2385391 w 3127513"/>
+              <a:gd name="connsiteY34" fmla="*/ 2279435 h 2372201"/>
+              <a:gd name="connsiteX35" fmla="*/ 2345634 w 3127513"/>
+              <a:gd name="connsiteY35" fmla="*/ 2292688 h 2372201"/>
+              <a:gd name="connsiteX36" fmla="*/ 2305878 w 3127513"/>
+              <a:gd name="connsiteY36" fmla="*/ 2319192 h 2372201"/>
+              <a:gd name="connsiteX37" fmla="*/ 2173356 w 3127513"/>
+              <a:gd name="connsiteY37" fmla="*/ 2358948 h 2372201"/>
+              <a:gd name="connsiteX38" fmla="*/ 2133600 w 3127513"/>
+              <a:gd name="connsiteY38" fmla="*/ 2372201 h 2372201"/>
+              <a:gd name="connsiteX39" fmla="*/ 1789043 w 3127513"/>
+              <a:gd name="connsiteY39" fmla="*/ 2358948 h 2372201"/>
+              <a:gd name="connsiteX40" fmla="*/ 1709530 w 3127513"/>
+              <a:gd name="connsiteY40" fmla="*/ 2332444 h 2372201"/>
+              <a:gd name="connsiteX41" fmla="*/ 1683026 w 3127513"/>
+              <a:gd name="connsiteY41" fmla="*/ 2292688 h 2372201"/>
+              <a:gd name="connsiteX42" fmla="*/ 1643269 w 3127513"/>
+              <a:gd name="connsiteY42" fmla="*/ 2266183 h 2372201"/>
+              <a:gd name="connsiteX43" fmla="*/ 1590260 w 3127513"/>
+              <a:gd name="connsiteY43" fmla="*/ 2186670 h 2372201"/>
+              <a:gd name="connsiteX44" fmla="*/ 1550504 w 3127513"/>
+              <a:gd name="connsiteY44" fmla="*/ 2054148 h 2372201"/>
+              <a:gd name="connsiteX45" fmla="*/ 1510747 w 3127513"/>
+              <a:gd name="connsiteY45" fmla="*/ 1908375 h 2372201"/>
+              <a:gd name="connsiteX46" fmla="*/ 1444487 w 3127513"/>
+              <a:gd name="connsiteY46" fmla="*/ 1842114 h 2372201"/>
+              <a:gd name="connsiteX47" fmla="*/ 1378226 w 3127513"/>
+              <a:gd name="connsiteY47" fmla="*/ 1789105 h 2372201"/>
+              <a:gd name="connsiteX48" fmla="*/ 1325217 w 3127513"/>
+              <a:gd name="connsiteY48" fmla="*/ 1775853 h 2372201"/>
+              <a:gd name="connsiteX49" fmla="*/ 1219200 w 3127513"/>
+              <a:gd name="connsiteY49" fmla="*/ 1736096 h 2372201"/>
+              <a:gd name="connsiteX50" fmla="*/ 1046921 w 3127513"/>
+              <a:gd name="connsiteY50" fmla="*/ 1696340 h 2372201"/>
+              <a:gd name="connsiteX51" fmla="*/ 1020417 w 3127513"/>
+              <a:gd name="connsiteY51" fmla="*/ 1669835 h 2372201"/>
+              <a:gd name="connsiteX52" fmla="*/ 940904 w 3127513"/>
+              <a:gd name="connsiteY52" fmla="*/ 1643331 h 2372201"/>
+              <a:gd name="connsiteX53" fmla="*/ 914400 w 3127513"/>
+              <a:gd name="connsiteY53" fmla="*/ 1603575 h 2372201"/>
+              <a:gd name="connsiteX54" fmla="*/ 874643 w 3127513"/>
+              <a:gd name="connsiteY54" fmla="*/ 1590322 h 2372201"/>
+              <a:gd name="connsiteX55" fmla="*/ 861391 w 3127513"/>
+              <a:gd name="connsiteY55" fmla="*/ 1550566 h 2372201"/>
+              <a:gd name="connsiteX56" fmla="*/ 808382 w 3127513"/>
+              <a:gd name="connsiteY56" fmla="*/ 1497557 h 2372201"/>
+              <a:gd name="connsiteX57" fmla="*/ 781878 w 3127513"/>
+              <a:gd name="connsiteY57" fmla="*/ 1418044 h 2372201"/>
+              <a:gd name="connsiteX58" fmla="*/ 768626 w 3127513"/>
+              <a:gd name="connsiteY58" fmla="*/ 1378288 h 2372201"/>
+              <a:gd name="connsiteX59" fmla="*/ 742121 w 3127513"/>
+              <a:gd name="connsiteY59" fmla="*/ 1272270 h 2372201"/>
+              <a:gd name="connsiteX60" fmla="*/ 728869 w 3127513"/>
+              <a:gd name="connsiteY60" fmla="*/ 1219261 h 2372201"/>
+              <a:gd name="connsiteX61" fmla="*/ 715617 w 3127513"/>
+              <a:gd name="connsiteY61" fmla="*/ 371122 h 2372201"/>
+              <a:gd name="connsiteX62" fmla="*/ 662608 w 3127513"/>
+              <a:gd name="connsiteY62" fmla="*/ 304861 h 2372201"/>
+              <a:gd name="connsiteX63" fmla="*/ 636104 w 3127513"/>
+              <a:gd name="connsiteY63" fmla="*/ 265105 h 2372201"/>
+              <a:gd name="connsiteX64" fmla="*/ 596347 w 3127513"/>
+              <a:gd name="connsiteY64" fmla="*/ 251853 h 2372201"/>
+              <a:gd name="connsiteX65" fmla="*/ 543339 w 3127513"/>
+              <a:gd name="connsiteY65" fmla="*/ 185592 h 2372201"/>
+              <a:gd name="connsiteX66" fmla="*/ 490330 w 3127513"/>
+              <a:gd name="connsiteY66" fmla="*/ 132583 h 2372201"/>
+              <a:gd name="connsiteX67" fmla="*/ 410817 w 3127513"/>
+              <a:gd name="connsiteY67" fmla="*/ 106079 h 2372201"/>
+              <a:gd name="connsiteX68" fmla="*/ 371060 w 3127513"/>
+              <a:gd name="connsiteY68" fmla="*/ 79575 h 2372201"/>
+              <a:gd name="connsiteX69" fmla="*/ 318052 w 3127513"/>
+              <a:gd name="connsiteY69" fmla="*/ 66322 h 2372201"/>
+              <a:gd name="connsiteX70" fmla="*/ 251791 w 3127513"/>
+              <a:gd name="connsiteY70" fmla="*/ 53070 h 2372201"/>
+              <a:gd name="connsiteX71" fmla="*/ 172278 w 3127513"/>
+              <a:gd name="connsiteY71" fmla="*/ 39818 h 2372201"/>
+              <a:gd name="connsiteX72" fmla="*/ 92765 w 3127513"/>
+              <a:gd name="connsiteY72" fmla="*/ 13314 h 2372201"/>
+              <a:gd name="connsiteX73" fmla="*/ 0 w 3127513"/>
+              <a:gd name="connsiteY73" fmla="*/ 61 h 2372201"/>
+            </a:gdLst>
+            <a:ahLst/>
+            <a:cxnLst>
+              <a:cxn ang="0">
+                <a:pos x="connsiteX0" y="connsiteY0"/>
+              </a:cxn>
+              <a:cxn ang="0">
+                <a:pos x="connsiteX1" y="connsiteY1"/>
+              </a:cxn>
+              <a:cxn ang="0">
+                <a:pos x="connsiteX2" y="connsiteY2"/>
+              </a:cxn>
+              <a:cxn ang="0">
+                <a:pos x="connsiteX3" y="connsiteY3"/>
+              </a:cxn>
+              <a:cxn ang="0">
+                <a:pos x="connsiteX4" y="connsiteY4"/>
+              </a:cxn>
+              <a:cxn ang="0">
+                <a:pos x="connsiteX5" y="connsiteY5"/>
+              </a:cxn>
+              <a:cxn ang="0">
+                <a:pos x="connsiteX6" y="connsiteY6"/>
+              </a:cxn>
+              <a:cxn ang="0">
+                <a:pos x="connsiteX7" y="connsiteY7"/>
+              </a:cxn>
+              <a:cxn ang="0">
+                <a:pos x="connsiteX8" y="connsiteY8"/>
+              </a:cxn>
+              <a:cxn ang="0">
+                <a:pos x="connsiteX9" y="connsiteY9"/>
+              </a:cxn>
+              <a:cxn ang="0">
+                <a:pos x="connsiteX10" y="connsiteY10"/>
+              </a:cxn>
+              <a:cxn ang="0">
+                <a:pos x="connsiteX11" y="connsiteY11"/>
+              </a:cxn>
+              <a:cxn ang="0">
+                <a:pos x="connsiteX12" y="connsiteY12"/>
+              </a:cxn>
+              <a:cxn ang="0">
+                <a:pos x="connsiteX13" y="connsiteY13"/>
+              </a:cxn>
+              <a:cxn ang="0">
+                <a:pos x="connsiteX14" y="connsiteY14"/>
+              </a:cxn>
+              <a:cxn ang="0">
+                <a:pos x="connsiteX15" y="connsiteY15"/>
+              </a:cxn>
+              <a:cxn ang="0">
+                <a:pos x="connsiteX16" y="connsiteY16"/>
+              </a:cxn>
+              <a:cxn ang="0">
+                <a:pos x="connsiteX17" y="connsiteY17"/>
+              </a:cxn>
+              <a:cxn ang="0">
+                <a:pos x="connsiteX18" y="connsiteY18"/>
+              </a:cxn>
+              <a:cxn ang="0">
+                <a:pos x="connsiteX19" y="connsiteY19"/>
+              </a:cxn>
+              <a:cxn ang="0">
+                <a:pos x="connsiteX20" y="connsiteY20"/>
+              </a:cxn>
+              <a:cxn ang="0">
+                <a:pos x="connsiteX21" y="connsiteY21"/>
+              </a:cxn>
+              <a:cxn ang="0">
+                <a:pos x="connsiteX22" y="connsiteY22"/>
+              </a:cxn>
+              <a:cxn ang="0">
+                <a:pos x="connsiteX23" y="connsiteY23"/>
+              </a:cxn>
+              <a:cxn ang="0">
+                <a:pos x="connsiteX24" y="connsiteY24"/>
+              </a:cxn>
+              <a:cxn ang="0">
+                <a:pos x="connsiteX25" y="connsiteY25"/>
+              </a:cxn>
+              <a:cxn ang="0">
+                <a:pos x="connsiteX26" y="connsiteY26"/>
+              </a:cxn>
+              <a:cxn ang="0">
+                <a:pos x="connsiteX27" y="connsiteY27"/>
+              </a:cxn>
+              <a:cxn ang="0">
+                <a:pos x="connsiteX28" y="connsiteY28"/>
+              </a:cxn>
+              <a:cxn ang="0">
+                <a:pos x="connsiteX29" y="connsiteY29"/>
+              </a:cxn>
+              <a:cxn ang="0">
+                <a:pos x="connsiteX30" y="connsiteY30"/>
+              </a:cxn>
+              <a:cxn ang="0">
+                <a:pos x="connsiteX31" y="connsiteY31"/>
+              </a:cxn>
+              <a:cxn ang="0">
+                <a:pos x="connsiteX32" y="connsiteY32"/>
+              </a:cxn>
+              <a:cxn ang="0">
+                <a:pos x="connsiteX33" y="connsiteY33"/>
+              </a:cxn>
+              <a:cxn ang="0">
+                <a:pos x="connsiteX34" y="connsiteY34"/>
+              </a:cxn>
+              <a:cxn ang="0">
+                <a:pos x="connsiteX35" y="connsiteY35"/>
+              </a:cxn>
+              <a:cxn ang="0">
+                <a:pos x="connsiteX36" y="connsiteY36"/>
+              </a:cxn>
+              <a:cxn ang="0">
+                <a:pos x="connsiteX37" y="connsiteY37"/>
+              </a:cxn>
+              <a:cxn ang="0">
+                <a:pos x="connsiteX38" y="connsiteY38"/>
+              </a:cxn>
+              <a:cxn ang="0">
+                <a:pos x="connsiteX39" y="connsiteY39"/>
+              </a:cxn>
+              <a:cxn ang="0">
+                <a:pos x="connsiteX40" y="connsiteY40"/>
+              </a:cxn>
+              <a:cxn ang="0">
+                <a:pos x="connsiteX41" y="connsiteY41"/>
+              </a:cxn>
+              <a:cxn ang="0">
+                <a:pos x="connsiteX42" y="connsiteY42"/>
+              </a:cxn>
+              <a:cxn ang="0">
+                <a:pos x="connsiteX43" y="connsiteY43"/>
+              </a:cxn>
+              <a:cxn ang="0">
+                <a:pos x="connsiteX44" y="connsiteY44"/>
+              </a:cxn>
+              <a:cxn ang="0">
+                <a:pos x="connsiteX45" y="connsiteY45"/>
+              </a:cxn>
+              <a:cxn ang="0">
+                <a:pos x="connsiteX46" y="connsiteY46"/>
+              </a:cxn>
+              <a:cxn ang="0">
+                <a:pos x="connsiteX47" y="connsiteY47"/>
+              </a:cxn>
+              <a:cxn ang="0">
+                <a:pos x="connsiteX48" y="connsiteY48"/>
+              </a:cxn>
+              <a:cxn ang="0">
+                <a:pos x="connsiteX49" y="connsiteY49"/>
+              </a:cxn>
+              <a:cxn ang="0">
+                <a:pos x="connsiteX50" y="connsiteY50"/>
+              </a:cxn>
+              <a:cxn ang="0">
+                <a:pos x="connsiteX51" y="connsiteY51"/>
+              </a:cxn>
+              <a:cxn ang="0">
+                <a:pos x="connsiteX52" y="connsiteY52"/>
+              </a:cxn>
+              <a:cxn ang="0">
+                <a:pos x="connsiteX53" y="connsiteY53"/>
+              </a:cxn>
+              <a:cxn ang="0">
+                <a:pos x="connsiteX54" y="connsiteY54"/>
+              </a:cxn>
+              <a:cxn ang="0">
+                <a:pos x="connsiteX55" y="connsiteY55"/>
+              </a:cxn>
+              <a:cxn ang="0">
+                <a:pos x="connsiteX56" y="connsiteY56"/>
+              </a:cxn>
+              <a:cxn ang="0">
+                <a:pos x="connsiteX57" y="connsiteY57"/>
+              </a:cxn>
+              <a:cxn ang="0">
+                <a:pos x="connsiteX58" y="connsiteY58"/>
+              </a:cxn>
+              <a:cxn ang="0">
+                <a:pos x="connsiteX59" y="connsiteY59"/>
+              </a:cxn>
+              <a:cxn ang="0">
+                <a:pos x="connsiteX60" y="connsiteY60"/>
+              </a:cxn>
+              <a:cxn ang="0">
+                <a:pos x="connsiteX61" y="connsiteY61"/>
+              </a:cxn>
+              <a:cxn ang="0">
+                <a:pos x="connsiteX62" y="connsiteY62"/>
+              </a:cxn>
+              <a:cxn ang="0">
+                <a:pos x="connsiteX63" y="connsiteY63"/>
+              </a:cxn>
+              <a:cxn ang="0">
+                <a:pos x="connsiteX64" y="connsiteY64"/>
+              </a:cxn>
+              <a:cxn ang="0">
+                <a:pos x="connsiteX65" y="connsiteY65"/>
+              </a:cxn>
+              <a:cxn ang="0">
+                <a:pos x="connsiteX66" y="connsiteY66"/>
+              </a:cxn>
+              <a:cxn ang="0">
+                <a:pos x="connsiteX67" y="connsiteY67"/>
+              </a:cxn>
+              <a:cxn ang="0">
+                <a:pos x="connsiteX68" y="connsiteY68"/>
+              </a:cxn>
+              <a:cxn ang="0">
+                <a:pos x="connsiteX69" y="connsiteY69"/>
+              </a:cxn>
+              <a:cxn ang="0">
+                <a:pos x="connsiteX70" y="connsiteY70"/>
+              </a:cxn>
+              <a:cxn ang="0">
+                <a:pos x="connsiteX71" y="connsiteY71"/>
+              </a:cxn>
+              <a:cxn ang="0">
+                <a:pos x="connsiteX72" y="connsiteY72"/>
+              </a:cxn>
+              <a:cxn ang="0">
+                <a:pos x="connsiteX73" y="connsiteY73"/>
+              </a:cxn>
+            </a:cxnLst>
+            <a:rect l="l" t="t" r="r" b="b"/>
+            <a:pathLst>
+              <a:path w="3127513" h="2372201">
+                <a:moveTo>
+                  <a:pt x="2160104" y="1338531"/>
+                </a:moveTo>
+                <a:cubicBezTo>
+                  <a:pt x="2182191" y="1347366"/>
+                  <a:pt x="2204091" y="1356682"/>
+                  <a:pt x="2226365" y="1365035"/>
+                </a:cubicBezTo>
+                <a:cubicBezTo>
+                  <a:pt x="2239445" y="1369940"/>
+                  <a:pt x="2252152" y="1378288"/>
+                  <a:pt x="2266121" y="1378288"/>
+                </a:cubicBezTo>
+                <a:cubicBezTo>
+                  <a:pt x="2350168" y="1378288"/>
+                  <a:pt x="2433982" y="1369453"/>
+                  <a:pt x="2517913" y="1365035"/>
+                </a:cubicBezTo>
+                <a:cubicBezTo>
+                  <a:pt x="2623929" y="1329696"/>
+                  <a:pt x="2500244" y="1382704"/>
+                  <a:pt x="2570921" y="1312027"/>
+                </a:cubicBezTo>
+                <a:cubicBezTo>
+                  <a:pt x="2593445" y="1289503"/>
+                  <a:pt x="2627910" y="1281542"/>
+                  <a:pt x="2650434" y="1259018"/>
+                </a:cubicBezTo>
+                <a:lnTo>
+                  <a:pt x="2703443" y="1206009"/>
+                </a:lnTo>
+                <a:cubicBezTo>
+                  <a:pt x="2751774" y="1061017"/>
+                  <a:pt x="2674692" y="1280638"/>
+                  <a:pt x="2743200" y="1126496"/>
+                </a:cubicBezTo>
+                <a:cubicBezTo>
+                  <a:pt x="2754547" y="1100966"/>
+                  <a:pt x="2760869" y="1073487"/>
+                  <a:pt x="2769704" y="1046983"/>
+                </a:cubicBezTo>
+                <a:cubicBezTo>
+                  <a:pt x="2781271" y="1012283"/>
+                  <a:pt x="2790230" y="965652"/>
+                  <a:pt x="2835965" y="954218"/>
+                </a:cubicBezTo>
+                <a:cubicBezTo>
+                  <a:pt x="2902525" y="937578"/>
+                  <a:pt x="2871694" y="946725"/>
+                  <a:pt x="2928730" y="927714"/>
+                </a:cubicBezTo>
+                <a:cubicBezTo>
+                  <a:pt x="2955234" y="932131"/>
+                  <a:pt x="2983689" y="930053"/>
+                  <a:pt x="3008243" y="940966"/>
+                </a:cubicBezTo>
+                <a:cubicBezTo>
+                  <a:pt x="3056693" y="962499"/>
+                  <a:pt x="3042956" y="983887"/>
+                  <a:pt x="3061252" y="1020479"/>
+                </a:cubicBezTo>
+                <a:cubicBezTo>
+                  <a:pt x="3068375" y="1034725"/>
+                  <a:pt x="3078921" y="1046983"/>
+                  <a:pt x="3087756" y="1060235"/>
+                </a:cubicBezTo>
+                <a:lnTo>
+                  <a:pt x="3114260" y="1139748"/>
+                </a:lnTo>
+                <a:lnTo>
+                  <a:pt x="3127513" y="1179505"/>
+                </a:lnTo>
+                <a:cubicBezTo>
+                  <a:pt x="3119966" y="1300243"/>
+                  <a:pt x="3125886" y="1358288"/>
+                  <a:pt x="3101008" y="1457801"/>
+                </a:cubicBezTo>
+                <a:cubicBezTo>
+                  <a:pt x="3097620" y="1471353"/>
+                  <a:pt x="3094003" y="1485063"/>
+                  <a:pt x="3087756" y="1497557"/>
+                </a:cubicBezTo>
+                <a:cubicBezTo>
+                  <a:pt x="3080633" y="1511803"/>
+                  <a:pt x="3068375" y="1523068"/>
+                  <a:pt x="3061252" y="1537314"/>
+                </a:cubicBezTo>
+                <a:cubicBezTo>
+                  <a:pt x="3026847" y="1606126"/>
+                  <a:pt x="3073264" y="1551806"/>
+                  <a:pt x="3021495" y="1603575"/>
+                </a:cubicBezTo>
+                <a:cubicBezTo>
+                  <a:pt x="3017078" y="1616827"/>
+                  <a:pt x="3016624" y="1632156"/>
+                  <a:pt x="3008243" y="1643331"/>
+                </a:cubicBezTo>
+                <a:cubicBezTo>
+                  <a:pt x="2983538" y="1676271"/>
+                  <a:pt x="2902622" y="1749217"/>
+                  <a:pt x="2862469" y="1762601"/>
+                </a:cubicBezTo>
+                <a:lnTo>
+                  <a:pt x="2782956" y="1789105"/>
+                </a:lnTo>
+                <a:cubicBezTo>
+                  <a:pt x="2769704" y="1797940"/>
+                  <a:pt x="2757446" y="1808486"/>
+                  <a:pt x="2743200" y="1815609"/>
+                </a:cubicBezTo>
+                <a:cubicBezTo>
+                  <a:pt x="2730706" y="1821856"/>
+                  <a:pt x="2714810" y="1820742"/>
+                  <a:pt x="2703443" y="1828861"/>
+                </a:cubicBezTo>
+                <a:cubicBezTo>
+                  <a:pt x="2683109" y="1843385"/>
+                  <a:pt x="2668104" y="1864200"/>
+                  <a:pt x="2650434" y="1881870"/>
+                </a:cubicBezTo>
+                <a:lnTo>
+                  <a:pt x="2623930" y="1908375"/>
+                </a:lnTo>
+                <a:cubicBezTo>
+                  <a:pt x="2582516" y="2074032"/>
+                  <a:pt x="2635439" y="1868099"/>
+                  <a:pt x="2597426" y="2001140"/>
+                </a:cubicBezTo>
+                <a:cubicBezTo>
+                  <a:pt x="2592422" y="2018652"/>
+                  <a:pt x="2591348" y="2037407"/>
+                  <a:pt x="2584173" y="2054148"/>
+                </a:cubicBezTo>
+                <a:cubicBezTo>
+                  <a:pt x="2577899" y="2068787"/>
+                  <a:pt x="2564792" y="2079659"/>
+                  <a:pt x="2557669" y="2093905"/>
+                </a:cubicBezTo>
+                <a:cubicBezTo>
+                  <a:pt x="2551422" y="2106399"/>
+                  <a:pt x="2553143" y="2122753"/>
+                  <a:pt x="2544417" y="2133661"/>
+                </a:cubicBezTo>
+                <a:cubicBezTo>
+                  <a:pt x="2534467" y="2146098"/>
+                  <a:pt x="2517912" y="2151331"/>
+                  <a:pt x="2504660" y="2160166"/>
+                </a:cubicBezTo>
+                <a:cubicBezTo>
+                  <a:pt x="2500243" y="2173418"/>
+                  <a:pt x="2500134" y="2189014"/>
+                  <a:pt x="2491408" y="2199922"/>
+                </a:cubicBezTo>
+                <a:cubicBezTo>
+                  <a:pt x="2472723" y="2223278"/>
+                  <a:pt x="2438087" y="2230949"/>
+                  <a:pt x="2411895" y="2239679"/>
+                </a:cubicBezTo>
+                <a:cubicBezTo>
+                  <a:pt x="2403060" y="2252931"/>
+                  <a:pt x="2397828" y="2269486"/>
+                  <a:pt x="2385391" y="2279435"/>
+                </a:cubicBezTo>
+                <a:cubicBezTo>
+                  <a:pt x="2374483" y="2288162"/>
+                  <a:pt x="2358128" y="2286441"/>
+                  <a:pt x="2345634" y="2292688"/>
+                </a:cubicBezTo>
+                <a:cubicBezTo>
+                  <a:pt x="2331389" y="2299811"/>
+                  <a:pt x="2320432" y="2312724"/>
+                  <a:pt x="2305878" y="2319192"/>
+                </a:cubicBezTo>
+                <a:cubicBezTo>
+                  <a:pt x="2249184" y="2344389"/>
+                  <a:pt x="2227328" y="2343527"/>
+                  <a:pt x="2173356" y="2358948"/>
+                </a:cubicBezTo>
+                <a:cubicBezTo>
+                  <a:pt x="2159925" y="2362786"/>
+                  <a:pt x="2146852" y="2367783"/>
+                  <a:pt x="2133600" y="2372201"/>
+                </a:cubicBezTo>
+                <a:cubicBezTo>
+                  <a:pt x="2018748" y="2367783"/>
+                  <a:pt x="1903478" y="2369676"/>
+                  <a:pt x="1789043" y="2358948"/>
+                </a:cubicBezTo>
+                <a:cubicBezTo>
+                  <a:pt x="1761227" y="2356340"/>
+                  <a:pt x="1709530" y="2332444"/>
+                  <a:pt x="1709530" y="2332444"/>
+                </a:cubicBezTo>
+                <a:cubicBezTo>
+                  <a:pt x="1700695" y="2319192"/>
+                  <a:pt x="1694288" y="2303950"/>
+                  <a:pt x="1683026" y="2292688"/>
+                </a:cubicBezTo>
+                <a:cubicBezTo>
+                  <a:pt x="1671764" y="2281426"/>
+                  <a:pt x="1653757" y="2278170"/>
+                  <a:pt x="1643269" y="2266183"/>
+                </a:cubicBezTo>
+                <a:cubicBezTo>
+                  <a:pt x="1622293" y="2242210"/>
+                  <a:pt x="1590260" y="2186670"/>
+                  <a:pt x="1590260" y="2186670"/>
+                </a:cubicBezTo>
+                <a:cubicBezTo>
+                  <a:pt x="1568236" y="2120597"/>
+                  <a:pt x="1563856" y="2114234"/>
+                  <a:pt x="1550504" y="2054148"/>
+                </a:cubicBezTo>
+                <a:cubicBezTo>
+                  <a:pt x="1542206" y="2016806"/>
+                  <a:pt x="1531434" y="1939407"/>
+                  <a:pt x="1510747" y="1908375"/>
+                </a:cubicBezTo>
+                <a:cubicBezTo>
+                  <a:pt x="1465312" y="1840220"/>
+                  <a:pt x="1507592" y="1892598"/>
+                  <a:pt x="1444487" y="1842114"/>
+                </a:cubicBezTo>
+                <a:cubicBezTo>
+                  <a:pt x="1411605" y="1815808"/>
+                  <a:pt x="1422151" y="1807930"/>
+                  <a:pt x="1378226" y="1789105"/>
+                </a:cubicBezTo>
+                <a:cubicBezTo>
+                  <a:pt x="1361485" y="1781930"/>
+                  <a:pt x="1342887" y="1780270"/>
+                  <a:pt x="1325217" y="1775853"/>
+                </a:cubicBezTo>
+                <a:cubicBezTo>
+                  <a:pt x="1274969" y="1725603"/>
+                  <a:pt x="1321241" y="1761606"/>
+                  <a:pt x="1219200" y="1736096"/>
+                </a:cubicBezTo>
+                <a:cubicBezTo>
+                  <a:pt x="1025164" y="1687588"/>
+                  <a:pt x="1262255" y="1727101"/>
+                  <a:pt x="1046921" y="1696340"/>
+                </a:cubicBezTo>
+                <a:cubicBezTo>
+                  <a:pt x="1038086" y="1687505"/>
+                  <a:pt x="1031592" y="1675423"/>
+                  <a:pt x="1020417" y="1669835"/>
+                </a:cubicBezTo>
+                <a:cubicBezTo>
+                  <a:pt x="995429" y="1657341"/>
+                  <a:pt x="940904" y="1643331"/>
+                  <a:pt x="940904" y="1643331"/>
+                </a:cubicBezTo>
+                <a:cubicBezTo>
+                  <a:pt x="932069" y="1630079"/>
+                  <a:pt x="926837" y="1613524"/>
+                  <a:pt x="914400" y="1603575"/>
+                </a:cubicBezTo>
+                <a:cubicBezTo>
+                  <a:pt x="903492" y="1594848"/>
+                  <a:pt x="884521" y="1600200"/>
+                  <a:pt x="874643" y="1590322"/>
+                </a:cubicBezTo>
+                <a:cubicBezTo>
+                  <a:pt x="864766" y="1580445"/>
+                  <a:pt x="869510" y="1561933"/>
+                  <a:pt x="861391" y="1550566"/>
+                </a:cubicBezTo>
+                <a:cubicBezTo>
+                  <a:pt x="846867" y="1530232"/>
+                  <a:pt x="808382" y="1497557"/>
+                  <a:pt x="808382" y="1497557"/>
+                </a:cubicBezTo>
+                <a:lnTo>
+                  <a:pt x="781878" y="1418044"/>
+                </a:lnTo>
+                <a:cubicBezTo>
+                  <a:pt x="777461" y="1404792"/>
+                  <a:pt x="772014" y="1391840"/>
+                  <a:pt x="768626" y="1378288"/>
+                </a:cubicBezTo>
+                <a:lnTo>
+                  <a:pt x="742121" y="1272270"/>
+                </a:lnTo>
+                <a:lnTo>
+                  <a:pt x="728869" y="1219261"/>
+                </a:lnTo>
+                <a:cubicBezTo>
+                  <a:pt x="724452" y="936548"/>
+                  <a:pt x="728265" y="653586"/>
+                  <a:pt x="715617" y="371122"/>
+                </a:cubicBezTo>
+                <a:cubicBezTo>
+                  <a:pt x="714650" y="349519"/>
+                  <a:pt x="674905" y="320232"/>
+                  <a:pt x="662608" y="304861"/>
+                </a:cubicBezTo>
+                <a:cubicBezTo>
+                  <a:pt x="652659" y="292424"/>
+                  <a:pt x="648541" y="275054"/>
+                  <a:pt x="636104" y="265105"/>
+                </a:cubicBezTo>
+                <a:cubicBezTo>
+                  <a:pt x="625196" y="256379"/>
+                  <a:pt x="609599" y="256270"/>
+                  <a:pt x="596347" y="251853"/>
+                </a:cubicBezTo>
+                <a:cubicBezTo>
+                  <a:pt x="574053" y="184969"/>
+                  <a:pt x="599285" y="233546"/>
+                  <a:pt x="543339" y="185592"/>
+                </a:cubicBezTo>
+                <a:cubicBezTo>
+                  <a:pt x="524366" y="169330"/>
+                  <a:pt x="514036" y="140485"/>
+                  <a:pt x="490330" y="132583"/>
+                </a:cubicBezTo>
+                <a:cubicBezTo>
+                  <a:pt x="463826" y="123748"/>
+                  <a:pt x="434063" y="121576"/>
+                  <a:pt x="410817" y="106079"/>
+                </a:cubicBezTo>
+                <a:cubicBezTo>
+                  <a:pt x="397565" y="97244"/>
+                  <a:pt x="385699" y="85849"/>
+                  <a:pt x="371060" y="79575"/>
+                </a:cubicBezTo>
+                <a:cubicBezTo>
+                  <a:pt x="354319" y="72400"/>
+                  <a:pt x="335831" y="70273"/>
+                  <a:pt x="318052" y="66322"/>
+                </a:cubicBezTo>
+                <a:cubicBezTo>
+                  <a:pt x="296064" y="61436"/>
+                  <a:pt x="273952" y="57099"/>
+                  <a:pt x="251791" y="53070"/>
+                </a:cubicBezTo>
+                <a:cubicBezTo>
+                  <a:pt x="225354" y="48263"/>
+                  <a:pt x="198346" y="46335"/>
+                  <a:pt x="172278" y="39818"/>
+                </a:cubicBezTo>
+                <a:cubicBezTo>
+                  <a:pt x="145174" y="33042"/>
+                  <a:pt x="120160" y="18793"/>
+                  <a:pt x="92765" y="13314"/>
+                </a:cubicBezTo>
+                <a:cubicBezTo>
+                  <a:pt x="17841" y="-1672"/>
+                  <a:pt x="49028" y="61"/>
+                  <a:pt x="0" y="61"/>
+                </a:cubicBezTo>
+              </a:path>
+            </a:pathLst>
+          </a:custGeom>
+          <a:effectLst>
+            <a:glow rad="139700">
+              <a:schemeClr val="accent4">
+                <a:satMod val="175000"/>
+                <a:alpha val="40000"/>
+              </a:schemeClr>
+            </a:glow>
+          </a:effectLst>
+        </p:spPr>
+        <p:style>
+          <a:lnRef idx="1">
+            <a:schemeClr val="accent5"/>
+          </a:lnRef>
+          <a:fillRef idx="0">
+            <a:schemeClr val="accent5"/>
+          </a:fillRef>
+          <a:effectRef idx="0">
+            <a:schemeClr val="accent5"/>
+          </a:effectRef>
+          <a:fontRef idx="minor">
+            <a:schemeClr val="tx1"/>
+          </a:fontRef>
+        </p:style>
+        <p:txBody>
+          <a:bodyPr rtlCol="0" anchor="ctr"/>
+          <a:lstStyle/>
+          <a:p>
+            <a:pPr algn="ctr"/>
+            <a:endParaRPr lang="en-US">
+              <a:effectLst>
+                <a:glow rad="101600">
+                  <a:schemeClr val="accent4">
+                    <a:satMod val="175000"/>
+                    <a:alpha val="40000"/>
+                  </a:schemeClr>
+                </a:glow>
+              </a:effectLst>
+            </a:endParaRPr>
+          </a:p>
+        </p:txBody>
+      </p:sp>
+      <p:pic>
+        <p:nvPicPr>
+          <p:cNvPr id="5130" name="Picture 10" descr="https://cdn3.iconfinder.com/data/icons/outdoor-and-camping-icons/512/Lantern-512.png"/>
+          <p:cNvPicPr>
+            <a:picLocks noChangeAspect="1" noChangeArrowheads="1"/>
+          </p:cNvPicPr>
+          <p:nvPr/>
+        </p:nvPicPr>
+        <p:blipFill>
+          <a:blip r:embed="rId6" cstate="print">
+            <a:extLst>
+              <a:ext uri="{28A0092B-C50C-407E-A947-70E740481C1C}">
+                <a14:useLocalDpi xmlns:a14="http://schemas.microsoft.com/office/drawing/2010/main" val="0"/>
+              </a:ext>
+            </a:extLst>
+          </a:blip>
+          <a:srcRect/>
+          <a:stretch>
+            <a:fillRect/>
+          </a:stretch>
+        </p:blipFill>
+        <p:spPr bwMode="auto">
+          <a:xfrm>
+            <a:off x="1250423" y="3008182"/>
+            <a:ext cx="477286" cy="477286"/>
+          </a:xfrm>
+          <a:prstGeom prst="rect">
+            <a:avLst/>
+          </a:prstGeom>
+          <a:noFill/>
+          <a:extLst>
+            <a:ext uri="{909E8E84-426E-40DD-AFC4-6F175D3DCCD1}">
+              <a14:hiddenFill xmlns:a14="http://schemas.microsoft.com/office/drawing/2010/main">
+                <a:solidFill>
+                  <a:srgbClr val="FFFFFF"/>
+                </a:solidFill>
+              </a14:hiddenFill>
+            </a:ext>
+          </a:extLst>
+        </p:spPr>
+      </p:pic>
+      <p:sp>
+        <p:nvSpPr>
+          <p:cNvPr id="20" name="Oval 19"/>
+          <p:cNvSpPr/>
+          <p:nvPr/>
+        </p:nvSpPr>
+        <p:spPr>
+          <a:xfrm>
+            <a:off x="2890451" y="4101412"/>
+            <a:ext cx="606511" cy="606511"/>
+          </a:xfrm>
+          <a:prstGeom prst="ellipse">
+            <a:avLst/>
+          </a:prstGeom>
+          <a:solidFill>
+            <a:schemeClr val="bg1">
+              <a:alpha val="35000"/>
+            </a:schemeClr>
+          </a:solidFill>
+        </p:spPr>
+        <p:style>
+          <a:lnRef idx="2">
+            <a:schemeClr val="accent1">
+              <a:shade val="50000"/>
+            </a:schemeClr>
+          </a:lnRef>
+          <a:fillRef idx="1">
+            <a:schemeClr val="accent1"/>
+          </a:fillRef>
+          <a:effectRef idx="0">
+            <a:schemeClr val="accent1"/>
+          </a:effectRef>
+          <a:fontRef idx="minor">
+            <a:schemeClr val="lt1"/>
+          </a:fontRef>
+        </p:style>
+        <p:txBody>
+          <a:bodyPr rtlCol="0" anchor="ctr"/>
+          <a:lstStyle/>
+          <a:p>
+            <a:pPr algn="ctr"/>
+            <a:endParaRPr lang="en-US">
+              <a:solidFill>
+                <a:srgbClr val="FF0000"/>
+              </a:solidFill>
+            </a:endParaRPr>
+          </a:p>
+        </p:txBody>
+      </p:sp>
+    </p:spTree>
+    <p:extLst>
+      <p:ext uri="{BB962C8B-B14F-4D97-AF65-F5344CB8AC3E}">
+        <p14:creationId xmlns:p14="http://schemas.microsoft.com/office/powerpoint/2010/main" val="2618032427"/>
+      </p:ext>
+    </p:extLst>
+  </p:cSld>
+  <p:clrMapOvr>
+    <a:masterClrMapping/>
+  </p:clrMapOvr>
+  <p:timing>
+    <p:tnLst>
+      <p:par>
+        <p:cTn id="1" dur="indefinite" restart="never" nodeType="tmRoot"/>
+      </p:par>
+    </p:tnLst>
+  </p:timing>
+</p:sld>
+</file>
+
+<file path=ppt/slides/slide15.xml><?xml version="1.0" encoding="utf-8"?>
+<p:sld xmlns:a="http://schemas.openxmlformats.org/drawingml/2006/main" xmlns:r="http://schemas.openxmlformats.org/officeDocument/2006/relationships" xmlns:p="http://schemas.openxmlformats.org/presentationml/2006/main">
+  <p:cSld>
+    <p:spTree>
+      <p:nvGrpSpPr>
+        <p:cNvPr id="1" name=""/>
+        <p:cNvGrpSpPr/>
+        <p:nvPr/>
+      </p:nvGrpSpPr>
+      <p:grpSpPr>
+        <a:xfrm>
+          <a:off x="0" y="0"/>
+          <a:ext cx="0" cy="0"/>
+          <a:chOff x="0" y="0"/>
+          <a:chExt cx="0" cy="0"/>
+        </a:xfrm>
+      </p:grpSpPr>
+      <p:sp>
+        <p:nvSpPr>
+          <p:cNvPr id="2" name="Title 1"/>
+          <p:cNvSpPr>
+            <a:spLocks noGrp="1"/>
+          </p:cNvSpPr>
+          <p:nvPr>
+            <p:ph type="title"/>
+          </p:nvPr>
+        </p:nvSpPr>
+        <p:spPr>
+          <a:xfrm>
+            <a:off x="627843" y="366385"/>
+            <a:ext cx="10995992" cy="1325563"/>
+          </a:xfrm>
+        </p:spPr>
+        <p:txBody>
+          <a:bodyPr>
+            <a:normAutofit fontScale="90000"/>
+          </a:bodyPr>
+          <a:lstStyle/>
+          <a:p>
+            <a:pPr algn="ctr"/>
+            <a:r>
+              <a:rPr lang="en-US" dirty="0" smtClean="0"/>
               <a:t>The beacon is lit! A </a:t>
             </a:r>
             <a:r>
@@ -8391,7 +11185,7 @@
 </p:sld>
 </file>
 
-<file path=ppt/slides/slide14.xml><?xml version="1.0" encoding="utf-8"?>
+<file path=ppt/slides/slide16.xml><?xml version="1.0" encoding="utf-8"?>
 <p:sld xmlns:a="http://schemas.openxmlformats.org/drawingml/2006/main" xmlns:r="http://schemas.openxmlformats.org/officeDocument/2006/relationships" xmlns:p="http://schemas.openxmlformats.org/presentationml/2006/main">
   <p:cSld>
     <p:spTree>
@@ -9918,7 +12712,7 @@
 </p:sld>
 </file>
 
-<file path=ppt/slides/slide15.xml><?xml version="1.0" encoding="utf-8"?>
+<file path=ppt/slides/slide17.xml><?xml version="1.0" encoding="utf-8"?>
 <p:sld xmlns:a="http://schemas.openxmlformats.org/drawingml/2006/main" xmlns:r="http://schemas.openxmlformats.org/officeDocument/2006/relationships" xmlns:p="http://schemas.openxmlformats.org/presentationml/2006/main">
   <p:cSld>
     <p:spTree>
@@ -11715,6 +14509,1266 @@
 </file>
 
 <file path=ppt/slides/slide4.xml><?xml version="1.0" encoding="utf-8"?>
+<p:sld xmlns:a="http://schemas.openxmlformats.org/drawingml/2006/main" xmlns:r="http://schemas.openxmlformats.org/officeDocument/2006/relationships" xmlns:p="http://schemas.openxmlformats.org/presentationml/2006/main">
+  <p:cSld>
+    <p:spTree>
+      <p:nvGrpSpPr>
+        <p:cNvPr id="1" name=""/>
+        <p:cNvGrpSpPr/>
+        <p:nvPr/>
+      </p:nvGrpSpPr>
+      <p:grpSpPr>
+        <a:xfrm>
+          <a:off x="0" y="0"/>
+          <a:ext cx="0" cy="0"/>
+          <a:chOff x="0" y="0"/>
+          <a:chExt cx="0" cy="0"/>
+        </a:xfrm>
+      </p:grpSpPr>
+      <p:sp>
+        <p:nvSpPr>
+          <p:cNvPr id="2" name="Rectangle 1"/>
+          <p:cNvSpPr/>
+          <p:nvPr/>
+        </p:nvSpPr>
+        <p:spPr>
+          <a:xfrm>
+            <a:off x="225287" y="887516"/>
+            <a:ext cx="11317356" cy="5738571"/>
+          </a:xfrm>
+          <a:prstGeom prst="rect">
+            <a:avLst/>
+          </a:prstGeom>
+          <a:solidFill>
+            <a:schemeClr val="bg2">
+              <a:lumMod val="90000"/>
+            </a:schemeClr>
+          </a:solidFill>
+        </p:spPr>
+        <p:style>
+          <a:lnRef idx="2">
+            <a:schemeClr val="accent1">
+              <a:shade val="50000"/>
+            </a:schemeClr>
+          </a:lnRef>
+          <a:fillRef idx="1">
+            <a:schemeClr val="accent1"/>
+          </a:fillRef>
+          <a:effectRef idx="0">
+            <a:schemeClr val="accent1"/>
+          </a:effectRef>
+          <a:fontRef idx="minor">
+            <a:schemeClr val="lt1"/>
+          </a:fontRef>
+        </p:style>
+        <p:txBody>
+          <a:bodyPr rtlCol="0" anchor="ctr"/>
+          <a:lstStyle/>
+          <a:p>
+            <a:pPr algn="ctr"/>
+            <a:endParaRPr lang="en-US"/>
+          </a:p>
+        </p:txBody>
+      </p:sp>
+      <p:sp>
+        <p:nvSpPr>
+          <p:cNvPr id="6" name="Rectangle 5"/>
+          <p:cNvSpPr/>
+          <p:nvPr/>
+        </p:nvSpPr>
+        <p:spPr>
+          <a:xfrm>
+            <a:off x="2968418" y="118075"/>
+            <a:ext cx="4987006" cy="769441"/>
+          </a:xfrm>
+          <a:prstGeom prst="rect">
+            <a:avLst/>
+          </a:prstGeom>
+        </p:spPr>
+        <p:txBody>
+          <a:bodyPr wrap="none">
+            <a:spAutoFit/>
+          </a:bodyPr>
+          <a:lstStyle/>
+          <a:p>
+            <a:r>
+              <a:rPr lang="en-US" sz="4400" dirty="0" smtClean="0"/>
+              <a:t>Layout of Installation</a:t>
+            </a:r>
+            <a:endParaRPr lang="en-US" sz="4400" dirty="0"/>
+          </a:p>
+        </p:txBody>
+      </p:sp>
+      <p:grpSp>
+        <p:nvGrpSpPr>
+          <p:cNvPr id="4" name="Group 3"/>
+          <p:cNvGrpSpPr/>
+          <p:nvPr/>
+        </p:nvGrpSpPr>
+        <p:grpSpPr>
+          <a:xfrm>
+            <a:off x="3569044" y="2517912"/>
+            <a:ext cx="3984781" cy="2965387"/>
+            <a:chOff x="2985948" y="1849698"/>
+            <a:chExt cx="4969476" cy="3805881"/>
+          </a:xfrm>
+        </p:grpSpPr>
+        <p:sp>
+          <p:nvSpPr>
+            <p:cNvPr id="5" name="Rectangle 4"/>
+            <p:cNvSpPr/>
+            <p:nvPr/>
+          </p:nvSpPr>
+          <p:spPr>
+            <a:xfrm>
+              <a:off x="2985948" y="1849698"/>
+              <a:ext cx="4969476" cy="3805881"/>
+            </a:xfrm>
+            <a:prstGeom prst="rect">
+              <a:avLst/>
+            </a:prstGeom>
+          </p:spPr>
+          <p:style>
+            <a:lnRef idx="2">
+              <a:schemeClr val="accent1">
+                <a:shade val="50000"/>
+              </a:schemeClr>
+            </a:lnRef>
+            <a:fillRef idx="1">
+              <a:schemeClr val="accent1"/>
+            </a:fillRef>
+            <a:effectRef idx="0">
+              <a:schemeClr val="accent1"/>
+            </a:effectRef>
+            <a:fontRef idx="minor">
+              <a:schemeClr val="lt1"/>
+            </a:fontRef>
+          </p:style>
+          <p:txBody>
+            <a:bodyPr rtlCol="0" anchor="ctr"/>
+            <a:lstStyle/>
+            <a:p>
+              <a:pPr algn="ctr"/>
+              <a:endParaRPr lang="en-US" dirty="0"/>
+            </a:p>
+          </p:txBody>
+        </p:sp>
+        <p:sp>
+          <p:nvSpPr>
+            <p:cNvPr id="7" name="Oval 6"/>
+            <p:cNvSpPr/>
+            <p:nvPr/>
+          </p:nvSpPr>
+          <p:spPr>
+            <a:xfrm>
+              <a:off x="3084802" y="5006715"/>
+              <a:ext cx="532371" cy="532371"/>
+            </a:xfrm>
+            <a:prstGeom prst="ellipse">
+              <a:avLst/>
+            </a:prstGeom>
+          </p:spPr>
+          <p:style>
+            <a:lnRef idx="2">
+              <a:schemeClr val="accent1">
+                <a:shade val="50000"/>
+              </a:schemeClr>
+            </a:lnRef>
+            <a:fillRef idx="1">
+              <a:schemeClr val="accent1"/>
+            </a:fillRef>
+            <a:effectRef idx="0">
+              <a:schemeClr val="accent1"/>
+            </a:effectRef>
+            <a:fontRef idx="minor">
+              <a:schemeClr val="lt1"/>
+            </a:fontRef>
+          </p:style>
+          <p:txBody>
+            <a:bodyPr rtlCol="0" anchor="ctr"/>
+            <a:lstStyle/>
+            <a:p>
+              <a:pPr algn="ctr"/>
+              <a:endParaRPr lang="en-US"/>
+            </a:p>
+          </p:txBody>
+        </p:sp>
+        <p:sp>
+          <p:nvSpPr>
+            <p:cNvPr id="9" name="Oval 8"/>
+            <p:cNvSpPr/>
+            <p:nvPr/>
+          </p:nvSpPr>
+          <p:spPr>
+            <a:xfrm>
+              <a:off x="3084802" y="1970305"/>
+              <a:ext cx="532371" cy="532371"/>
+            </a:xfrm>
+            <a:prstGeom prst="ellipse">
+              <a:avLst/>
+            </a:prstGeom>
+          </p:spPr>
+          <p:style>
+            <a:lnRef idx="2">
+              <a:schemeClr val="accent1">
+                <a:shade val="50000"/>
+              </a:schemeClr>
+            </a:lnRef>
+            <a:fillRef idx="1">
+              <a:schemeClr val="accent1"/>
+            </a:fillRef>
+            <a:effectRef idx="0">
+              <a:schemeClr val="accent1"/>
+            </a:effectRef>
+            <a:fontRef idx="minor">
+              <a:schemeClr val="lt1"/>
+            </a:fontRef>
+          </p:style>
+          <p:txBody>
+            <a:bodyPr rtlCol="0" anchor="ctr"/>
+            <a:lstStyle/>
+            <a:p>
+              <a:pPr algn="ctr"/>
+              <a:endParaRPr lang="en-US"/>
+            </a:p>
+          </p:txBody>
+        </p:sp>
+        <p:sp>
+          <p:nvSpPr>
+            <p:cNvPr id="10" name="Oval 9"/>
+            <p:cNvSpPr/>
+            <p:nvPr/>
+          </p:nvSpPr>
+          <p:spPr>
+            <a:xfrm>
+              <a:off x="7335006" y="1968628"/>
+              <a:ext cx="532371" cy="532371"/>
+            </a:xfrm>
+            <a:prstGeom prst="ellipse">
+              <a:avLst/>
+            </a:prstGeom>
+          </p:spPr>
+          <p:style>
+            <a:lnRef idx="2">
+              <a:schemeClr val="accent1">
+                <a:shade val="50000"/>
+              </a:schemeClr>
+            </a:lnRef>
+            <a:fillRef idx="1">
+              <a:schemeClr val="accent1"/>
+            </a:fillRef>
+            <a:effectRef idx="0">
+              <a:schemeClr val="accent1"/>
+            </a:effectRef>
+            <a:fontRef idx="minor">
+              <a:schemeClr val="lt1"/>
+            </a:fontRef>
+          </p:style>
+          <p:txBody>
+            <a:bodyPr rtlCol="0" anchor="ctr"/>
+            <a:lstStyle/>
+            <a:p>
+              <a:pPr algn="ctr"/>
+              <a:endParaRPr lang="en-US"/>
+            </a:p>
+          </p:txBody>
+        </p:sp>
+        <p:sp>
+          <p:nvSpPr>
+            <p:cNvPr id="11" name="Oval 10"/>
+            <p:cNvSpPr/>
+            <p:nvPr/>
+          </p:nvSpPr>
+          <p:spPr>
+            <a:xfrm>
+              <a:off x="7335005" y="5004276"/>
+              <a:ext cx="532371" cy="532371"/>
+            </a:xfrm>
+            <a:prstGeom prst="ellipse">
+              <a:avLst/>
+            </a:prstGeom>
+          </p:spPr>
+          <p:style>
+            <a:lnRef idx="2">
+              <a:schemeClr val="accent1">
+                <a:shade val="50000"/>
+              </a:schemeClr>
+            </a:lnRef>
+            <a:fillRef idx="1">
+              <a:schemeClr val="accent1"/>
+            </a:fillRef>
+            <a:effectRef idx="0">
+              <a:schemeClr val="accent1"/>
+            </a:effectRef>
+            <a:fontRef idx="minor">
+              <a:schemeClr val="lt1"/>
+            </a:fontRef>
+          </p:style>
+          <p:txBody>
+            <a:bodyPr rtlCol="0" anchor="ctr"/>
+            <a:lstStyle/>
+            <a:p>
+              <a:pPr algn="ctr"/>
+              <a:endParaRPr lang="en-US"/>
+            </a:p>
+          </p:txBody>
+        </p:sp>
+        <p:sp>
+          <p:nvSpPr>
+            <p:cNvPr id="12" name="Oval 11"/>
+            <p:cNvSpPr/>
+            <p:nvPr/>
+          </p:nvSpPr>
+          <p:spPr>
+            <a:xfrm>
+              <a:off x="3084802" y="3516828"/>
+              <a:ext cx="532371" cy="532371"/>
+            </a:xfrm>
+            <a:prstGeom prst="ellipse">
+              <a:avLst/>
+            </a:prstGeom>
+          </p:spPr>
+          <p:style>
+            <a:lnRef idx="2">
+              <a:schemeClr val="accent1">
+                <a:shade val="50000"/>
+              </a:schemeClr>
+            </a:lnRef>
+            <a:fillRef idx="1">
+              <a:schemeClr val="accent1"/>
+            </a:fillRef>
+            <a:effectRef idx="0">
+              <a:schemeClr val="accent1"/>
+            </a:effectRef>
+            <a:fontRef idx="minor">
+              <a:schemeClr val="lt1"/>
+            </a:fontRef>
+          </p:style>
+          <p:txBody>
+            <a:bodyPr rtlCol="0" anchor="ctr"/>
+            <a:lstStyle/>
+            <a:p>
+              <a:pPr algn="ctr"/>
+              <a:endParaRPr lang="en-US"/>
+            </a:p>
+          </p:txBody>
+        </p:sp>
+        <p:sp>
+          <p:nvSpPr>
+            <p:cNvPr id="13" name="Oval 12"/>
+            <p:cNvSpPr/>
+            <p:nvPr/>
+          </p:nvSpPr>
+          <p:spPr>
+            <a:xfrm>
+              <a:off x="5137053" y="5006715"/>
+              <a:ext cx="532371" cy="532371"/>
+            </a:xfrm>
+            <a:prstGeom prst="ellipse">
+              <a:avLst/>
+            </a:prstGeom>
+          </p:spPr>
+          <p:style>
+            <a:lnRef idx="2">
+              <a:schemeClr val="accent1">
+                <a:shade val="50000"/>
+              </a:schemeClr>
+            </a:lnRef>
+            <a:fillRef idx="1">
+              <a:schemeClr val="accent1"/>
+            </a:fillRef>
+            <a:effectRef idx="0">
+              <a:schemeClr val="accent1"/>
+            </a:effectRef>
+            <a:fontRef idx="minor">
+              <a:schemeClr val="lt1"/>
+            </a:fontRef>
+          </p:style>
+          <p:txBody>
+            <a:bodyPr rtlCol="0" anchor="ctr"/>
+            <a:lstStyle/>
+            <a:p>
+              <a:pPr algn="ctr"/>
+              <a:endParaRPr lang="en-US"/>
+            </a:p>
+          </p:txBody>
+        </p:sp>
+        <p:sp>
+          <p:nvSpPr>
+            <p:cNvPr id="14" name="Oval 13"/>
+            <p:cNvSpPr/>
+            <p:nvPr/>
+          </p:nvSpPr>
+          <p:spPr>
+            <a:xfrm>
+              <a:off x="5211193" y="1968628"/>
+              <a:ext cx="532371" cy="532371"/>
+            </a:xfrm>
+            <a:prstGeom prst="ellipse">
+              <a:avLst/>
+            </a:prstGeom>
+          </p:spPr>
+          <p:style>
+            <a:lnRef idx="2">
+              <a:schemeClr val="accent1">
+                <a:shade val="50000"/>
+              </a:schemeClr>
+            </a:lnRef>
+            <a:fillRef idx="1">
+              <a:schemeClr val="accent1"/>
+            </a:fillRef>
+            <a:effectRef idx="0">
+              <a:schemeClr val="accent1"/>
+            </a:effectRef>
+            <a:fontRef idx="minor">
+              <a:schemeClr val="lt1"/>
+            </a:fontRef>
+          </p:style>
+          <p:txBody>
+            <a:bodyPr rtlCol="0" anchor="ctr"/>
+            <a:lstStyle/>
+            <a:p>
+              <a:pPr algn="ctr"/>
+              <a:endParaRPr lang="en-US"/>
+            </a:p>
+          </p:txBody>
+        </p:sp>
+        <p:sp>
+          <p:nvSpPr>
+            <p:cNvPr id="15" name="Oval 14"/>
+            <p:cNvSpPr/>
+            <p:nvPr/>
+          </p:nvSpPr>
+          <p:spPr>
+            <a:xfrm>
+              <a:off x="7335007" y="3486452"/>
+              <a:ext cx="532371" cy="532371"/>
+            </a:xfrm>
+            <a:prstGeom prst="ellipse">
+              <a:avLst/>
+            </a:prstGeom>
+          </p:spPr>
+          <p:style>
+            <a:lnRef idx="2">
+              <a:schemeClr val="accent1">
+                <a:shade val="50000"/>
+              </a:schemeClr>
+            </a:lnRef>
+            <a:fillRef idx="1">
+              <a:schemeClr val="accent1"/>
+            </a:fillRef>
+            <a:effectRef idx="0">
+              <a:schemeClr val="accent1"/>
+            </a:effectRef>
+            <a:fontRef idx="minor">
+              <a:schemeClr val="lt1"/>
+            </a:fontRef>
+          </p:style>
+          <p:txBody>
+            <a:bodyPr rtlCol="0" anchor="ctr"/>
+            <a:lstStyle/>
+            <a:p>
+              <a:pPr algn="ctr"/>
+              <a:endParaRPr lang="en-US"/>
+            </a:p>
+          </p:txBody>
+        </p:sp>
+        <p:sp>
+          <p:nvSpPr>
+            <p:cNvPr id="16" name="Oval 15"/>
+            <p:cNvSpPr/>
+            <p:nvPr/>
+          </p:nvSpPr>
+          <p:spPr>
+            <a:xfrm>
+              <a:off x="5167430" y="3516828"/>
+              <a:ext cx="606511" cy="606511"/>
+            </a:xfrm>
+            <a:prstGeom prst="ellipse">
+              <a:avLst/>
+            </a:prstGeom>
+            <a:solidFill>
+              <a:schemeClr val="bg1">
+                <a:lumMod val="95000"/>
+              </a:schemeClr>
+            </a:solidFill>
+          </p:spPr>
+          <p:style>
+            <a:lnRef idx="2">
+              <a:schemeClr val="accent1">
+                <a:shade val="50000"/>
+              </a:schemeClr>
+            </a:lnRef>
+            <a:fillRef idx="1">
+              <a:schemeClr val="accent1"/>
+            </a:fillRef>
+            <a:effectRef idx="0">
+              <a:schemeClr val="accent1"/>
+            </a:effectRef>
+            <a:fontRef idx="minor">
+              <a:schemeClr val="lt1"/>
+            </a:fontRef>
+          </p:style>
+          <p:txBody>
+            <a:bodyPr rtlCol="0" anchor="ctr"/>
+            <a:lstStyle/>
+            <a:p>
+              <a:pPr algn="ctr"/>
+              <a:endParaRPr lang="en-US">
+                <a:solidFill>
+                  <a:srgbClr val="FF0000"/>
+                </a:solidFill>
+              </a:endParaRPr>
+            </a:p>
+          </p:txBody>
+        </p:sp>
+      </p:grpSp>
+      <p:sp>
+        <p:nvSpPr>
+          <p:cNvPr id="17" name="Rectangle 16"/>
+          <p:cNvSpPr/>
+          <p:nvPr/>
+        </p:nvSpPr>
+        <p:spPr>
+          <a:xfrm>
+            <a:off x="2849217" y="1957366"/>
+            <a:ext cx="648758" cy="4034322"/>
+          </a:xfrm>
+          <a:prstGeom prst="rect">
+            <a:avLst/>
+          </a:prstGeom>
+          <a:solidFill>
+            <a:schemeClr val="accent2">
+              <a:lumMod val="50000"/>
+            </a:schemeClr>
+          </a:solidFill>
+        </p:spPr>
+        <p:style>
+          <a:lnRef idx="2">
+            <a:schemeClr val="accent1">
+              <a:shade val="50000"/>
+            </a:schemeClr>
+          </a:lnRef>
+          <a:fillRef idx="1">
+            <a:schemeClr val="accent1"/>
+          </a:fillRef>
+          <a:effectRef idx="0">
+            <a:schemeClr val="accent1"/>
+          </a:effectRef>
+          <a:fontRef idx="minor">
+            <a:schemeClr val="lt1"/>
+          </a:fontRef>
+        </p:style>
+        <p:txBody>
+          <a:bodyPr rtlCol="0" anchor="ctr"/>
+          <a:lstStyle/>
+          <a:p>
+            <a:pPr algn="ctr"/>
+            <a:endParaRPr lang="en-US"/>
+          </a:p>
+        </p:txBody>
+      </p:sp>
+      <p:sp>
+        <p:nvSpPr>
+          <p:cNvPr id="21" name="Rectangle 20"/>
+          <p:cNvSpPr/>
+          <p:nvPr/>
+        </p:nvSpPr>
+        <p:spPr>
+          <a:xfrm>
+            <a:off x="7609235" y="1957366"/>
+            <a:ext cx="648758" cy="4034322"/>
+          </a:xfrm>
+          <a:prstGeom prst="rect">
+            <a:avLst/>
+          </a:prstGeom>
+          <a:solidFill>
+            <a:schemeClr val="accent2">
+              <a:lumMod val="50000"/>
+            </a:schemeClr>
+          </a:solidFill>
+        </p:spPr>
+        <p:style>
+          <a:lnRef idx="2">
+            <a:schemeClr val="accent1">
+              <a:shade val="50000"/>
+            </a:schemeClr>
+          </a:lnRef>
+          <a:fillRef idx="1">
+            <a:schemeClr val="accent1"/>
+          </a:fillRef>
+          <a:effectRef idx="0">
+            <a:schemeClr val="accent1"/>
+          </a:effectRef>
+          <a:fontRef idx="minor">
+            <a:schemeClr val="lt1"/>
+          </a:fontRef>
+        </p:style>
+        <p:txBody>
+          <a:bodyPr rtlCol="0" anchor="ctr"/>
+          <a:lstStyle/>
+          <a:p>
+            <a:pPr algn="ctr"/>
+            <a:endParaRPr lang="en-US"/>
+          </a:p>
+        </p:txBody>
+      </p:sp>
+      <p:sp>
+        <p:nvSpPr>
+          <p:cNvPr id="22" name="Rectangle 21"/>
+          <p:cNvSpPr/>
+          <p:nvPr/>
+        </p:nvSpPr>
+        <p:spPr>
+          <a:xfrm rot="5400000">
+            <a:off x="5305993" y="224890"/>
+            <a:ext cx="515781" cy="3979882"/>
+          </a:xfrm>
+          <a:prstGeom prst="rect">
+            <a:avLst/>
+          </a:prstGeom>
+          <a:solidFill>
+            <a:schemeClr val="accent2">
+              <a:lumMod val="50000"/>
+            </a:schemeClr>
+          </a:solidFill>
+        </p:spPr>
+        <p:style>
+          <a:lnRef idx="2">
+            <a:schemeClr val="accent1">
+              <a:shade val="50000"/>
+            </a:schemeClr>
+          </a:lnRef>
+          <a:fillRef idx="1">
+            <a:schemeClr val="accent1"/>
+          </a:fillRef>
+          <a:effectRef idx="0">
+            <a:schemeClr val="accent1"/>
+          </a:effectRef>
+          <a:fontRef idx="minor">
+            <a:schemeClr val="lt1"/>
+          </a:fontRef>
+        </p:style>
+        <p:txBody>
+          <a:bodyPr rtlCol="0" anchor="ctr"/>
+          <a:lstStyle/>
+          <a:p>
+            <a:pPr algn="ctr"/>
+            <a:endParaRPr lang="en-US"/>
+          </a:p>
+        </p:txBody>
+      </p:sp>
+      <p:sp>
+        <p:nvSpPr>
+          <p:cNvPr id="23" name="Rectangle 22"/>
+          <p:cNvSpPr/>
+          <p:nvPr/>
+        </p:nvSpPr>
+        <p:spPr>
+          <a:xfrm rot="5400000">
+            <a:off x="5315059" y="3752922"/>
+            <a:ext cx="481990" cy="3995541"/>
+          </a:xfrm>
+          <a:prstGeom prst="rect">
+            <a:avLst/>
+          </a:prstGeom>
+          <a:solidFill>
+            <a:schemeClr val="accent2">
+              <a:lumMod val="50000"/>
+            </a:schemeClr>
+          </a:solidFill>
+        </p:spPr>
+        <p:style>
+          <a:lnRef idx="2">
+            <a:schemeClr val="accent1">
+              <a:shade val="50000"/>
+            </a:schemeClr>
+          </a:lnRef>
+          <a:fillRef idx="1">
+            <a:schemeClr val="accent1"/>
+          </a:fillRef>
+          <a:effectRef idx="0">
+            <a:schemeClr val="accent1"/>
+          </a:effectRef>
+          <a:fontRef idx="minor">
+            <a:schemeClr val="lt1"/>
+          </a:fontRef>
+        </p:style>
+        <p:txBody>
+          <a:bodyPr rtlCol="0" anchor="ctr"/>
+          <a:lstStyle/>
+          <a:p>
+            <a:pPr algn="ctr"/>
+            <a:endParaRPr lang="en-US"/>
+          </a:p>
+        </p:txBody>
+      </p:sp>
+      <p:sp>
+        <p:nvSpPr>
+          <p:cNvPr id="18" name="Rectangle 17"/>
+          <p:cNvSpPr/>
+          <p:nvPr/>
+        </p:nvSpPr>
+        <p:spPr>
+          <a:xfrm>
+            <a:off x="11211339" y="2472722"/>
+            <a:ext cx="172278" cy="2858586"/>
+          </a:xfrm>
+          <a:prstGeom prst="rect">
+            <a:avLst/>
+          </a:prstGeom>
+          <a:solidFill>
+            <a:srgbClr val="FFC000"/>
+          </a:solidFill>
+        </p:spPr>
+        <p:style>
+          <a:lnRef idx="2">
+            <a:schemeClr val="accent1">
+              <a:shade val="50000"/>
+            </a:schemeClr>
+          </a:lnRef>
+          <a:fillRef idx="1">
+            <a:schemeClr val="accent1"/>
+          </a:fillRef>
+          <a:effectRef idx="0">
+            <a:schemeClr val="accent1"/>
+          </a:effectRef>
+          <a:fontRef idx="minor">
+            <a:schemeClr val="lt1"/>
+          </a:fontRef>
+        </p:style>
+        <p:txBody>
+          <a:bodyPr rtlCol="0" anchor="ctr"/>
+          <a:lstStyle/>
+          <a:p>
+            <a:pPr algn="ctr"/>
+            <a:endParaRPr lang="en-US"/>
+          </a:p>
+        </p:txBody>
+      </p:sp>
+      <p:sp>
+        <p:nvSpPr>
+          <p:cNvPr id="24" name="Rectangle 23"/>
+          <p:cNvSpPr/>
+          <p:nvPr/>
+        </p:nvSpPr>
+        <p:spPr>
+          <a:xfrm rot="5400000">
+            <a:off x="9984328" y="3789861"/>
+            <a:ext cx="2135969" cy="369332"/>
+          </a:xfrm>
+          <a:prstGeom prst="rect">
+            <a:avLst/>
+          </a:prstGeom>
+        </p:spPr>
+        <p:txBody>
+          <a:bodyPr wrap="none">
+            <a:spAutoFit/>
+          </a:bodyPr>
+          <a:lstStyle/>
+          <a:p>
+            <a:r>
+              <a:rPr lang="en-US" b="1" dirty="0" smtClean="0"/>
+              <a:t>Screen with VR Feed</a:t>
+            </a:r>
+            <a:endParaRPr lang="en-US" b="1" dirty="0"/>
+          </a:p>
+        </p:txBody>
+      </p:sp>
+      <p:sp>
+        <p:nvSpPr>
+          <p:cNvPr id="26" name="Rectangle 25"/>
+          <p:cNvSpPr/>
+          <p:nvPr/>
+        </p:nvSpPr>
+        <p:spPr>
+          <a:xfrm rot="5400000">
+            <a:off x="-33328" y="1446704"/>
+            <a:ext cx="1014573" cy="369332"/>
+          </a:xfrm>
+          <a:prstGeom prst="rect">
+            <a:avLst/>
+          </a:prstGeom>
+        </p:spPr>
+        <p:txBody>
+          <a:bodyPr wrap="none">
+            <a:spAutoFit/>
+          </a:bodyPr>
+          <a:lstStyle/>
+          <a:p>
+            <a:r>
+              <a:rPr lang="en-US" b="1" dirty="0" smtClean="0"/>
+              <a:t>Entrance</a:t>
+            </a:r>
+            <a:endParaRPr lang="en-US" b="1" dirty="0"/>
+          </a:p>
+        </p:txBody>
+      </p:sp>
+      <p:sp>
+        <p:nvSpPr>
+          <p:cNvPr id="28" name="Rectangle 27"/>
+          <p:cNvSpPr/>
+          <p:nvPr/>
+        </p:nvSpPr>
+        <p:spPr>
+          <a:xfrm>
+            <a:off x="4954634" y="1321116"/>
+            <a:ext cx="1077539" cy="369332"/>
+          </a:xfrm>
+          <a:prstGeom prst="rect">
+            <a:avLst/>
+          </a:prstGeom>
+        </p:spPr>
+        <p:txBody>
+          <a:bodyPr wrap="none">
+            <a:spAutoFit/>
+          </a:bodyPr>
+          <a:lstStyle/>
+          <a:p>
+            <a:r>
+              <a:rPr lang="en-US" b="1" dirty="0" smtClean="0"/>
+              <a:t>Audience</a:t>
+            </a:r>
+            <a:endParaRPr lang="en-US" b="1" dirty="0"/>
+          </a:p>
+        </p:txBody>
+      </p:sp>
+      <p:sp>
+        <p:nvSpPr>
+          <p:cNvPr id="29" name="Rectangle 28"/>
+          <p:cNvSpPr/>
+          <p:nvPr/>
+        </p:nvSpPr>
+        <p:spPr>
+          <a:xfrm>
+            <a:off x="1093019" y="3872405"/>
+            <a:ext cx="1077539" cy="369332"/>
+          </a:xfrm>
+          <a:prstGeom prst="rect">
+            <a:avLst/>
+          </a:prstGeom>
+        </p:spPr>
+        <p:txBody>
+          <a:bodyPr wrap="none">
+            <a:spAutoFit/>
+          </a:bodyPr>
+          <a:lstStyle/>
+          <a:p>
+            <a:r>
+              <a:rPr lang="en-US" b="1" dirty="0" smtClean="0"/>
+              <a:t>Audience</a:t>
+            </a:r>
+            <a:endParaRPr lang="en-US" b="1" dirty="0"/>
+          </a:p>
+        </p:txBody>
+      </p:sp>
+      <p:sp>
+        <p:nvSpPr>
+          <p:cNvPr id="30" name="Rectangle 29"/>
+          <p:cNvSpPr/>
+          <p:nvPr/>
+        </p:nvSpPr>
+        <p:spPr>
+          <a:xfrm>
+            <a:off x="4704569" y="6161974"/>
+            <a:ext cx="1077539" cy="369332"/>
+          </a:xfrm>
+          <a:prstGeom prst="rect">
+            <a:avLst/>
+          </a:prstGeom>
+        </p:spPr>
+        <p:txBody>
+          <a:bodyPr wrap="none">
+            <a:spAutoFit/>
+          </a:bodyPr>
+          <a:lstStyle/>
+          <a:p>
+            <a:r>
+              <a:rPr lang="en-US" b="1" dirty="0" smtClean="0"/>
+              <a:t>Audience</a:t>
+            </a:r>
+            <a:endParaRPr lang="en-US" b="1" dirty="0"/>
+          </a:p>
+        </p:txBody>
+      </p:sp>
+      <p:sp>
+        <p:nvSpPr>
+          <p:cNvPr id="31" name="Rectangle 30"/>
+          <p:cNvSpPr/>
+          <p:nvPr/>
+        </p:nvSpPr>
+        <p:spPr>
+          <a:xfrm>
+            <a:off x="8623517" y="3740443"/>
+            <a:ext cx="1077539" cy="369332"/>
+          </a:xfrm>
+          <a:prstGeom prst="rect">
+            <a:avLst/>
+          </a:prstGeom>
+        </p:spPr>
+        <p:txBody>
+          <a:bodyPr wrap="none">
+            <a:spAutoFit/>
+          </a:bodyPr>
+          <a:lstStyle/>
+          <a:p>
+            <a:r>
+              <a:rPr lang="en-US" b="1" dirty="0" smtClean="0"/>
+              <a:t>Audience</a:t>
+            </a:r>
+            <a:endParaRPr lang="en-US" b="1" dirty="0"/>
+          </a:p>
+        </p:txBody>
+      </p:sp>
+    </p:spTree>
+    <p:extLst>
+      <p:ext uri="{BB962C8B-B14F-4D97-AF65-F5344CB8AC3E}">
+        <p14:creationId xmlns:p14="http://schemas.microsoft.com/office/powerpoint/2010/main" val="2081044035"/>
+      </p:ext>
+    </p:extLst>
+  </p:cSld>
+  <p:clrMapOvr>
+    <a:masterClrMapping/>
+  </p:clrMapOvr>
+  <p:timing>
+    <p:tnLst>
+      <p:par>
+        <p:cTn id="1" dur="indefinite" restart="never" nodeType="tmRoot"/>
+      </p:par>
+    </p:tnLst>
+  </p:timing>
+</p:sld>
+</file>
+
+<file path=ppt/slides/slide5.xml><?xml version="1.0" encoding="utf-8"?>
+<p:sld xmlns:a="http://schemas.openxmlformats.org/drawingml/2006/main" xmlns:r="http://schemas.openxmlformats.org/officeDocument/2006/relationships" xmlns:p="http://schemas.openxmlformats.org/presentationml/2006/main">
+  <p:cSld>
+    <p:spTree>
+      <p:nvGrpSpPr>
+        <p:cNvPr id="1" name=""/>
+        <p:cNvGrpSpPr/>
+        <p:nvPr/>
+      </p:nvGrpSpPr>
+      <p:grpSpPr>
+        <a:xfrm>
+          <a:off x="0" y="0"/>
+          <a:ext cx="0" cy="0"/>
+          <a:chOff x="0" y="0"/>
+          <a:chExt cx="0" cy="0"/>
+        </a:xfrm>
+      </p:grpSpPr>
+      <p:sp>
+        <p:nvSpPr>
+          <p:cNvPr id="6" name="Rectangle 5"/>
+          <p:cNvSpPr/>
+          <p:nvPr/>
+        </p:nvSpPr>
+        <p:spPr>
+          <a:xfrm>
+            <a:off x="4734058" y="33709"/>
+            <a:ext cx="2092368" cy="769441"/>
+          </a:xfrm>
+          <a:prstGeom prst="rect">
+            <a:avLst/>
+          </a:prstGeom>
+        </p:spPr>
+        <p:txBody>
+          <a:bodyPr wrap="none">
+            <a:spAutoFit/>
+          </a:bodyPr>
+          <a:lstStyle/>
+          <a:p>
+            <a:r>
+              <a:rPr lang="en-US" sz="4400" dirty="0" smtClean="0"/>
+              <a:t>Beacons</a:t>
+            </a:r>
+            <a:endParaRPr lang="en-US" sz="4400" dirty="0"/>
+          </a:p>
+        </p:txBody>
+      </p:sp>
+      <p:pic>
+        <p:nvPicPr>
+          <p:cNvPr id="5122" name="Picture 2" descr="http://images.monoprice.com/productlargeimages/6127201.jpg"/>
+          <p:cNvPicPr>
+            <a:picLocks noChangeAspect="1" noChangeArrowheads="1"/>
+          </p:cNvPicPr>
+          <p:nvPr/>
+        </p:nvPicPr>
+        <p:blipFill>
+          <a:blip r:embed="rId2" cstate="print">
+            <a:extLst>
+              <a:ext uri="{28A0092B-C50C-407E-A947-70E740481C1C}">
+                <a14:useLocalDpi xmlns:a14="http://schemas.microsoft.com/office/drawing/2010/main" val="0"/>
+              </a:ext>
+            </a:extLst>
+          </a:blip>
+          <a:srcRect/>
+          <a:stretch>
+            <a:fillRect/>
+          </a:stretch>
+        </p:blipFill>
+        <p:spPr bwMode="auto">
+          <a:xfrm>
+            <a:off x="7728311" y="2396466"/>
+            <a:ext cx="3856383" cy="2892287"/>
+          </a:xfrm>
+          <a:prstGeom prst="rect">
+            <a:avLst/>
+          </a:prstGeom>
+          <a:noFill/>
+          <a:extLst>
+            <a:ext uri="{909E8E84-426E-40DD-AFC4-6F175D3DCCD1}">
+              <a14:hiddenFill xmlns:a14="http://schemas.microsoft.com/office/drawing/2010/main">
+                <a:solidFill>
+                  <a:srgbClr val="FFFFFF"/>
+                </a:solidFill>
+              </a14:hiddenFill>
+            </a:ext>
+          </a:extLst>
+        </p:spPr>
+      </p:pic>
+      <p:pic>
+        <p:nvPicPr>
+          <p:cNvPr id="3" name="Picture 2"/>
+          <p:cNvPicPr>
+            <a:picLocks noChangeAspect="1"/>
+          </p:cNvPicPr>
+          <p:nvPr/>
+        </p:nvPicPr>
+        <p:blipFill>
+          <a:blip r:embed="rId3"/>
+          <a:stretch>
+            <a:fillRect/>
+          </a:stretch>
+        </p:blipFill>
+        <p:spPr>
+          <a:xfrm>
+            <a:off x="1658177" y="1926390"/>
+            <a:ext cx="1191039" cy="3887419"/>
+          </a:xfrm>
+          <a:prstGeom prst="rect">
+            <a:avLst/>
+          </a:prstGeom>
+          <a:effectLst>
+            <a:outerShdw blurRad="50800" dist="38100" dir="2700000" algn="tl" rotWithShape="0">
+              <a:prstClr val="black">
+                <a:alpha val="40000"/>
+              </a:prstClr>
+            </a:outerShdw>
+          </a:effectLst>
+        </p:spPr>
+      </p:pic>
+      <p:sp>
+        <p:nvSpPr>
+          <p:cNvPr id="32" name="Rectangle 31"/>
+          <p:cNvSpPr/>
+          <p:nvPr/>
+        </p:nvSpPr>
+        <p:spPr>
+          <a:xfrm>
+            <a:off x="1025524" y="1232215"/>
+            <a:ext cx="2456344" cy="461665"/>
+          </a:xfrm>
+          <a:prstGeom prst="rect">
+            <a:avLst/>
+          </a:prstGeom>
+        </p:spPr>
+        <p:txBody>
+          <a:bodyPr wrap="square">
+            <a:spAutoFit/>
+          </a:bodyPr>
+          <a:lstStyle/>
+          <a:p>
+            <a:pPr algn="ctr"/>
+            <a:r>
+              <a:rPr lang="en-US" sz="2400" b="1" dirty="0" smtClean="0"/>
+              <a:t>Sculpture</a:t>
+            </a:r>
+            <a:endParaRPr lang="en-US" sz="2400" b="1" dirty="0"/>
+          </a:p>
+        </p:txBody>
+      </p:sp>
+      <p:sp>
+        <p:nvSpPr>
+          <p:cNvPr id="33" name="Rectangle 32"/>
+          <p:cNvSpPr/>
+          <p:nvPr/>
+        </p:nvSpPr>
+        <p:spPr>
+          <a:xfrm>
+            <a:off x="4968670" y="1232215"/>
+            <a:ext cx="1623144" cy="461665"/>
+          </a:xfrm>
+          <a:prstGeom prst="rect">
+            <a:avLst/>
+          </a:prstGeom>
+        </p:spPr>
+        <p:txBody>
+          <a:bodyPr wrap="square">
+            <a:spAutoFit/>
+          </a:bodyPr>
+          <a:lstStyle/>
+          <a:p>
+            <a:pPr algn="ctr"/>
+            <a:r>
+              <a:rPr lang="en-US" sz="2400" b="1" dirty="0" smtClean="0"/>
+              <a:t>Speaker</a:t>
+            </a:r>
+            <a:endParaRPr lang="en-US" sz="2400" b="1" dirty="0"/>
+          </a:p>
+        </p:txBody>
+      </p:sp>
+      <p:sp>
+        <p:nvSpPr>
+          <p:cNvPr id="34" name="Rectangle 33"/>
+          <p:cNvSpPr/>
+          <p:nvPr/>
+        </p:nvSpPr>
+        <p:spPr>
+          <a:xfrm>
+            <a:off x="8428331" y="1232215"/>
+            <a:ext cx="2456344" cy="461665"/>
+          </a:xfrm>
+          <a:prstGeom prst="rect">
+            <a:avLst/>
+          </a:prstGeom>
+        </p:spPr>
+        <p:txBody>
+          <a:bodyPr wrap="square">
+            <a:spAutoFit/>
+          </a:bodyPr>
+          <a:lstStyle/>
+          <a:p>
+            <a:pPr algn="ctr"/>
+            <a:r>
+              <a:rPr lang="en-US" sz="2400" b="1" dirty="0" smtClean="0"/>
+              <a:t>RGB Spotlight</a:t>
+            </a:r>
+          </a:p>
+        </p:txBody>
+      </p:sp>
+      <p:pic>
+        <p:nvPicPr>
+          <p:cNvPr id="5124" name="Picture 4" descr="http://www.bhphotovideo.com/images/images1000x1000/JBL_LSR6332L_LSR6332_Linear_Spatial_Reference_307457.jpg"/>
+          <p:cNvPicPr>
+            <a:picLocks noChangeAspect="1" noChangeArrowheads="1"/>
+          </p:cNvPicPr>
+          <p:nvPr/>
+        </p:nvPicPr>
+        <p:blipFill>
+          <a:blip r:embed="rId4" cstate="print">
+            <a:extLst>
+              <a:ext uri="{28A0092B-C50C-407E-A947-70E740481C1C}">
+                <a14:useLocalDpi xmlns:a14="http://schemas.microsoft.com/office/drawing/2010/main" val="0"/>
+              </a:ext>
+            </a:extLst>
+          </a:blip>
+          <a:srcRect/>
+          <a:stretch>
+            <a:fillRect/>
+          </a:stretch>
+        </p:blipFill>
+        <p:spPr bwMode="auto">
+          <a:xfrm>
+            <a:off x="4306609" y="2396466"/>
+            <a:ext cx="2947266" cy="2947266"/>
+          </a:xfrm>
+          <a:prstGeom prst="rect">
+            <a:avLst/>
+          </a:prstGeom>
+          <a:noFill/>
+          <a:extLst>
+            <a:ext uri="{909E8E84-426E-40DD-AFC4-6F175D3DCCD1}">
+              <a14:hiddenFill xmlns:a14="http://schemas.microsoft.com/office/drawing/2010/main">
+                <a:solidFill>
+                  <a:srgbClr val="FFFFFF"/>
+                </a:solidFill>
+              </a14:hiddenFill>
+            </a:ext>
+          </a:extLst>
+        </p:spPr>
+      </p:pic>
+      <p:sp>
+        <p:nvSpPr>
+          <p:cNvPr id="35" name="Rectangle 34"/>
+          <p:cNvSpPr/>
+          <p:nvPr/>
+        </p:nvSpPr>
+        <p:spPr>
+          <a:xfrm>
+            <a:off x="3401195" y="3372441"/>
+            <a:ext cx="668196" cy="646331"/>
+          </a:xfrm>
+          <a:prstGeom prst="rect">
+            <a:avLst/>
+          </a:prstGeom>
+        </p:spPr>
+        <p:txBody>
+          <a:bodyPr wrap="square">
+            <a:spAutoFit/>
+          </a:bodyPr>
+          <a:lstStyle/>
+          <a:p>
+            <a:pPr algn="ctr"/>
+            <a:r>
+              <a:rPr lang="en-US" sz="3600" b="1" dirty="0" smtClean="0"/>
+              <a:t>+</a:t>
+            </a:r>
+            <a:endParaRPr lang="en-US" sz="3600" b="1" dirty="0"/>
+          </a:p>
+        </p:txBody>
+      </p:sp>
+      <p:sp>
+        <p:nvSpPr>
+          <p:cNvPr id="36" name="Rectangle 35"/>
+          <p:cNvSpPr/>
+          <p:nvPr/>
+        </p:nvSpPr>
+        <p:spPr>
+          <a:xfrm>
+            <a:off x="7111304" y="3372440"/>
+            <a:ext cx="668196" cy="646331"/>
+          </a:xfrm>
+          <a:prstGeom prst="rect">
+            <a:avLst/>
+          </a:prstGeom>
+        </p:spPr>
+        <p:txBody>
+          <a:bodyPr wrap="square">
+            <a:spAutoFit/>
+          </a:bodyPr>
+          <a:lstStyle/>
+          <a:p>
+            <a:pPr algn="ctr"/>
+            <a:r>
+              <a:rPr lang="en-US" sz="3600" b="1" dirty="0" smtClean="0"/>
+              <a:t>+</a:t>
+            </a:r>
+            <a:endParaRPr lang="en-US" sz="3600" b="1" dirty="0"/>
+          </a:p>
+        </p:txBody>
+      </p:sp>
+    </p:spTree>
+    <p:extLst>
+      <p:ext uri="{BB962C8B-B14F-4D97-AF65-F5344CB8AC3E}">
+        <p14:creationId xmlns:p14="http://schemas.microsoft.com/office/powerpoint/2010/main" val="174224483"/>
+      </p:ext>
+    </p:extLst>
+  </p:cSld>
+  <p:clrMapOvr>
+    <a:masterClrMapping/>
+  </p:clrMapOvr>
+  <p:timing>
+    <p:tnLst>
+      <p:par>
+        <p:cTn id="1" dur="indefinite" restart="never" nodeType="tmRoot"/>
+      </p:par>
+    </p:tnLst>
+  </p:timing>
+</p:sld>
+</file>
+
+<file path=ppt/slides/slide6.xml><?xml version="1.0" encoding="utf-8"?>
 <p:sld xmlns:a="http://schemas.openxmlformats.org/drawingml/2006/main" xmlns:r="http://schemas.openxmlformats.org/officeDocument/2006/relationships" xmlns:p="http://schemas.openxmlformats.org/presentationml/2006/main">
   <p:cSld>
     <p:spTree>
@@ -11902,8 +15956,8 @@
         </p:nvSpPr>
         <p:spPr>
           <a:xfrm>
-            <a:off x="2518160" y="5998506"/>
-            <a:ext cx="2101088" cy="369332"/>
+            <a:off x="2268962" y="5856646"/>
+            <a:ext cx="2599482" cy="707886"/>
           </a:xfrm>
           <a:prstGeom prst="rect">
             <a:avLst/>
@@ -11915,11 +15969,19 @@
           </a:bodyPr>
           <a:lstStyle/>
           <a:p>
+            <a:pPr algn="ctr"/>
             <a:r>
-              <a:rPr lang="en-US" b="1" dirty="0" smtClean="0"/>
-              <a:t>Torch Carrier (in VR)</a:t>
+              <a:rPr lang="en-US" sz="2000" b="1" dirty="0" smtClean="0"/>
+              <a:t>Torch Carrier </a:t>
             </a:r>
-            <a:endParaRPr lang="en-US" b="1" dirty="0"/>
+            <a:br>
+              <a:rPr lang="en-US" sz="2000" b="1" dirty="0" smtClean="0"/>
+            </a:br>
+            <a:r>
+              <a:rPr lang="en-US" sz="2000" b="1" dirty="0" smtClean="0"/>
+              <a:t>(in VR)</a:t>
+            </a:r>
+            <a:endParaRPr lang="en-US" sz="2000" b="1" dirty="0"/>
           </a:p>
         </p:txBody>
       </p:sp>
@@ -11931,8 +15993,8 @@
         </p:nvSpPr>
         <p:spPr>
           <a:xfrm>
-            <a:off x="7434470" y="5998506"/>
-            <a:ext cx="3137245" cy="369332"/>
+            <a:off x="7165588" y="5844564"/>
+            <a:ext cx="3137245" cy="707886"/>
           </a:xfrm>
           <a:prstGeom prst="rect">
             <a:avLst/>
@@ -11944,11 +16006,77 @@
           </a:bodyPr>
           <a:lstStyle/>
           <a:p>
+            <a:pPr algn="ctr"/>
             <a:r>
-              <a:rPr lang="en-US" b="1" dirty="0" smtClean="0"/>
-              <a:t>Lantern Carrier (not in VR)</a:t>
+              <a:rPr lang="en-US" sz="2000" b="1" dirty="0" smtClean="0"/>
+              <a:t>Lantern Carrier </a:t>
             </a:r>
-            <a:endParaRPr lang="en-US" b="1" dirty="0"/>
+            <a:br>
+              <a:rPr lang="en-US" sz="2000" b="1" dirty="0" smtClean="0"/>
+            </a:br>
+            <a:r>
+              <a:rPr lang="en-US" sz="2000" b="1" dirty="0" smtClean="0"/>
+              <a:t>(not in VR)</a:t>
+            </a:r>
+            <a:endParaRPr lang="en-US" sz="2000" b="1" dirty="0"/>
+          </a:p>
+        </p:txBody>
+      </p:sp>
+      <p:sp>
+        <p:nvSpPr>
+          <p:cNvPr id="18" name="Rectangle 17"/>
+          <p:cNvSpPr/>
+          <p:nvPr/>
+        </p:nvSpPr>
+        <p:spPr>
+          <a:xfrm>
+            <a:off x="2367447" y="1258720"/>
+            <a:ext cx="2599482" cy="400110"/>
+          </a:xfrm>
+          <a:prstGeom prst="rect">
+            <a:avLst/>
+          </a:prstGeom>
+        </p:spPr>
+        <p:txBody>
+          <a:bodyPr wrap="square">
+            <a:spAutoFit/>
+          </a:bodyPr>
+          <a:lstStyle/>
+          <a:p>
+            <a:r>
+              <a:rPr lang="en-US" sz="2000" b="1" dirty="0" smtClean="0"/>
+              <a:t>Lights the Beacons</a:t>
+            </a:r>
+            <a:endParaRPr lang="en-US" sz="2000" b="1" dirty="0"/>
+          </a:p>
+        </p:txBody>
+      </p:sp>
+      <p:sp>
+        <p:nvSpPr>
+          <p:cNvPr id="19" name="Rectangle 18"/>
+          <p:cNvSpPr/>
+          <p:nvPr/>
+        </p:nvSpPr>
+        <p:spPr>
+          <a:xfrm>
+            <a:off x="7703351" y="1258720"/>
+            <a:ext cx="2599482" cy="400110"/>
+          </a:xfrm>
+          <a:prstGeom prst="rect">
+            <a:avLst/>
+          </a:prstGeom>
+        </p:spPr>
+        <p:txBody>
+          <a:bodyPr wrap="square">
+            <a:spAutoFit/>
+          </a:bodyPr>
+          <a:lstStyle/>
+          <a:p>
+            <a:r>
+              <a:rPr lang="en-US" sz="2000" b="1" dirty="0" smtClean="0"/>
+              <a:t>Leads the Way</a:t>
+            </a:r>
+            <a:endParaRPr lang="en-US" sz="2000" b="1" dirty="0"/>
           </a:p>
         </p:txBody>
       </p:sp>
@@ -11972,7 +16100,7 @@
 </p:sld>
 </file>
 
-<file path=ppt/slides/slide5.xml><?xml version="1.0" encoding="utf-8"?>
+<file path=ppt/slides/slide7.xml><?xml version="1.0" encoding="utf-8"?>
 <p:sld xmlns:a="http://schemas.openxmlformats.org/drawingml/2006/main" xmlns:r="http://schemas.openxmlformats.org/officeDocument/2006/relationships" xmlns:p="http://schemas.openxmlformats.org/presentationml/2006/main">
   <p:cSld>
     <p:spTree>
@@ -12153,64 +16281,6 @@
           </a:effectLst>
         </p:spPr>
       </p:pic>
-      <p:sp>
-        <p:nvSpPr>
-          <p:cNvPr id="8" name="Rectangle 7"/>
-          <p:cNvSpPr/>
-          <p:nvPr/>
-        </p:nvSpPr>
-        <p:spPr>
-          <a:xfrm>
-            <a:off x="649603" y="5629174"/>
-            <a:ext cx="2101088" cy="369332"/>
-          </a:xfrm>
-          <a:prstGeom prst="rect">
-            <a:avLst/>
-          </a:prstGeom>
-        </p:spPr>
-        <p:txBody>
-          <a:bodyPr wrap="square">
-            <a:spAutoFit/>
-          </a:bodyPr>
-          <a:lstStyle/>
-          <a:p>
-            <a:r>
-              <a:rPr lang="en-US" b="1" dirty="0" smtClean="0"/>
-              <a:t>Torch Carrier (in VR)</a:t>
-            </a:r>
-            <a:endParaRPr lang="en-US" b="1" dirty="0"/>
-          </a:p>
-        </p:txBody>
-      </p:sp>
-      <p:sp>
-        <p:nvSpPr>
-          <p:cNvPr id="17" name="Rectangle 16"/>
-          <p:cNvSpPr/>
-          <p:nvPr/>
-        </p:nvSpPr>
-        <p:spPr>
-          <a:xfrm>
-            <a:off x="9395792" y="5629174"/>
-            <a:ext cx="3137245" cy="369332"/>
-          </a:xfrm>
-          <a:prstGeom prst="rect">
-            <a:avLst/>
-          </a:prstGeom>
-        </p:spPr>
-        <p:txBody>
-          <a:bodyPr wrap="square">
-            <a:spAutoFit/>
-          </a:bodyPr>
-          <a:lstStyle/>
-          <a:p>
-            <a:r>
-              <a:rPr lang="en-US" b="1" dirty="0" smtClean="0"/>
-              <a:t>Lantern Carrier (not in VR)</a:t>
-            </a:r>
-            <a:endParaRPr lang="en-US" b="1" dirty="0"/>
-          </a:p>
-        </p:txBody>
-      </p:sp>
       <p:pic>
         <p:nvPicPr>
           <p:cNvPr id="2" name="Picture 1"/>
@@ -12441,6 +16511,80 @@
           </a:effectLst>
         </p:spPr>
       </p:pic>
+      <p:sp>
+        <p:nvSpPr>
+          <p:cNvPr id="24" name="Rectangle 23"/>
+          <p:cNvSpPr/>
+          <p:nvPr/>
+        </p:nvSpPr>
+        <p:spPr>
+          <a:xfrm>
+            <a:off x="386139" y="5491894"/>
+            <a:ext cx="2599482" cy="707886"/>
+          </a:xfrm>
+          <a:prstGeom prst="rect">
+            <a:avLst/>
+          </a:prstGeom>
+        </p:spPr>
+        <p:txBody>
+          <a:bodyPr wrap="square">
+            <a:spAutoFit/>
+          </a:bodyPr>
+          <a:lstStyle/>
+          <a:p>
+            <a:pPr algn="ctr"/>
+            <a:r>
+              <a:rPr lang="en-US" sz="2000" b="1" dirty="0" smtClean="0"/>
+              <a:t>Torch Carrier </a:t>
+            </a:r>
+            <a:br>
+              <a:rPr lang="en-US" sz="2000" b="1" dirty="0" smtClean="0"/>
+            </a:br>
+            <a:r>
+              <a:rPr lang="en-US" sz="2000" b="1" dirty="0" smtClean="0"/>
+              <a:t>(in VR)</a:t>
+            </a:r>
+            <a:endParaRPr lang="en-US" sz="2000" b="1" dirty="0"/>
+          </a:p>
+        </p:txBody>
+      </p:sp>
+      <p:sp>
+        <p:nvSpPr>
+          <p:cNvPr id="26" name="Rectangle 25"/>
+          <p:cNvSpPr/>
+          <p:nvPr/>
+        </p:nvSpPr>
+        <p:spPr>
+          <a:xfrm>
+            <a:off x="9203367" y="5401520"/>
+            <a:ext cx="3137245" cy="707886"/>
+          </a:xfrm>
+          <a:prstGeom prst="rect">
+            <a:avLst/>
+          </a:prstGeom>
+        </p:spPr>
+        <p:txBody>
+          <a:bodyPr wrap="square">
+            <a:spAutoFit/>
+          </a:bodyPr>
+          <a:lstStyle/>
+          <a:p>
+            <a:pPr algn="ctr"/>
+            <a:r>
+              <a:rPr lang="en-US" sz="2000" b="1" dirty="0" smtClean="0"/>
+              <a:t>Lantern Carrier </a:t>
+            </a:r>
+            <a:br>
+              <a:rPr lang="en-US" sz="2000" b="1" dirty="0" smtClean="0"/>
+            </a:br>
+            <a:r>
+              <a:rPr lang="en-US" sz="2000" b="1" dirty="0" smtClean="0"/>
+              <a:t>(not in VR)</a:t>
+            </a:r>
+            <a:endParaRPr lang="en-US" sz="2000" b="1" dirty="0"/>
+          </a:p>
+        </p:txBody>
+      </p:sp>
     </p:spTree>
     <p:extLst>
       <p:ext uri="{BB962C8B-B14F-4D97-AF65-F5344CB8AC3E}">
@@ -12461,7 +16605,7 @@
 </p:sld>
 </file>
 
-<file path=ppt/slides/slide6.xml><?xml version="1.0" encoding="utf-8"?>
+<file path=ppt/slides/slide8.xml><?xml version="1.0" encoding="utf-8"?>
 <p:sld xmlns:a="http://schemas.openxmlformats.org/drawingml/2006/main" xmlns:r="http://schemas.openxmlformats.org/officeDocument/2006/relationships" xmlns:p="http://schemas.openxmlformats.org/presentationml/2006/main">
   <p:cSld>
     <p:spTree>
@@ -13137,6 +17281,591 @@
           </p:txBody>
         </p:sp>
       </p:grpSp>
+      <p:sp>
+        <p:nvSpPr>
+          <p:cNvPr id="22" name="Rectangle 21"/>
+          <p:cNvSpPr/>
+          <p:nvPr/>
+        </p:nvSpPr>
+        <p:spPr>
+          <a:xfrm>
+            <a:off x="739346" y="2512307"/>
+            <a:ext cx="4969476" cy="3805881"/>
+          </a:xfrm>
+          <a:prstGeom prst="rect">
+            <a:avLst/>
+          </a:prstGeom>
+        </p:spPr>
+        <p:style>
+          <a:lnRef idx="2">
+            <a:schemeClr val="accent1">
+              <a:shade val="50000"/>
+            </a:schemeClr>
+          </a:lnRef>
+          <a:fillRef idx="1">
+            <a:schemeClr val="accent1"/>
+          </a:fillRef>
+          <a:effectRef idx="0">
+            <a:schemeClr val="accent1"/>
+          </a:effectRef>
+          <a:fontRef idx="minor">
+            <a:schemeClr val="lt1"/>
+          </a:fontRef>
+        </p:style>
+        <p:txBody>
+          <a:bodyPr rtlCol="0" anchor="ctr"/>
+          <a:lstStyle/>
+          <a:p>
+            <a:pPr algn="ctr"/>
+            <a:endParaRPr lang="en-US" dirty="0"/>
+          </a:p>
+        </p:txBody>
+      </p:sp>
+      <p:sp>
+        <p:nvSpPr>
+          <p:cNvPr id="23" name="Oval 22"/>
+          <p:cNvSpPr/>
+          <p:nvPr/>
+        </p:nvSpPr>
+        <p:spPr>
+          <a:xfrm>
+            <a:off x="838200" y="5669324"/>
+            <a:ext cx="532371" cy="532371"/>
+          </a:xfrm>
+          <a:prstGeom prst="ellipse">
+            <a:avLst/>
+          </a:prstGeom>
+        </p:spPr>
+        <p:style>
+          <a:lnRef idx="2">
+            <a:schemeClr val="accent1">
+              <a:shade val="50000"/>
+            </a:schemeClr>
+          </a:lnRef>
+          <a:fillRef idx="1">
+            <a:schemeClr val="accent1"/>
+          </a:fillRef>
+          <a:effectRef idx="0">
+            <a:schemeClr val="accent1"/>
+          </a:effectRef>
+          <a:fontRef idx="minor">
+            <a:schemeClr val="lt1"/>
+          </a:fontRef>
+        </p:style>
+        <p:txBody>
+          <a:bodyPr rtlCol="0" anchor="ctr"/>
+          <a:lstStyle/>
+          <a:p>
+            <a:pPr algn="ctr"/>
+            <a:endParaRPr lang="en-US"/>
+          </a:p>
+        </p:txBody>
+      </p:sp>
+      <p:sp>
+        <p:nvSpPr>
+          <p:cNvPr id="24" name="Oval 23"/>
+          <p:cNvSpPr/>
+          <p:nvPr/>
+        </p:nvSpPr>
+        <p:spPr>
+          <a:xfrm>
+            <a:off x="838200" y="2632914"/>
+            <a:ext cx="532371" cy="532371"/>
+          </a:xfrm>
+          <a:prstGeom prst="ellipse">
+            <a:avLst/>
+          </a:prstGeom>
+        </p:spPr>
+        <p:style>
+          <a:lnRef idx="2">
+            <a:schemeClr val="accent1">
+              <a:shade val="50000"/>
+            </a:schemeClr>
+          </a:lnRef>
+          <a:fillRef idx="1">
+            <a:schemeClr val="accent1"/>
+          </a:fillRef>
+          <a:effectRef idx="0">
+            <a:schemeClr val="accent1"/>
+          </a:effectRef>
+          <a:fontRef idx="minor">
+            <a:schemeClr val="lt1"/>
+          </a:fontRef>
+        </p:style>
+        <p:txBody>
+          <a:bodyPr rtlCol="0" anchor="ctr"/>
+          <a:lstStyle/>
+          <a:p>
+            <a:pPr algn="ctr"/>
+            <a:endParaRPr lang="en-US"/>
+          </a:p>
+        </p:txBody>
+      </p:sp>
+      <p:sp>
+        <p:nvSpPr>
+          <p:cNvPr id="25" name="Oval 24"/>
+          <p:cNvSpPr/>
+          <p:nvPr/>
+        </p:nvSpPr>
+        <p:spPr>
+          <a:xfrm>
+            <a:off x="5088404" y="2631237"/>
+            <a:ext cx="532371" cy="532371"/>
+          </a:xfrm>
+          <a:prstGeom prst="ellipse">
+            <a:avLst/>
+          </a:prstGeom>
+        </p:spPr>
+        <p:style>
+          <a:lnRef idx="2">
+            <a:schemeClr val="accent1">
+              <a:shade val="50000"/>
+            </a:schemeClr>
+          </a:lnRef>
+          <a:fillRef idx="1">
+            <a:schemeClr val="accent1"/>
+          </a:fillRef>
+          <a:effectRef idx="0">
+            <a:schemeClr val="accent1"/>
+          </a:effectRef>
+          <a:fontRef idx="minor">
+            <a:schemeClr val="lt1"/>
+          </a:fontRef>
+        </p:style>
+        <p:txBody>
+          <a:bodyPr rtlCol="0" anchor="ctr"/>
+          <a:lstStyle/>
+          <a:p>
+            <a:pPr algn="ctr"/>
+            <a:endParaRPr lang="en-US"/>
+          </a:p>
+        </p:txBody>
+      </p:sp>
+      <p:sp>
+        <p:nvSpPr>
+          <p:cNvPr id="26" name="Oval 25"/>
+          <p:cNvSpPr/>
+          <p:nvPr/>
+        </p:nvSpPr>
+        <p:spPr>
+          <a:xfrm>
+            <a:off x="5088403" y="5666885"/>
+            <a:ext cx="532371" cy="532371"/>
+          </a:xfrm>
+          <a:prstGeom prst="ellipse">
+            <a:avLst/>
+          </a:prstGeom>
+        </p:spPr>
+        <p:style>
+          <a:lnRef idx="2">
+            <a:schemeClr val="accent1">
+              <a:shade val="50000"/>
+            </a:schemeClr>
+          </a:lnRef>
+          <a:fillRef idx="1">
+            <a:schemeClr val="accent1"/>
+          </a:fillRef>
+          <a:effectRef idx="0">
+            <a:schemeClr val="accent1"/>
+          </a:effectRef>
+          <a:fontRef idx="minor">
+            <a:schemeClr val="lt1"/>
+          </a:fontRef>
+        </p:style>
+        <p:txBody>
+          <a:bodyPr rtlCol="0" anchor="ctr"/>
+          <a:lstStyle/>
+          <a:p>
+            <a:pPr algn="ctr"/>
+            <a:endParaRPr lang="en-US"/>
+          </a:p>
+        </p:txBody>
+      </p:sp>
+      <p:sp>
+        <p:nvSpPr>
+          <p:cNvPr id="27" name="Oval 26"/>
+          <p:cNvSpPr/>
+          <p:nvPr/>
+        </p:nvSpPr>
+        <p:spPr>
+          <a:xfrm>
+            <a:off x="838200" y="4179437"/>
+            <a:ext cx="532371" cy="532371"/>
+          </a:xfrm>
+          <a:prstGeom prst="ellipse">
+            <a:avLst/>
+          </a:prstGeom>
+        </p:spPr>
+        <p:style>
+          <a:lnRef idx="2">
+            <a:schemeClr val="accent1">
+              <a:shade val="50000"/>
+            </a:schemeClr>
+          </a:lnRef>
+          <a:fillRef idx="1">
+            <a:schemeClr val="accent1"/>
+          </a:fillRef>
+          <a:effectRef idx="0">
+            <a:schemeClr val="accent1"/>
+          </a:effectRef>
+          <a:fontRef idx="minor">
+            <a:schemeClr val="lt1"/>
+          </a:fontRef>
+        </p:style>
+        <p:txBody>
+          <a:bodyPr rtlCol="0" anchor="ctr"/>
+          <a:lstStyle/>
+          <a:p>
+            <a:pPr algn="ctr"/>
+            <a:endParaRPr lang="en-US"/>
+          </a:p>
+        </p:txBody>
+      </p:sp>
+      <p:sp>
+        <p:nvSpPr>
+          <p:cNvPr id="28" name="Oval 27"/>
+          <p:cNvSpPr/>
+          <p:nvPr/>
+        </p:nvSpPr>
+        <p:spPr>
+          <a:xfrm>
+            <a:off x="2890451" y="5669324"/>
+            <a:ext cx="532371" cy="532371"/>
+          </a:xfrm>
+          <a:prstGeom prst="ellipse">
+            <a:avLst/>
+          </a:prstGeom>
+        </p:spPr>
+        <p:style>
+          <a:lnRef idx="2">
+            <a:schemeClr val="accent1">
+              <a:shade val="50000"/>
+            </a:schemeClr>
+          </a:lnRef>
+          <a:fillRef idx="1">
+            <a:schemeClr val="accent1"/>
+          </a:fillRef>
+          <a:effectRef idx="0">
+            <a:schemeClr val="accent1"/>
+          </a:effectRef>
+          <a:fontRef idx="minor">
+            <a:schemeClr val="lt1"/>
+          </a:fontRef>
+        </p:style>
+        <p:txBody>
+          <a:bodyPr rtlCol="0" anchor="ctr"/>
+          <a:lstStyle/>
+          <a:p>
+            <a:pPr algn="ctr"/>
+            <a:endParaRPr lang="en-US"/>
+          </a:p>
+        </p:txBody>
+      </p:sp>
+      <p:sp>
+        <p:nvSpPr>
+          <p:cNvPr id="29" name="Oval 28"/>
+          <p:cNvSpPr/>
+          <p:nvPr/>
+        </p:nvSpPr>
+        <p:spPr>
+          <a:xfrm>
+            <a:off x="2964591" y="2631237"/>
+            <a:ext cx="532371" cy="532371"/>
+          </a:xfrm>
+          <a:prstGeom prst="ellipse">
+            <a:avLst/>
+          </a:prstGeom>
+        </p:spPr>
+        <p:style>
+          <a:lnRef idx="2">
+            <a:schemeClr val="accent1">
+              <a:shade val="50000"/>
+            </a:schemeClr>
+          </a:lnRef>
+          <a:fillRef idx="1">
+            <a:schemeClr val="accent1"/>
+          </a:fillRef>
+          <a:effectRef idx="0">
+            <a:schemeClr val="accent1"/>
+          </a:effectRef>
+          <a:fontRef idx="minor">
+            <a:schemeClr val="lt1"/>
+          </a:fontRef>
+        </p:style>
+        <p:txBody>
+          <a:bodyPr rtlCol="0" anchor="ctr"/>
+          <a:lstStyle/>
+          <a:p>
+            <a:pPr algn="ctr"/>
+            <a:endParaRPr lang="en-US"/>
+          </a:p>
+        </p:txBody>
+      </p:sp>
+      <p:sp>
+        <p:nvSpPr>
+          <p:cNvPr id="30" name="Oval 29"/>
+          <p:cNvSpPr/>
+          <p:nvPr/>
+        </p:nvSpPr>
+        <p:spPr>
+          <a:xfrm>
+            <a:off x="5088405" y="4149061"/>
+            <a:ext cx="532371" cy="532371"/>
+          </a:xfrm>
+          <a:prstGeom prst="ellipse">
+            <a:avLst/>
+          </a:prstGeom>
+        </p:spPr>
+        <p:style>
+          <a:lnRef idx="2">
+            <a:schemeClr val="accent1">
+              <a:shade val="50000"/>
+            </a:schemeClr>
+          </a:lnRef>
+          <a:fillRef idx="1">
+            <a:schemeClr val="accent1"/>
+          </a:fillRef>
+          <a:effectRef idx="0">
+            <a:schemeClr val="accent1"/>
+          </a:effectRef>
+          <a:fontRef idx="minor">
+            <a:schemeClr val="lt1"/>
+          </a:fontRef>
+        </p:style>
+        <p:txBody>
+          <a:bodyPr rtlCol="0" anchor="ctr"/>
+          <a:lstStyle/>
+          <a:p>
+            <a:pPr algn="ctr"/>
+            <a:endParaRPr lang="en-US"/>
+          </a:p>
+        </p:txBody>
+      </p:sp>
+      <p:sp>
+        <p:nvSpPr>
+          <p:cNvPr id="31" name="Oval 30"/>
+          <p:cNvSpPr/>
+          <p:nvPr/>
+        </p:nvSpPr>
+        <p:spPr>
+          <a:xfrm>
+            <a:off x="2864551" y="4137661"/>
+            <a:ext cx="606511" cy="606511"/>
+          </a:xfrm>
+          <a:prstGeom prst="ellipse">
+            <a:avLst/>
+          </a:prstGeom>
+          <a:solidFill>
+            <a:schemeClr val="bg1">
+              <a:lumMod val="95000"/>
+            </a:schemeClr>
+          </a:solidFill>
+        </p:spPr>
+        <p:style>
+          <a:lnRef idx="2">
+            <a:schemeClr val="accent1">
+              <a:shade val="50000"/>
+            </a:schemeClr>
+          </a:lnRef>
+          <a:fillRef idx="1">
+            <a:schemeClr val="accent1"/>
+          </a:fillRef>
+          <a:effectRef idx="0">
+            <a:schemeClr val="accent1"/>
+          </a:effectRef>
+          <a:fontRef idx="minor">
+            <a:schemeClr val="lt1"/>
+          </a:fontRef>
+        </p:style>
+        <p:txBody>
+          <a:bodyPr rtlCol="0" anchor="ctr"/>
+          <a:lstStyle/>
+          <a:p>
+            <a:pPr algn="ctr"/>
+            <a:endParaRPr lang="en-US">
+              <a:solidFill>
+                <a:srgbClr val="FF0000"/>
+              </a:solidFill>
+            </a:endParaRPr>
+          </a:p>
+        </p:txBody>
+      </p:sp>
+      <p:pic>
+        <p:nvPicPr>
+          <p:cNvPr id="32" name="Picture 4" descr="http://pcgamingwiki.com/images/thumb/3/3c/Editor_Icon_-_VR.svg/120px-Editor_Icon_-_VR.svg.png"/>
+          <p:cNvPicPr>
+            <a:picLocks noChangeAspect="1" noChangeArrowheads="1"/>
+          </p:cNvPicPr>
+          <p:nvPr/>
+        </p:nvPicPr>
+        <p:blipFill>
+          <a:blip r:embed="rId3" cstate="print">
+            <a:extLst>
+              <a:ext uri="{28A0092B-C50C-407E-A947-70E740481C1C}">
+                <a14:useLocalDpi xmlns:a14="http://schemas.microsoft.com/office/drawing/2010/main" val="0"/>
+              </a:ext>
+            </a:extLst>
+          </a:blip>
+          <a:srcRect/>
+          <a:stretch>
+            <a:fillRect/>
+          </a:stretch>
+        </p:blipFill>
+        <p:spPr bwMode="auto">
+          <a:xfrm>
+            <a:off x="981857" y="3753619"/>
+            <a:ext cx="472647" cy="472647"/>
+          </a:xfrm>
+          <a:prstGeom prst="rect">
+            <a:avLst/>
+          </a:prstGeom>
+          <a:noFill/>
+          <a:extLst>
+            <a:ext uri="{909E8E84-426E-40DD-AFC4-6F175D3DCCD1}">
+              <a14:hiddenFill xmlns:a14="http://schemas.microsoft.com/office/drawing/2010/main">
+                <a:solidFill>
+                  <a:srgbClr val="FFFFFF"/>
+                </a:solidFill>
+              </a14:hiddenFill>
+            </a:ext>
+          </a:extLst>
+        </p:spPr>
+      </p:pic>
+      <p:grpSp>
+        <p:nvGrpSpPr>
+          <p:cNvPr id="33" name="Group 32"/>
+          <p:cNvGrpSpPr/>
+          <p:nvPr/>
+        </p:nvGrpSpPr>
+        <p:grpSpPr>
+          <a:xfrm>
+            <a:off x="1297985" y="3476487"/>
+            <a:ext cx="507656" cy="649246"/>
+            <a:chOff x="3841408" y="3705994"/>
+            <a:chExt cx="507656" cy="649246"/>
+          </a:xfrm>
+        </p:grpSpPr>
+        <p:pic>
+          <p:nvPicPr>
+            <p:cNvPr id="34" name="Picture 2" descr="http://icons.iconarchive.com/icons/icons8/windows-8/512/Sports-Olympic-Torch-icon.png"/>
+            <p:cNvPicPr>
+              <a:picLocks noChangeAspect="1" noChangeArrowheads="1"/>
+            </p:cNvPicPr>
+            <p:nvPr/>
+          </p:nvPicPr>
+          <p:blipFill>
+            <a:blip r:embed="rId4" cstate="print">
+              <a:extLst>
+                <a:ext uri="{28A0092B-C50C-407E-A947-70E740481C1C}">
+                  <a14:useLocalDpi xmlns:a14="http://schemas.microsoft.com/office/drawing/2010/main" val="0"/>
+                </a:ext>
+              </a:extLst>
+            </a:blip>
+            <a:srcRect/>
+            <a:stretch>
+              <a:fillRect/>
+            </a:stretch>
+          </p:blipFill>
+          <p:spPr bwMode="auto">
+            <a:xfrm>
+              <a:off x="3841408" y="3847584"/>
+              <a:ext cx="507656" cy="507656"/>
+            </a:xfrm>
+            <a:prstGeom prst="rect">
+              <a:avLst/>
+            </a:prstGeom>
+            <a:noFill/>
+            <a:extLst>
+              <a:ext uri="{909E8E84-426E-40DD-AFC4-6F175D3DCCD1}">
+                <a14:hiddenFill xmlns:a14="http://schemas.microsoft.com/office/drawing/2010/main">
+                  <a:solidFill>
+                    <a:srgbClr val="FFFFFF"/>
+                  </a:solidFill>
+                </a14:hiddenFill>
+              </a:ext>
+            </a:extLst>
+          </p:spPr>
+        </p:pic>
+        <p:sp>
+          <p:nvSpPr>
+            <p:cNvPr id="35" name="Rectangle 34"/>
+            <p:cNvSpPr/>
+            <p:nvPr/>
+          </p:nvSpPr>
+          <p:spPr>
+            <a:xfrm>
+              <a:off x="3991235" y="3705994"/>
+              <a:ext cx="228600" cy="367105"/>
+            </a:xfrm>
+            <a:prstGeom prst="rect">
+              <a:avLst/>
+            </a:prstGeom>
+            <a:ln>
+              <a:noFill/>
+            </a:ln>
+          </p:spPr>
+          <p:style>
+            <a:lnRef idx="2">
+              <a:schemeClr val="accent1">
+                <a:shade val="50000"/>
+              </a:schemeClr>
+            </a:lnRef>
+            <a:fillRef idx="1">
+              <a:schemeClr val="accent1"/>
+            </a:fillRef>
+            <a:effectRef idx="0">
+              <a:schemeClr val="accent1"/>
+            </a:effectRef>
+            <a:fontRef idx="minor">
+              <a:schemeClr val="lt1"/>
+            </a:fontRef>
+          </p:style>
+          <p:txBody>
+            <a:bodyPr rtlCol="0" anchor="ctr"/>
+            <a:lstStyle/>
+            <a:p>
+              <a:pPr algn="ctr"/>
+              <a:endParaRPr lang="en-US"/>
+            </a:p>
+          </p:txBody>
+        </p:sp>
+      </p:grpSp>
+      <p:cxnSp>
+        <p:nvCxnSpPr>
+          <p:cNvPr id="36" name="Straight Arrow Connector 35"/>
+          <p:cNvCxnSpPr/>
+          <p:nvPr/>
+        </p:nvCxnSpPr>
+        <p:spPr>
+          <a:xfrm flipV="1">
+            <a:off x="1689852" y="3933256"/>
+            <a:ext cx="1434302" cy="15970"/>
+          </a:xfrm>
+          <a:prstGeom prst="straightConnector1">
+            <a:avLst/>
+          </a:prstGeom>
+          <a:ln w="38100">
+            <a:solidFill>
+              <a:srgbClr val="FF0000"/>
+            </a:solidFill>
+            <a:tailEnd type="triangle"/>
+          </a:ln>
+        </p:spPr>
+        <p:style>
+          <a:lnRef idx="1">
+            <a:schemeClr val="accent1"/>
+          </a:lnRef>
+          <a:fillRef idx="0">
+            <a:schemeClr val="accent1"/>
+          </a:fillRef>
+          <a:effectRef idx="0">
+            <a:schemeClr val="accent1"/>
+          </a:effectRef>
+          <a:fontRef idx="minor">
+            <a:schemeClr val="tx1"/>
+          </a:fontRef>
+        </p:style>
+      </p:cxnSp>
     </p:spTree>
     <p:extLst>
       <p:ext uri="{BB962C8B-B14F-4D97-AF65-F5344CB8AC3E}">
@@ -13157,7 +17886,7 @@
 </p:sld>
 </file>
 
-<file path=ppt/slides/slide7.xml><?xml version="1.0" encoding="utf-8"?>
+<file path=ppt/slides/slide9.xml><?xml version="1.0" encoding="utf-8"?>
 <p:sld xmlns:a="http://schemas.openxmlformats.org/drawingml/2006/main" xmlns:r="http://schemas.openxmlformats.org/officeDocument/2006/relationships" xmlns:p="http://schemas.openxmlformats.org/presentationml/2006/main">
   <p:cSld>
     <p:spTree>
@@ -13809,2798 +18538,6 @@
     <p:extLst>
       <p:ext uri="{BB962C8B-B14F-4D97-AF65-F5344CB8AC3E}">
         <p14:creationId xmlns:p14="http://schemas.microsoft.com/office/powerpoint/2010/main" val="3053832668"/>
-      </p:ext>
-    </p:extLst>
-  </p:cSld>
-  <p:clrMapOvr>
-    <a:masterClrMapping/>
-  </p:clrMapOvr>
-  <p:timing>
-    <p:tnLst>
-      <p:par>
-        <p:cTn id="1" dur="indefinite" restart="never" nodeType="tmRoot"/>
-      </p:par>
-    </p:tnLst>
-  </p:timing>
-</p:sld>
-</file>
-
-<file path=ppt/slides/slide8.xml><?xml version="1.0" encoding="utf-8"?>
-<p:sld xmlns:a="http://schemas.openxmlformats.org/drawingml/2006/main" xmlns:r="http://schemas.openxmlformats.org/officeDocument/2006/relationships" xmlns:p="http://schemas.openxmlformats.org/presentationml/2006/main">
-  <p:cSld>
-    <p:spTree>
-      <p:nvGrpSpPr>
-        <p:cNvPr id="1" name=""/>
-        <p:cNvGrpSpPr/>
-        <p:nvPr/>
-      </p:nvGrpSpPr>
-      <p:grpSpPr>
-        <a:xfrm>
-          <a:off x="0" y="0"/>
-          <a:ext cx="0" cy="0"/>
-          <a:chOff x="0" y="0"/>
-          <a:chExt cx="0" cy="0"/>
-        </a:xfrm>
-      </p:grpSpPr>
-      <p:sp>
-        <p:nvSpPr>
-          <p:cNvPr id="2" name="Title 1"/>
-          <p:cNvSpPr>
-            <a:spLocks noGrp="1"/>
-          </p:cNvSpPr>
-          <p:nvPr>
-            <p:ph type="title"/>
-          </p:nvPr>
-        </p:nvSpPr>
-        <p:spPr/>
-        <p:txBody>
-          <a:bodyPr>
-            <a:normAutofit fontScale="90000"/>
-          </a:bodyPr>
-          <a:lstStyle/>
-          <a:p>
-            <a:pPr algn="ctr"/>
-            <a:r>
-              <a:rPr lang="en-US" dirty="0" smtClean="0"/>
-              <a:t>When they light the torch, a glowing path appears in the room (not visible in VR), and a windy dark forest ahead in VR.  </a:t>
-            </a:r>
-            <a:endParaRPr lang="en-US" dirty="0"/>
-          </a:p>
-        </p:txBody>
-      </p:sp>
-      <p:sp>
-        <p:nvSpPr>
-          <p:cNvPr id="4" name="Rectangle 3"/>
-          <p:cNvSpPr/>
-          <p:nvPr/>
-        </p:nvSpPr>
-        <p:spPr>
-          <a:xfrm>
-            <a:off x="739346" y="2471351"/>
-            <a:ext cx="4969476" cy="3805881"/>
-          </a:xfrm>
-          <a:prstGeom prst="rect">
-            <a:avLst/>
-          </a:prstGeom>
-        </p:spPr>
-        <p:style>
-          <a:lnRef idx="2">
-            <a:schemeClr val="accent1">
-              <a:shade val="50000"/>
-            </a:schemeClr>
-          </a:lnRef>
-          <a:fillRef idx="1">
-            <a:schemeClr val="accent1"/>
-          </a:fillRef>
-          <a:effectRef idx="0">
-            <a:schemeClr val="accent1"/>
-          </a:effectRef>
-          <a:fontRef idx="minor">
-            <a:schemeClr val="lt1"/>
-          </a:fontRef>
-        </p:style>
-        <p:txBody>
-          <a:bodyPr rtlCol="0" anchor="ctr"/>
-          <a:lstStyle/>
-          <a:p>
-            <a:pPr algn="ctr"/>
-            <a:endParaRPr lang="en-US" dirty="0"/>
-          </a:p>
-        </p:txBody>
-      </p:sp>
-      <p:sp>
-        <p:nvSpPr>
-          <p:cNvPr id="5" name="Oval 4"/>
-          <p:cNvSpPr/>
-          <p:nvPr/>
-        </p:nvSpPr>
-        <p:spPr>
-          <a:xfrm>
-            <a:off x="2890451" y="4101412"/>
-            <a:ext cx="606511" cy="606511"/>
-          </a:xfrm>
-          <a:prstGeom prst="ellipse">
-            <a:avLst/>
-          </a:prstGeom>
-          <a:solidFill>
-            <a:schemeClr val="bg1">
-              <a:alpha val="35000"/>
-            </a:schemeClr>
-          </a:solidFill>
-        </p:spPr>
-        <p:style>
-          <a:lnRef idx="2">
-            <a:schemeClr val="accent1">
-              <a:shade val="50000"/>
-            </a:schemeClr>
-          </a:lnRef>
-          <a:fillRef idx="1">
-            <a:schemeClr val="accent1"/>
-          </a:fillRef>
-          <a:effectRef idx="0">
-            <a:schemeClr val="accent1"/>
-          </a:effectRef>
-          <a:fontRef idx="minor">
-            <a:schemeClr val="lt1"/>
-          </a:fontRef>
-        </p:style>
-        <p:txBody>
-          <a:bodyPr rtlCol="0" anchor="ctr"/>
-          <a:lstStyle/>
-          <a:p>
-            <a:pPr algn="ctr"/>
-            <a:endParaRPr lang="en-US">
-              <a:solidFill>
-                <a:srgbClr val="FF0000"/>
-              </a:solidFill>
-            </a:endParaRPr>
-          </a:p>
-        </p:txBody>
-      </p:sp>
-      <p:sp>
-        <p:nvSpPr>
-          <p:cNvPr id="7" name="Oval 6"/>
-          <p:cNvSpPr/>
-          <p:nvPr/>
-        </p:nvSpPr>
-        <p:spPr>
-          <a:xfrm>
-            <a:off x="838200" y="5628368"/>
-            <a:ext cx="532371" cy="532371"/>
-          </a:xfrm>
-          <a:prstGeom prst="ellipse">
-            <a:avLst/>
-          </a:prstGeom>
-        </p:spPr>
-        <p:style>
-          <a:lnRef idx="2">
-            <a:schemeClr val="accent1">
-              <a:shade val="50000"/>
-            </a:schemeClr>
-          </a:lnRef>
-          <a:fillRef idx="1">
-            <a:schemeClr val="accent1"/>
-          </a:fillRef>
-          <a:effectRef idx="0">
-            <a:schemeClr val="accent1"/>
-          </a:effectRef>
-          <a:fontRef idx="minor">
-            <a:schemeClr val="lt1"/>
-          </a:fontRef>
-        </p:style>
-        <p:txBody>
-          <a:bodyPr rtlCol="0" anchor="ctr"/>
-          <a:lstStyle/>
-          <a:p>
-            <a:pPr algn="ctr"/>
-            <a:endParaRPr lang="en-US"/>
-          </a:p>
-        </p:txBody>
-      </p:sp>
-      <p:sp>
-        <p:nvSpPr>
-          <p:cNvPr id="8" name="Oval 7"/>
-          <p:cNvSpPr/>
-          <p:nvPr/>
-        </p:nvSpPr>
-        <p:spPr>
-          <a:xfrm>
-            <a:off x="838200" y="2591958"/>
-            <a:ext cx="532371" cy="532371"/>
-          </a:xfrm>
-          <a:prstGeom prst="ellipse">
-            <a:avLst/>
-          </a:prstGeom>
-        </p:spPr>
-        <p:style>
-          <a:lnRef idx="2">
-            <a:schemeClr val="accent1">
-              <a:shade val="50000"/>
-            </a:schemeClr>
-          </a:lnRef>
-          <a:fillRef idx="1">
-            <a:schemeClr val="accent1"/>
-          </a:fillRef>
-          <a:effectRef idx="0">
-            <a:schemeClr val="accent1"/>
-          </a:effectRef>
-          <a:fontRef idx="minor">
-            <a:schemeClr val="lt1"/>
-          </a:fontRef>
-        </p:style>
-        <p:txBody>
-          <a:bodyPr rtlCol="0" anchor="ctr"/>
-          <a:lstStyle/>
-          <a:p>
-            <a:pPr algn="ctr"/>
-            <a:endParaRPr lang="en-US"/>
-          </a:p>
-        </p:txBody>
-      </p:sp>
-      <p:sp>
-        <p:nvSpPr>
-          <p:cNvPr id="9" name="Oval 8"/>
-          <p:cNvSpPr/>
-          <p:nvPr/>
-        </p:nvSpPr>
-        <p:spPr>
-          <a:xfrm>
-            <a:off x="5088404" y="2590281"/>
-            <a:ext cx="532371" cy="532371"/>
-          </a:xfrm>
-          <a:prstGeom prst="ellipse">
-            <a:avLst/>
-          </a:prstGeom>
-        </p:spPr>
-        <p:style>
-          <a:lnRef idx="2">
-            <a:schemeClr val="accent1">
-              <a:shade val="50000"/>
-            </a:schemeClr>
-          </a:lnRef>
-          <a:fillRef idx="1">
-            <a:schemeClr val="accent1"/>
-          </a:fillRef>
-          <a:effectRef idx="0">
-            <a:schemeClr val="accent1"/>
-          </a:effectRef>
-          <a:fontRef idx="minor">
-            <a:schemeClr val="lt1"/>
-          </a:fontRef>
-        </p:style>
-        <p:txBody>
-          <a:bodyPr rtlCol="0" anchor="ctr"/>
-          <a:lstStyle/>
-          <a:p>
-            <a:pPr algn="ctr"/>
-            <a:endParaRPr lang="en-US"/>
-          </a:p>
-        </p:txBody>
-      </p:sp>
-      <p:sp>
-        <p:nvSpPr>
-          <p:cNvPr id="10" name="Oval 9"/>
-          <p:cNvSpPr/>
-          <p:nvPr/>
-        </p:nvSpPr>
-        <p:spPr>
-          <a:xfrm>
-            <a:off x="5088403" y="5625929"/>
-            <a:ext cx="532371" cy="532371"/>
-          </a:xfrm>
-          <a:prstGeom prst="ellipse">
-            <a:avLst/>
-          </a:prstGeom>
-        </p:spPr>
-        <p:style>
-          <a:lnRef idx="2">
-            <a:schemeClr val="accent1">
-              <a:shade val="50000"/>
-            </a:schemeClr>
-          </a:lnRef>
-          <a:fillRef idx="1">
-            <a:schemeClr val="accent1"/>
-          </a:fillRef>
-          <a:effectRef idx="0">
-            <a:schemeClr val="accent1"/>
-          </a:effectRef>
-          <a:fontRef idx="minor">
-            <a:schemeClr val="lt1"/>
-          </a:fontRef>
-        </p:style>
-        <p:txBody>
-          <a:bodyPr rtlCol="0" anchor="ctr"/>
-          <a:lstStyle/>
-          <a:p>
-            <a:pPr algn="ctr"/>
-            <a:endParaRPr lang="en-US"/>
-          </a:p>
-        </p:txBody>
-      </p:sp>
-      <p:sp>
-        <p:nvSpPr>
-          <p:cNvPr id="11" name="Oval 10"/>
-          <p:cNvSpPr/>
-          <p:nvPr/>
-        </p:nvSpPr>
-        <p:spPr>
-          <a:xfrm>
-            <a:off x="838200" y="4138481"/>
-            <a:ext cx="532371" cy="532371"/>
-          </a:xfrm>
-          <a:prstGeom prst="ellipse">
-            <a:avLst/>
-          </a:prstGeom>
-        </p:spPr>
-        <p:style>
-          <a:lnRef idx="2">
-            <a:schemeClr val="accent1">
-              <a:shade val="50000"/>
-            </a:schemeClr>
-          </a:lnRef>
-          <a:fillRef idx="1">
-            <a:schemeClr val="accent1"/>
-          </a:fillRef>
-          <a:effectRef idx="0">
-            <a:schemeClr val="accent1"/>
-          </a:effectRef>
-          <a:fontRef idx="minor">
-            <a:schemeClr val="lt1"/>
-          </a:fontRef>
-        </p:style>
-        <p:txBody>
-          <a:bodyPr rtlCol="0" anchor="ctr"/>
-          <a:lstStyle/>
-          <a:p>
-            <a:pPr algn="ctr"/>
-            <a:endParaRPr lang="en-US"/>
-          </a:p>
-        </p:txBody>
-      </p:sp>
-      <p:sp>
-        <p:nvSpPr>
-          <p:cNvPr id="12" name="Oval 11"/>
-          <p:cNvSpPr/>
-          <p:nvPr/>
-        </p:nvSpPr>
-        <p:spPr>
-          <a:xfrm>
-            <a:off x="2890451" y="5628368"/>
-            <a:ext cx="532371" cy="532371"/>
-          </a:xfrm>
-          <a:prstGeom prst="ellipse">
-            <a:avLst/>
-          </a:prstGeom>
-        </p:spPr>
-        <p:style>
-          <a:lnRef idx="2">
-            <a:schemeClr val="accent1">
-              <a:shade val="50000"/>
-            </a:schemeClr>
-          </a:lnRef>
-          <a:fillRef idx="1">
-            <a:schemeClr val="accent1"/>
-          </a:fillRef>
-          <a:effectRef idx="0">
-            <a:schemeClr val="accent1"/>
-          </a:effectRef>
-          <a:fontRef idx="minor">
-            <a:schemeClr val="lt1"/>
-          </a:fontRef>
-        </p:style>
-        <p:txBody>
-          <a:bodyPr rtlCol="0" anchor="ctr"/>
-          <a:lstStyle/>
-          <a:p>
-            <a:pPr algn="ctr"/>
-            <a:endParaRPr lang="en-US"/>
-          </a:p>
-        </p:txBody>
-      </p:sp>
-      <p:sp>
-        <p:nvSpPr>
-          <p:cNvPr id="13" name="Oval 12"/>
-          <p:cNvSpPr/>
-          <p:nvPr/>
-        </p:nvSpPr>
-        <p:spPr>
-          <a:xfrm>
-            <a:off x="2964591" y="2590281"/>
-            <a:ext cx="532371" cy="532371"/>
-          </a:xfrm>
-          <a:prstGeom prst="ellipse">
-            <a:avLst/>
-          </a:prstGeom>
-        </p:spPr>
-        <p:style>
-          <a:lnRef idx="2">
-            <a:schemeClr val="accent1">
-              <a:shade val="50000"/>
-            </a:schemeClr>
-          </a:lnRef>
-          <a:fillRef idx="1">
-            <a:schemeClr val="accent1"/>
-          </a:fillRef>
-          <a:effectRef idx="0">
-            <a:schemeClr val="accent1"/>
-          </a:effectRef>
-          <a:fontRef idx="minor">
-            <a:schemeClr val="lt1"/>
-          </a:fontRef>
-        </p:style>
-        <p:txBody>
-          <a:bodyPr rtlCol="0" anchor="ctr"/>
-          <a:lstStyle/>
-          <a:p>
-            <a:pPr algn="ctr"/>
-            <a:endParaRPr lang="en-US"/>
-          </a:p>
-        </p:txBody>
-      </p:sp>
-      <p:sp>
-        <p:nvSpPr>
-          <p:cNvPr id="14" name="Oval 13"/>
-          <p:cNvSpPr/>
-          <p:nvPr/>
-        </p:nvSpPr>
-        <p:spPr>
-          <a:xfrm>
-            <a:off x="5088405" y="4108105"/>
-            <a:ext cx="532371" cy="532371"/>
-          </a:xfrm>
-          <a:prstGeom prst="ellipse">
-            <a:avLst/>
-          </a:prstGeom>
-        </p:spPr>
-        <p:style>
-          <a:lnRef idx="2">
-            <a:schemeClr val="accent1">
-              <a:shade val="50000"/>
-            </a:schemeClr>
-          </a:lnRef>
-          <a:fillRef idx="1">
-            <a:schemeClr val="accent1"/>
-          </a:fillRef>
-          <a:effectRef idx="0">
-            <a:schemeClr val="accent1"/>
-          </a:effectRef>
-          <a:fontRef idx="minor">
-            <a:schemeClr val="lt1"/>
-          </a:fontRef>
-        </p:style>
-        <p:txBody>
-          <a:bodyPr rtlCol="0" anchor="ctr"/>
-          <a:lstStyle/>
-          <a:p>
-            <a:pPr algn="ctr"/>
-            <a:endParaRPr lang="en-US"/>
-          </a:p>
-        </p:txBody>
-      </p:sp>
-      <p:pic>
-        <p:nvPicPr>
-          <p:cNvPr id="1028" name="Picture 4" descr="http://pcgamingwiki.com/images/thumb/3/3c/Editor_Icon_-_VR.svg/120px-Editor_Icon_-_VR.svg.png"/>
-          <p:cNvPicPr>
-            <a:picLocks noChangeAspect="1" noChangeArrowheads="1"/>
-          </p:cNvPicPr>
-          <p:nvPr/>
-        </p:nvPicPr>
-        <p:blipFill>
-          <a:blip r:embed="rId2" cstate="print">
-            <a:extLst>
-              <a:ext uri="{28A0092B-C50C-407E-A947-70E740481C1C}">
-                <a14:useLocalDpi xmlns:a14="http://schemas.microsoft.com/office/drawing/2010/main" val="0"/>
-              </a:ext>
-            </a:extLst>
-          </a:blip>
-          <a:srcRect/>
-          <a:stretch>
-            <a:fillRect/>
-          </a:stretch>
-        </p:blipFill>
-        <p:spPr bwMode="auto">
-          <a:xfrm>
-            <a:off x="2987760" y="3670983"/>
-            <a:ext cx="472647" cy="472647"/>
-          </a:xfrm>
-          <a:prstGeom prst="rect">
-            <a:avLst/>
-          </a:prstGeom>
-          <a:noFill/>
-          <a:extLst>
-            <a:ext uri="{909E8E84-426E-40DD-AFC4-6F175D3DCCD1}">
-              <a14:hiddenFill xmlns:a14="http://schemas.microsoft.com/office/drawing/2010/main">
-                <a:solidFill>
-                  <a:srgbClr val="FFFFFF"/>
-                </a:solidFill>
-              </a14:hiddenFill>
-            </a:ext>
-          </a:extLst>
-        </p:spPr>
-      </p:pic>
-      <p:pic>
-        <p:nvPicPr>
-          <p:cNvPr id="2050" name="Picture 2" descr="http://icons.iconarchive.com/icons/icons8/windows-8/512/Sports-Olympic-Torch-icon.png"/>
-          <p:cNvPicPr>
-            <a:picLocks noChangeAspect="1" noChangeArrowheads="1"/>
-          </p:cNvPicPr>
-          <p:nvPr/>
-        </p:nvPicPr>
-        <p:blipFill>
-          <a:blip r:embed="rId3" cstate="print">
-            <a:extLst>
-              <a:ext uri="{28A0092B-C50C-407E-A947-70E740481C1C}">
-                <a14:useLocalDpi xmlns:a14="http://schemas.microsoft.com/office/drawing/2010/main" val="0"/>
-              </a:ext>
-            </a:extLst>
-          </a:blip>
-          <a:srcRect/>
-          <a:stretch>
-            <a:fillRect/>
-          </a:stretch>
-        </p:blipFill>
-        <p:spPr bwMode="auto">
-          <a:xfrm>
-            <a:off x="3340443" y="3593756"/>
-            <a:ext cx="507656" cy="507656"/>
-          </a:xfrm>
-          <a:prstGeom prst="rect">
-            <a:avLst/>
-          </a:prstGeom>
-          <a:noFill/>
-          <a:extLst>
-            <a:ext uri="{909E8E84-426E-40DD-AFC4-6F175D3DCCD1}">
-              <a14:hiddenFill xmlns:a14="http://schemas.microsoft.com/office/drawing/2010/main">
-                <a:solidFill>
-                  <a:srgbClr val="FFFFFF"/>
-                </a:solidFill>
-              </a14:hiddenFill>
-            </a:ext>
-          </a:extLst>
-        </p:spPr>
-      </p:pic>
-      <p:pic>
-        <p:nvPicPr>
-          <p:cNvPr id="3074" name="Picture 2" descr="http://www.stockvault.net/blog/wp-content/uploads/2011/10/241.jpg"/>
-          <p:cNvPicPr>
-            <a:picLocks noChangeAspect="1" noChangeArrowheads="1"/>
-          </p:cNvPicPr>
-          <p:nvPr/>
-        </p:nvPicPr>
-        <p:blipFill>
-          <a:blip r:embed="rId4">
-            <a:extLst>
-              <a:ext uri="{28A0092B-C50C-407E-A947-70E740481C1C}">
-                <a14:useLocalDpi xmlns:a14="http://schemas.microsoft.com/office/drawing/2010/main" val="0"/>
-              </a:ext>
-            </a:extLst>
-          </a:blip>
-          <a:srcRect/>
-          <a:stretch>
-            <a:fillRect/>
-          </a:stretch>
-        </p:blipFill>
-        <p:spPr bwMode="auto">
-          <a:xfrm>
-            <a:off x="6660291" y="2716424"/>
-            <a:ext cx="4501979" cy="3376484"/>
-          </a:xfrm>
-          <a:prstGeom prst="rect">
-            <a:avLst/>
-          </a:prstGeom>
-          <a:noFill/>
-          <a:effectLst>
-            <a:outerShdw blurRad="50800" dist="38100" dir="2700000" algn="tl" rotWithShape="0">
-              <a:prstClr val="black">
-                <a:alpha val="40000"/>
-              </a:prstClr>
-            </a:outerShdw>
-          </a:effectLst>
-          <a:extLst>
-            <a:ext uri="{909E8E84-426E-40DD-AFC4-6F175D3DCCD1}">
-              <a14:hiddenFill xmlns:a14="http://schemas.microsoft.com/office/drawing/2010/main">
-                <a:solidFill>
-                  <a:srgbClr val="FFFFFF"/>
-                </a:solidFill>
-              </a14:hiddenFill>
-            </a:ext>
-          </a:extLst>
-        </p:spPr>
-      </p:pic>
-      <p:sp>
-        <p:nvSpPr>
-          <p:cNvPr id="3" name="Freeform 2"/>
-          <p:cNvSpPr/>
-          <p:nvPr/>
-        </p:nvSpPr>
-        <p:spPr>
-          <a:xfrm>
-            <a:off x="1338470" y="3008182"/>
-            <a:ext cx="3127513" cy="2372201"/>
-          </a:xfrm>
-          <a:custGeom>
-            <a:avLst/>
-            <a:gdLst>
-              <a:gd name="connsiteX0" fmla="*/ 2160104 w 3127513"/>
-              <a:gd name="connsiteY0" fmla="*/ 1338531 h 2372201"/>
-              <a:gd name="connsiteX1" fmla="*/ 2226365 w 3127513"/>
-              <a:gd name="connsiteY1" fmla="*/ 1365035 h 2372201"/>
-              <a:gd name="connsiteX2" fmla="*/ 2266121 w 3127513"/>
-              <a:gd name="connsiteY2" fmla="*/ 1378288 h 2372201"/>
-              <a:gd name="connsiteX3" fmla="*/ 2517913 w 3127513"/>
-              <a:gd name="connsiteY3" fmla="*/ 1365035 h 2372201"/>
-              <a:gd name="connsiteX4" fmla="*/ 2570921 w 3127513"/>
-              <a:gd name="connsiteY4" fmla="*/ 1312027 h 2372201"/>
-              <a:gd name="connsiteX5" fmla="*/ 2650434 w 3127513"/>
-              <a:gd name="connsiteY5" fmla="*/ 1259018 h 2372201"/>
-              <a:gd name="connsiteX6" fmla="*/ 2703443 w 3127513"/>
-              <a:gd name="connsiteY6" fmla="*/ 1206009 h 2372201"/>
-              <a:gd name="connsiteX7" fmla="*/ 2743200 w 3127513"/>
-              <a:gd name="connsiteY7" fmla="*/ 1126496 h 2372201"/>
-              <a:gd name="connsiteX8" fmla="*/ 2769704 w 3127513"/>
-              <a:gd name="connsiteY8" fmla="*/ 1046983 h 2372201"/>
-              <a:gd name="connsiteX9" fmla="*/ 2835965 w 3127513"/>
-              <a:gd name="connsiteY9" fmla="*/ 954218 h 2372201"/>
-              <a:gd name="connsiteX10" fmla="*/ 2928730 w 3127513"/>
-              <a:gd name="connsiteY10" fmla="*/ 927714 h 2372201"/>
-              <a:gd name="connsiteX11" fmla="*/ 3008243 w 3127513"/>
-              <a:gd name="connsiteY11" fmla="*/ 940966 h 2372201"/>
-              <a:gd name="connsiteX12" fmla="*/ 3061252 w 3127513"/>
-              <a:gd name="connsiteY12" fmla="*/ 1020479 h 2372201"/>
-              <a:gd name="connsiteX13" fmla="*/ 3087756 w 3127513"/>
-              <a:gd name="connsiteY13" fmla="*/ 1060235 h 2372201"/>
-              <a:gd name="connsiteX14" fmla="*/ 3114260 w 3127513"/>
-              <a:gd name="connsiteY14" fmla="*/ 1139748 h 2372201"/>
-              <a:gd name="connsiteX15" fmla="*/ 3127513 w 3127513"/>
-              <a:gd name="connsiteY15" fmla="*/ 1179505 h 2372201"/>
-              <a:gd name="connsiteX16" fmla="*/ 3101008 w 3127513"/>
-              <a:gd name="connsiteY16" fmla="*/ 1457801 h 2372201"/>
-              <a:gd name="connsiteX17" fmla="*/ 3087756 w 3127513"/>
-              <a:gd name="connsiteY17" fmla="*/ 1497557 h 2372201"/>
-              <a:gd name="connsiteX18" fmla="*/ 3061252 w 3127513"/>
-              <a:gd name="connsiteY18" fmla="*/ 1537314 h 2372201"/>
-              <a:gd name="connsiteX19" fmla="*/ 3021495 w 3127513"/>
-              <a:gd name="connsiteY19" fmla="*/ 1603575 h 2372201"/>
-              <a:gd name="connsiteX20" fmla="*/ 3008243 w 3127513"/>
-              <a:gd name="connsiteY20" fmla="*/ 1643331 h 2372201"/>
-              <a:gd name="connsiteX21" fmla="*/ 2862469 w 3127513"/>
-              <a:gd name="connsiteY21" fmla="*/ 1762601 h 2372201"/>
-              <a:gd name="connsiteX22" fmla="*/ 2782956 w 3127513"/>
-              <a:gd name="connsiteY22" fmla="*/ 1789105 h 2372201"/>
-              <a:gd name="connsiteX23" fmla="*/ 2743200 w 3127513"/>
-              <a:gd name="connsiteY23" fmla="*/ 1815609 h 2372201"/>
-              <a:gd name="connsiteX24" fmla="*/ 2703443 w 3127513"/>
-              <a:gd name="connsiteY24" fmla="*/ 1828861 h 2372201"/>
-              <a:gd name="connsiteX25" fmla="*/ 2650434 w 3127513"/>
-              <a:gd name="connsiteY25" fmla="*/ 1881870 h 2372201"/>
-              <a:gd name="connsiteX26" fmla="*/ 2623930 w 3127513"/>
-              <a:gd name="connsiteY26" fmla="*/ 1908375 h 2372201"/>
-              <a:gd name="connsiteX27" fmla="*/ 2597426 w 3127513"/>
-              <a:gd name="connsiteY27" fmla="*/ 2001140 h 2372201"/>
-              <a:gd name="connsiteX28" fmla="*/ 2584173 w 3127513"/>
-              <a:gd name="connsiteY28" fmla="*/ 2054148 h 2372201"/>
-              <a:gd name="connsiteX29" fmla="*/ 2557669 w 3127513"/>
-              <a:gd name="connsiteY29" fmla="*/ 2093905 h 2372201"/>
-              <a:gd name="connsiteX30" fmla="*/ 2544417 w 3127513"/>
-              <a:gd name="connsiteY30" fmla="*/ 2133661 h 2372201"/>
-              <a:gd name="connsiteX31" fmla="*/ 2504660 w 3127513"/>
-              <a:gd name="connsiteY31" fmla="*/ 2160166 h 2372201"/>
-              <a:gd name="connsiteX32" fmla="*/ 2491408 w 3127513"/>
-              <a:gd name="connsiteY32" fmla="*/ 2199922 h 2372201"/>
-              <a:gd name="connsiteX33" fmla="*/ 2411895 w 3127513"/>
-              <a:gd name="connsiteY33" fmla="*/ 2239679 h 2372201"/>
-              <a:gd name="connsiteX34" fmla="*/ 2385391 w 3127513"/>
-              <a:gd name="connsiteY34" fmla="*/ 2279435 h 2372201"/>
-              <a:gd name="connsiteX35" fmla="*/ 2345634 w 3127513"/>
-              <a:gd name="connsiteY35" fmla="*/ 2292688 h 2372201"/>
-              <a:gd name="connsiteX36" fmla="*/ 2305878 w 3127513"/>
-              <a:gd name="connsiteY36" fmla="*/ 2319192 h 2372201"/>
-              <a:gd name="connsiteX37" fmla="*/ 2173356 w 3127513"/>
-              <a:gd name="connsiteY37" fmla="*/ 2358948 h 2372201"/>
-              <a:gd name="connsiteX38" fmla="*/ 2133600 w 3127513"/>
-              <a:gd name="connsiteY38" fmla="*/ 2372201 h 2372201"/>
-              <a:gd name="connsiteX39" fmla="*/ 1789043 w 3127513"/>
-              <a:gd name="connsiteY39" fmla="*/ 2358948 h 2372201"/>
-              <a:gd name="connsiteX40" fmla="*/ 1709530 w 3127513"/>
-              <a:gd name="connsiteY40" fmla="*/ 2332444 h 2372201"/>
-              <a:gd name="connsiteX41" fmla="*/ 1683026 w 3127513"/>
-              <a:gd name="connsiteY41" fmla="*/ 2292688 h 2372201"/>
-              <a:gd name="connsiteX42" fmla="*/ 1643269 w 3127513"/>
-              <a:gd name="connsiteY42" fmla="*/ 2266183 h 2372201"/>
-              <a:gd name="connsiteX43" fmla="*/ 1590260 w 3127513"/>
-              <a:gd name="connsiteY43" fmla="*/ 2186670 h 2372201"/>
-              <a:gd name="connsiteX44" fmla="*/ 1550504 w 3127513"/>
-              <a:gd name="connsiteY44" fmla="*/ 2054148 h 2372201"/>
-              <a:gd name="connsiteX45" fmla="*/ 1510747 w 3127513"/>
-              <a:gd name="connsiteY45" fmla="*/ 1908375 h 2372201"/>
-              <a:gd name="connsiteX46" fmla="*/ 1444487 w 3127513"/>
-              <a:gd name="connsiteY46" fmla="*/ 1842114 h 2372201"/>
-              <a:gd name="connsiteX47" fmla="*/ 1378226 w 3127513"/>
-              <a:gd name="connsiteY47" fmla="*/ 1789105 h 2372201"/>
-              <a:gd name="connsiteX48" fmla="*/ 1325217 w 3127513"/>
-              <a:gd name="connsiteY48" fmla="*/ 1775853 h 2372201"/>
-              <a:gd name="connsiteX49" fmla="*/ 1219200 w 3127513"/>
-              <a:gd name="connsiteY49" fmla="*/ 1736096 h 2372201"/>
-              <a:gd name="connsiteX50" fmla="*/ 1046921 w 3127513"/>
-              <a:gd name="connsiteY50" fmla="*/ 1696340 h 2372201"/>
-              <a:gd name="connsiteX51" fmla="*/ 1020417 w 3127513"/>
-              <a:gd name="connsiteY51" fmla="*/ 1669835 h 2372201"/>
-              <a:gd name="connsiteX52" fmla="*/ 940904 w 3127513"/>
-              <a:gd name="connsiteY52" fmla="*/ 1643331 h 2372201"/>
-              <a:gd name="connsiteX53" fmla="*/ 914400 w 3127513"/>
-              <a:gd name="connsiteY53" fmla="*/ 1603575 h 2372201"/>
-              <a:gd name="connsiteX54" fmla="*/ 874643 w 3127513"/>
-              <a:gd name="connsiteY54" fmla="*/ 1590322 h 2372201"/>
-              <a:gd name="connsiteX55" fmla="*/ 861391 w 3127513"/>
-              <a:gd name="connsiteY55" fmla="*/ 1550566 h 2372201"/>
-              <a:gd name="connsiteX56" fmla="*/ 808382 w 3127513"/>
-              <a:gd name="connsiteY56" fmla="*/ 1497557 h 2372201"/>
-              <a:gd name="connsiteX57" fmla="*/ 781878 w 3127513"/>
-              <a:gd name="connsiteY57" fmla="*/ 1418044 h 2372201"/>
-              <a:gd name="connsiteX58" fmla="*/ 768626 w 3127513"/>
-              <a:gd name="connsiteY58" fmla="*/ 1378288 h 2372201"/>
-              <a:gd name="connsiteX59" fmla="*/ 742121 w 3127513"/>
-              <a:gd name="connsiteY59" fmla="*/ 1272270 h 2372201"/>
-              <a:gd name="connsiteX60" fmla="*/ 728869 w 3127513"/>
-              <a:gd name="connsiteY60" fmla="*/ 1219261 h 2372201"/>
-              <a:gd name="connsiteX61" fmla="*/ 715617 w 3127513"/>
-              <a:gd name="connsiteY61" fmla="*/ 371122 h 2372201"/>
-              <a:gd name="connsiteX62" fmla="*/ 662608 w 3127513"/>
-              <a:gd name="connsiteY62" fmla="*/ 304861 h 2372201"/>
-              <a:gd name="connsiteX63" fmla="*/ 636104 w 3127513"/>
-              <a:gd name="connsiteY63" fmla="*/ 265105 h 2372201"/>
-              <a:gd name="connsiteX64" fmla="*/ 596347 w 3127513"/>
-              <a:gd name="connsiteY64" fmla="*/ 251853 h 2372201"/>
-              <a:gd name="connsiteX65" fmla="*/ 543339 w 3127513"/>
-              <a:gd name="connsiteY65" fmla="*/ 185592 h 2372201"/>
-              <a:gd name="connsiteX66" fmla="*/ 490330 w 3127513"/>
-              <a:gd name="connsiteY66" fmla="*/ 132583 h 2372201"/>
-              <a:gd name="connsiteX67" fmla="*/ 410817 w 3127513"/>
-              <a:gd name="connsiteY67" fmla="*/ 106079 h 2372201"/>
-              <a:gd name="connsiteX68" fmla="*/ 371060 w 3127513"/>
-              <a:gd name="connsiteY68" fmla="*/ 79575 h 2372201"/>
-              <a:gd name="connsiteX69" fmla="*/ 318052 w 3127513"/>
-              <a:gd name="connsiteY69" fmla="*/ 66322 h 2372201"/>
-              <a:gd name="connsiteX70" fmla="*/ 251791 w 3127513"/>
-              <a:gd name="connsiteY70" fmla="*/ 53070 h 2372201"/>
-              <a:gd name="connsiteX71" fmla="*/ 172278 w 3127513"/>
-              <a:gd name="connsiteY71" fmla="*/ 39818 h 2372201"/>
-              <a:gd name="connsiteX72" fmla="*/ 92765 w 3127513"/>
-              <a:gd name="connsiteY72" fmla="*/ 13314 h 2372201"/>
-              <a:gd name="connsiteX73" fmla="*/ 0 w 3127513"/>
-              <a:gd name="connsiteY73" fmla="*/ 61 h 2372201"/>
-            </a:gdLst>
-            <a:ahLst/>
-            <a:cxnLst>
-              <a:cxn ang="0">
-                <a:pos x="connsiteX0" y="connsiteY0"/>
-              </a:cxn>
-              <a:cxn ang="0">
-                <a:pos x="connsiteX1" y="connsiteY1"/>
-              </a:cxn>
-              <a:cxn ang="0">
-                <a:pos x="connsiteX2" y="connsiteY2"/>
-              </a:cxn>
-              <a:cxn ang="0">
-                <a:pos x="connsiteX3" y="connsiteY3"/>
-              </a:cxn>
-              <a:cxn ang="0">
-                <a:pos x="connsiteX4" y="connsiteY4"/>
-              </a:cxn>
-              <a:cxn ang="0">
-                <a:pos x="connsiteX5" y="connsiteY5"/>
-              </a:cxn>
-              <a:cxn ang="0">
-                <a:pos x="connsiteX6" y="connsiteY6"/>
-              </a:cxn>
-              <a:cxn ang="0">
-                <a:pos x="connsiteX7" y="connsiteY7"/>
-              </a:cxn>
-              <a:cxn ang="0">
-                <a:pos x="connsiteX8" y="connsiteY8"/>
-              </a:cxn>
-              <a:cxn ang="0">
-                <a:pos x="connsiteX9" y="connsiteY9"/>
-              </a:cxn>
-              <a:cxn ang="0">
-                <a:pos x="connsiteX10" y="connsiteY10"/>
-              </a:cxn>
-              <a:cxn ang="0">
-                <a:pos x="connsiteX11" y="connsiteY11"/>
-              </a:cxn>
-              <a:cxn ang="0">
-                <a:pos x="connsiteX12" y="connsiteY12"/>
-              </a:cxn>
-              <a:cxn ang="0">
-                <a:pos x="connsiteX13" y="connsiteY13"/>
-              </a:cxn>
-              <a:cxn ang="0">
-                <a:pos x="connsiteX14" y="connsiteY14"/>
-              </a:cxn>
-              <a:cxn ang="0">
-                <a:pos x="connsiteX15" y="connsiteY15"/>
-              </a:cxn>
-              <a:cxn ang="0">
-                <a:pos x="connsiteX16" y="connsiteY16"/>
-              </a:cxn>
-              <a:cxn ang="0">
-                <a:pos x="connsiteX17" y="connsiteY17"/>
-              </a:cxn>
-              <a:cxn ang="0">
-                <a:pos x="connsiteX18" y="connsiteY18"/>
-              </a:cxn>
-              <a:cxn ang="0">
-                <a:pos x="connsiteX19" y="connsiteY19"/>
-              </a:cxn>
-              <a:cxn ang="0">
-                <a:pos x="connsiteX20" y="connsiteY20"/>
-              </a:cxn>
-              <a:cxn ang="0">
-                <a:pos x="connsiteX21" y="connsiteY21"/>
-              </a:cxn>
-              <a:cxn ang="0">
-                <a:pos x="connsiteX22" y="connsiteY22"/>
-              </a:cxn>
-              <a:cxn ang="0">
-                <a:pos x="connsiteX23" y="connsiteY23"/>
-              </a:cxn>
-              <a:cxn ang="0">
-                <a:pos x="connsiteX24" y="connsiteY24"/>
-              </a:cxn>
-              <a:cxn ang="0">
-                <a:pos x="connsiteX25" y="connsiteY25"/>
-              </a:cxn>
-              <a:cxn ang="0">
-                <a:pos x="connsiteX26" y="connsiteY26"/>
-              </a:cxn>
-              <a:cxn ang="0">
-                <a:pos x="connsiteX27" y="connsiteY27"/>
-              </a:cxn>
-              <a:cxn ang="0">
-                <a:pos x="connsiteX28" y="connsiteY28"/>
-              </a:cxn>
-              <a:cxn ang="0">
-                <a:pos x="connsiteX29" y="connsiteY29"/>
-              </a:cxn>
-              <a:cxn ang="0">
-                <a:pos x="connsiteX30" y="connsiteY30"/>
-              </a:cxn>
-              <a:cxn ang="0">
-                <a:pos x="connsiteX31" y="connsiteY31"/>
-              </a:cxn>
-              <a:cxn ang="0">
-                <a:pos x="connsiteX32" y="connsiteY32"/>
-              </a:cxn>
-              <a:cxn ang="0">
-                <a:pos x="connsiteX33" y="connsiteY33"/>
-              </a:cxn>
-              <a:cxn ang="0">
-                <a:pos x="connsiteX34" y="connsiteY34"/>
-              </a:cxn>
-              <a:cxn ang="0">
-                <a:pos x="connsiteX35" y="connsiteY35"/>
-              </a:cxn>
-              <a:cxn ang="0">
-                <a:pos x="connsiteX36" y="connsiteY36"/>
-              </a:cxn>
-              <a:cxn ang="0">
-                <a:pos x="connsiteX37" y="connsiteY37"/>
-              </a:cxn>
-              <a:cxn ang="0">
-                <a:pos x="connsiteX38" y="connsiteY38"/>
-              </a:cxn>
-              <a:cxn ang="0">
-                <a:pos x="connsiteX39" y="connsiteY39"/>
-              </a:cxn>
-              <a:cxn ang="0">
-                <a:pos x="connsiteX40" y="connsiteY40"/>
-              </a:cxn>
-              <a:cxn ang="0">
-                <a:pos x="connsiteX41" y="connsiteY41"/>
-              </a:cxn>
-              <a:cxn ang="0">
-                <a:pos x="connsiteX42" y="connsiteY42"/>
-              </a:cxn>
-              <a:cxn ang="0">
-                <a:pos x="connsiteX43" y="connsiteY43"/>
-              </a:cxn>
-              <a:cxn ang="0">
-                <a:pos x="connsiteX44" y="connsiteY44"/>
-              </a:cxn>
-              <a:cxn ang="0">
-                <a:pos x="connsiteX45" y="connsiteY45"/>
-              </a:cxn>
-              <a:cxn ang="0">
-                <a:pos x="connsiteX46" y="connsiteY46"/>
-              </a:cxn>
-              <a:cxn ang="0">
-                <a:pos x="connsiteX47" y="connsiteY47"/>
-              </a:cxn>
-              <a:cxn ang="0">
-                <a:pos x="connsiteX48" y="connsiteY48"/>
-              </a:cxn>
-              <a:cxn ang="0">
-                <a:pos x="connsiteX49" y="connsiteY49"/>
-              </a:cxn>
-              <a:cxn ang="0">
-                <a:pos x="connsiteX50" y="connsiteY50"/>
-              </a:cxn>
-              <a:cxn ang="0">
-                <a:pos x="connsiteX51" y="connsiteY51"/>
-              </a:cxn>
-              <a:cxn ang="0">
-                <a:pos x="connsiteX52" y="connsiteY52"/>
-              </a:cxn>
-              <a:cxn ang="0">
-                <a:pos x="connsiteX53" y="connsiteY53"/>
-              </a:cxn>
-              <a:cxn ang="0">
-                <a:pos x="connsiteX54" y="connsiteY54"/>
-              </a:cxn>
-              <a:cxn ang="0">
-                <a:pos x="connsiteX55" y="connsiteY55"/>
-              </a:cxn>
-              <a:cxn ang="0">
-                <a:pos x="connsiteX56" y="connsiteY56"/>
-              </a:cxn>
-              <a:cxn ang="0">
-                <a:pos x="connsiteX57" y="connsiteY57"/>
-              </a:cxn>
-              <a:cxn ang="0">
-                <a:pos x="connsiteX58" y="connsiteY58"/>
-              </a:cxn>
-              <a:cxn ang="0">
-                <a:pos x="connsiteX59" y="connsiteY59"/>
-              </a:cxn>
-              <a:cxn ang="0">
-                <a:pos x="connsiteX60" y="connsiteY60"/>
-              </a:cxn>
-              <a:cxn ang="0">
-                <a:pos x="connsiteX61" y="connsiteY61"/>
-              </a:cxn>
-              <a:cxn ang="0">
-                <a:pos x="connsiteX62" y="connsiteY62"/>
-              </a:cxn>
-              <a:cxn ang="0">
-                <a:pos x="connsiteX63" y="connsiteY63"/>
-              </a:cxn>
-              <a:cxn ang="0">
-                <a:pos x="connsiteX64" y="connsiteY64"/>
-              </a:cxn>
-              <a:cxn ang="0">
-                <a:pos x="connsiteX65" y="connsiteY65"/>
-              </a:cxn>
-              <a:cxn ang="0">
-                <a:pos x="connsiteX66" y="connsiteY66"/>
-              </a:cxn>
-              <a:cxn ang="0">
-                <a:pos x="connsiteX67" y="connsiteY67"/>
-              </a:cxn>
-              <a:cxn ang="0">
-                <a:pos x="connsiteX68" y="connsiteY68"/>
-              </a:cxn>
-              <a:cxn ang="0">
-                <a:pos x="connsiteX69" y="connsiteY69"/>
-              </a:cxn>
-              <a:cxn ang="0">
-                <a:pos x="connsiteX70" y="connsiteY70"/>
-              </a:cxn>
-              <a:cxn ang="0">
-                <a:pos x="connsiteX71" y="connsiteY71"/>
-              </a:cxn>
-              <a:cxn ang="0">
-                <a:pos x="connsiteX72" y="connsiteY72"/>
-              </a:cxn>
-              <a:cxn ang="0">
-                <a:pos x="connsiteX73" y="connsiteY73"/>
-              </a:cxn>
-            </a:cxnLst>
-            <a:rect l="l" t="t" r="r" b="b"/>
-            <a:pathLst>
-              <a:path w="3127513" h="2372201">
-                <a:moveTo>
-                  <a:pt x="2160104" y="1338531"/>
-                </a:moveTo>
-                <a:cubicBezTo>
-                  <a:pt x="2182191" y="1347366"/>
-                  <a:pt x="2204091" y="1356682"/>
-                  <a:pt x="2226365" y="1365035"/>
-                </a:cubicBezTo>
-                <a:cubicBezTo>
-                  <a:pt x="2239445" y="1369940"/>
-                  <a:pt x="2252152" y="1378288"/>
-                  <a:pt x="2266121" y="1378288"/>
-                </a:cubicBezTo>
-                <a:cubicBezTo>
-                  <a:pt x="2350168" y="1378288"/>
-                  <a:pt x="2433982" y="1369453"/>
-                  <a:pt x="2517913" y="1365035"/>
-                </a:cubicBezTo>
-                <a:cubicBezTo>
-                  <a:pt x="2623929" y="1329696"/>
-                  <a:pt x="2500244" y="1382704"/>
-                  <a:pt x="2570921" y="1312027"/>
-                </a:cubicBezTo>
-                <a:cubicBezTo>
-                  <a:pt x="2593445" y="1289503"/>
-                  <a:pt x="2627910" y="1281542"/>
-                  <a:pt x="2650434" y="1259018"/>
-                </a:cubicBezTo>
-                <a:lnTo>
-                  <a:pt x="2703443" y="1206009"/>
-                </a:lnTo>
-                <a:cubicBezTo>
-                  <a:pt x="2751774" y="1061017"/>
-                  <a:pt x="2674692" y="1280638"/>
-                  <a:pt x="2743200" y="1126496"/>
-                </a:cubicBezTo>
-                <a:cubicBezTo>
-                  <a:pt x="2754547" y="1100966"/>
-                  <a:pt x="2760869" y="1073487"/>
-                  <a:pt x="2769704" y="1046983"/>
-                </a:cubicBezTo>
-                <a:cubicBezTo>
-                  <a:pt x="2781271" y="1012283"/>
-                  <a:pt x="2790230" y="965652"/>
-                  <a:pt x="2835965" y="954218"/>
-                </a:cubicBezTo>
-                <a:cubicBezTo>
-                  <a:pt x="2902525" y="937578"/>
-                  <a:pt x="2871694" y="946725"/>
-                  <a:pt x="2928730" y="927714"/>
-                </a:cubicBezTo>
-                <a:cubicBezTo>
-                  <a:pt x="2955234" y="932131"/>
-                  <a:pt x="2983689" y="930053"/>
-                  <a:pt x="3008243" y="940966"/>
-                </a:cubicBezTo>
-                <a:cubicBezTo>
-                  <a:pt x="3056693" y="962499"/>
-                  <a:pt x="3042956" y="983887"/>
-                  <a:pt x="3061252" y="1020479"/>
-                </a:cubicBezTo>
-                <a:cubicBezTo>
-                  <a:pt x="3068375" y="1034725"/>
-                  <a:pt x="3078921" y="1046983"/>
-                  <a:pt x="3087756" y="1060235"/>
-                </a:cubicBezTo>
-                <a:lnTo>
-                  <a:pt x="3114260" y="1139748"/>
-                </a:lnTo>
-                <a:lnTo>
-                  <a:pt x="3127513" y="1179505"/>
-                </a:lnTo>
-                <a:cubicBezTo>
-                  <a:pt x="3119966" y="1300243"/>
-                  <a:pt x="3125886" y="1358288"/>
-                  <a:pt x="3101008" y="1457801"/>
-                </a:cubicBezTo>
-                <a:cubicBezTo>
-                  <a:pt x="3097620" y="1471353"/>
-                  <a:pt x="3094003" y="1485063"/>
-                  <a:pt x="3087756" y="1497557"/>
-                </a:cubicBezTo>
-                <a:cubicBezTo>
-                  <a:pt x="3080633" y="1511803"/>
-                  <a:pt x="3068375" y="1523068"/>
-                  <a:pt x="3061252" y="1537314"/>
-                </a:cubicBezTo>
-                <a:cubicBezTo>
-                  <a:pt x="3026847" y="1606126"/>
-                  <a:pt x="3073264" y="1551806"/>
-                  <a:pt x="3021495" y="1603575"/>
-                </a:cubicBezTo>
-                <a:cubicBezTo>
-                  <a:pt x="3017078" y="1616827"/>
-                  <a:pt x="3016624" y="1632156"/>
-                  <a:pt x="3008243" y="1643331"/>
-                </a:cubicBezTo>
-                <a:cubicBezTo>
-                  <a:pt x="2983538" y="1676271"/>
-                  <a:pt x="2902622" y="1749217"/>
-                  <a:pt x="2862469" y="1762601"/>
-                </a:cubicBezTo>
-                <a:lnTo>
-                  <a:pt x="2782956" y="1789105"/>
-                </a:lnTo>
-                <a:cubicBezTo>
-                  <a:pt x="2769704" y="1797940"/>
-                  <a:pt x="2757446" y="1808486"/>
-                  <a:pt x="2743200" y="1815609"/>
-                </a:cubicBezTo>
-                <a:cubicBezTo>
-                  <a:pt x="2730706" y="1821856"/>
-                  <a:pt x="2714810" y="1820742"/>
-                  <a:pt x="2703443" y="1828861"/>
-                </a:cubicBezTo>
-                <a:cubicBezTo>
-                  <a:pt x="2683109" y="1843385"/>
-                  <a:pt x="2668104" y="1864200"/>
-                  <a:pt x="2650434" y="1881870"/>
-                </a:cubicBezTo>
-                <a:lnTo>
-                  <a:pt x="2623930" y="1908375"/>
-                </a:lnTo>
-                <a:cubicBezTo>
-                  <a:pt x="2582516" y="2074032"/>
-                  <a:pt x="2635439" y="1868099"/>
-                  <a:pt x="2597426" y="2001140"/>
-                </a:cubicBezTo>
-                <a:cubicBezTo>
-                  <a:pt x="2592422" y="2018652"/>
-                  <a:pt x="2591348" y="2037407"/>
-                  <a:pt x="2584173" y="2054148"/>
-                </a:cubicBezTo>
-                <a:cubicBezTo>
-                  <a:pt x="2577899" y="2068787"/>
-                  <a:pt x="2564792" y="2079659"/>
-                  <a:pt x="2557669" y="2093905"/>
-                </a:cubicBezTo>
-                <a:cubicBezTo>
-                  <a:pt x="2551422" y="2106399"/>
-                  <a:pt x="2553143" y="2122753"/>
-                  <a:pt x="2544417" y="2133661"/>
-                </a:cubicBezTo>
-                <a:cubicBezTo>
-                  <a:pt x="2534467" y="2146098"/>
-                  <a:pt x="2517912" y="2151331"/>
-                  <a:pt x="2504660" y="2160166"/>
-                </a:cubicBezTo>
-                <a:cubicBezTo>
-                  <a:pt x="2500243" y="2173418"/>
-                  <a:pt x="2500134" y="2189014"/>
-                  <a:pt x="2491408" y="2199922"/>
-                </a:cubicBezTo>
-                <a:cubicBezTo>
-                  <a:pt x="2472723" y="2223278"/>
-                  <a:pt x="2438087" y="2230949"/>
-                  <a:pt x="2411895" y="2239679"/>
-                </a:cubicBezTo>
-                <a:cubicBezTo>
-                  <a:pt x="2403060" y="2252931"/>
-                  <a:pt x="2397828" y="2269486"/>
-                  <a:pt x="2385391" y="2279435"/>
-                </a:cubicBezTo>
-                <a:cubicBezTo>
-                  <a:pt x="2374483" y="2288162"/>
-                  <a:pt x="2358128" y="2286441"/>
-                  <a:pt x="2345634" y="2292688"/>
-                </a:cubicBezTo>
-                <a:cubicBezTo>
-                  <a:pt x="2331389" y="2299811"/>
-                  <a:pt x="2320432" y="2312724"/>
-                  <a:pt x="2305878" y="2319192"/>
-                </a:cubicBezTo>
-                <a:cubicBezTo>
-                  <a:pt x="2249184" y="2344389"/>
-                  <a:pt x="2227328" y="2343527"/>
-                  <a:pt x="2173356" y="2358948"/>
-                </a:cubicBezTo>
-                <a:cubicBezTo>
-                  <a:pt x="2159925" y="2362786"/>
-                  <a:pt x="2146852" y="2367783"/>
-                  <a:pt x="2133600" y="2372201"/>
-                </a:cubicBezTo>
-                <a:cubicBezTo>
-                  <a:pt x="2018748" y="2367783"/>
-                  <a:pt x="1903478" y="2369676"/>
-                  <a:pt x="1789043" y="2358948"/>
-                </a:cubicBezTo>
-                <a:cubicBezTo>
-                  <a:pt x="1761227" y="2356340"/>
-                  <a:pt x="1709530" y="2332444"/>
-                  <a:pt x="1709530" y="2332444"/>
-                </a:cubicBezTo>
-                <a:cubicBezTo>
-                  <a:pt x="1700695" y="2319192"/>
-                  <a:pt x="1694288" y="2303950"/>
-                  <a:pt x="1683026" y="2292688"/>
-                </a:cubicBezTo>
-                <a:cubicBezTo>
-                  <a:pt x="1671764" y="2281426"/>
-                  <a:pt x="1653757" y="2278170"/>
-                  <a:pt x="1643269" y="2266183"/>
-                </a:cubicBezTo>
-                <a:cubicBezTo>
-                  <a:pt x="1622293" y="2242210"/>
-                  <a:pt x="1590260" y="2186670"/>
-                  <a:pt x="1590260" y="2186670"/>
-                </a:cubicBezTo>
-                <a:cubicBezTo>
-                  <a:pt x="1568236" y="2120597"/>
-                  <a:pt x="1563856" y="2114234"/>
-                  <a:pt x="1550504" y="2054148"/>
-                </a:cubicBezTo>
-                <a:cubicBezTo>
-                  <a:pt x="1542206" y="2016806"/>
-                  <a:pt x="1531434" y="1939407"/>
-                  <a:pt x="1510747" y="1908375"/>
-                </a:cubicBezTo>
-                <a:cubicBezTo>
-                  <a:pt x="1465312" y="1840220"/>
-                  <a:pt x="1507592" y="1892598"/>
-                  <a:pt x="1444487" y="1842114"/>
-                </a:cubicBezTo>
-                <a:cubicBezTo>
-                  <a:pt x="1411605" y="1815808"/>
-                  <a:pt x="1422151" y="1807930"/>
-                  <a:pt x="1378226" y="1789105"/>
-                </a:cubicBezTo>
-                <a:cubicBezTo>
-                  <a:pt x="1361485" y="1781930"/>
-                  <a:pt x="1342887" y="1780270"/>
-                  <a:pt x="1325217" y="1775853"/>
-                </a:cubicBezTo>
-                <a:cubicBezTo>
-                  <a:pt x="1274969" y="1725603"/>
-                  <a:pt x="1321241" y="1761606"/>
-                  <a:pt x="1219200" y="1736096"/>
-                </a:cubicBezTo>
-                <a:cubicBezTo>
-                  <a:pt x="1025164" y="1687588"/>
-                  <a:pt x="1262255" y="1727101"/>
-                  <a:pt x="1046921" y="1696340"/>
-                </a:cubicBezTo>
-                <a:cubicBezTo>
-                  <a:pt x="1038086" y="1687505"/>
-                  <a:pt x="1031592" y="1675423"/>
-                  <a:pt x="1020417" y="1669835"/>
-                </a:cubicBezTo>
-                <a:cubicBezTo>
-                  <a:pt x="995429" y="1657341"/>
-                  <a:pt x="940904" y="1643331"/>
-                  <a:pt x="940904" y="1643331"/>
-                </a:cubicBezTo>
-                <a:cubicBezTo>
-                  <a:pt x="932069" y="1630079"/>
-                  <a:pt x="926837" y="1613524"/>
-                  <a:pt x="914400" y="1603575"/>
-                </a:cubicBezTo>
-                <a:cubicBezTo>
-                  <a:pt x="903492" y="1594848"/>
-                  <a:pt x="884521" y="1600200"/>
-                  <a:pt x="874643" y="1590322"/>
-                </a:cubicBezTo>
-                <a:cubicBezTo>
-                  <a:pt x="864766" y="1580445"/>
-                  <a:pt x="869510" y="1561933"/>
-                  <a:pt x="861391" y="1550566"/>
-                </a:cubicBezTo>
-                <a:cubicBezTo>
-                  <a:pt x="846867" y="1530232"/>
-                  <a:pt x="808382" y="1497557"/>
-                  <a:pt x="808382" y="1497557"/>
-                </a:cubicBezTo>
-                <a:lnTo>
-                  <a:pt x="781878" y="1418044"/>
-                </a:lnTo>
-                <a:cubicBezTo>
-                  <a:pt x="777461" y="1404792"/>
-                  <a:pt x="772014" y="1391840"/>
-                  <a:pt x="768626" y="1378288"/>
-                </a:cubicBezTo>
-                <a:lnTo>
-                  <a:pt x="742121" y="1272270"/>
-                </a:lnTo>
-                <a:lnTo>
-                  <a:pt x="728869" y="1219261"/>
-                </a:lnTo>
-                <a:cubicBezTo>
-                  <a:pt x="724452" y="936548"/>
-                  <a:pt x="728265" y="653586"/>
-                  <a:pt x="715617" y="371122"/>
-                </a:cubicBezTo>
-                <a:cubicBezTo>
-                  <a:pt x="714650" y="349519"/>
-                  <a:pt x="674905" y="320232"/>
-                  <a:pt x="662608" y="304861"/>
-                </a:cubicBezTo>
-                <a:cubicBezTo>
-                  <a:pt x="652659" y="292424"/>
-                  <a:pt x="648541" y="275054"/>
-                  <a:pt x="636104" y="265105"/>
-                </a:cubicBezTo>
-                <a:cubicBezTo>
-                  <a:pt x="625196" y="256379"/>
-                  <a:pt x="609599" y="256270"/>
-                  <a:pt x="596347" y="251853"/>
-                </a:cubicBezTo>
-                <a:cubicBezTo>
-                  <a:pt x="574053" y="184969"/>
-                  <a:pt x="599285" y="233546"/>
-                  <a:pt x="543339" y="185592"/>
-                </a:cubicBezTo>
-                <a:cubicBezTo>
-                  <a:pt x="524366" y="169330"/>
-                  <a:pt x="514036" y="140485"/>
-                  <a:pt x="490330" y="132583"/>
-                </a:cubicBezTo>
-                <a:cubicBezTo>
-                  <a:pt x="463826" y="123748"/>
-                  <a:pt x="434063" y="121576"/>
-                  <a:pt x="410817" y="106079"/>
-                </a:cubicBezTo>
-                <a:cubicBezTo>
-                  <a:pt x="397565" y="97244"/>
-                  <a:pt x="385699" y="85849"/>
-                  <a:pt x="371060" y="79575"/>
-                </a:cubicBezTo>
-                <a:cubicBezTo>
-                  <a:pt x="354319" y="72400"/>
-                  <a:pt x="335831" y="70273"/>
-                  <a:pt x="318052" y="66322"/>
-                </a:cubicBezTo>
-                <a:cubicBezTo>
-                  <a:pt x="296064" y="61436"/>
-                  <a:pt x="273952" y="57099"/>
-                  <a:pt x="251791" y="53070"/>
-                </a:cubicBezTo>
-                <a:cubicBezTo>
-                  <a:pt x="225354" y="48263"/>
-                  <a:pt x="198346" y="46335"/>
-                  <a:pt x="172278" y="39818"/>
-                </a:cubicBezTo>
-                <a:cubicBezTo>
-                  <a:pt x="145174" y="33042"/>
-                  <a:pt x="120160" y="18793"/>
-                  <a:pt x="92765" y="13314"/>
-                </a:cubicBezTo>
-                <a:cubicBezTo>
-                  <a:pt x="17841" y="-1672"/>
-                  <a:pt x="49028" y="61"/>
-                  <a:pt x="0" y="61"/>
-                </a:cubicBezTo>
-              </a:path>
-            </a:pathLst>
-          </a:custGeom>
-          <a:noFill/>
-          <a:effectLst>
-            <a:glow rad="139700">
-              <a:schemeClr val="accent4">
-                <a:satMod val="175000"/>
-                <a:alpha val="40000"/>
-              </a:schemeClr>
-            </a:glow>
-          </a:effectLst>
-        </p:spPr>
-        <p:style>
-          <a:lnRef idx="1">
-            <a:schemeClr val="accent5"/>
-          </a:lnRef>
-          <a:fillRef idx="0">
-            <a:schemeClr val="accent5"/>
-          </a:fillRef>
-          <a:effectRef idx="0">
-            <a:schemeClr val="accent5"/>
-          </a:effectRef>
-          <a:fontRef idx="minor">
-            <a:schemeClr val="tx1"/>
-          </a:fontRef>
-        </p:style>
-        <p:txBody>
-          <a:bodyPr rtlCol="0" anchor="ctr"/>
-          <a:lstStyle/>
-          <a:p>
-            <a:pPr algn="ctr"/>
-            <a:endParaRPr lang="en-US">
-              <a:effectLst>
-                <a:glow rad="101600">
-                  <a:schemeClr val="accent4">
-                    <a:satMod val="175000"/>
-                    <a:alpha val="40000"/>
-                  </a:schemeClr>
-                </a:glow>
-              </a:effectLst>
-            </a:endParaRPr>
-          </a:p>
-        </p:txBody>
-      </p:sp>
-    </p:spTree>
-    <p:extLst>
-      <p:ext uri="{BB962C8B-B14F-4D97-AF65-F5344CB8AC3E}">
-        <p14:creationId xmlns:p14="http://schemas.microsoft.com/office/powerpoint/2010/main" val="1414219416"/>
-      </p:ext>
-    </p:extLst>
-  </p:cSld>
-  <p:clrMapOvr>
-    <a:masterClrMapping/>
-  </p:clrMapOvr>
-  <p:timing>
-    <p:tnLst>
-      <p:par>
-        <p:cTn id="1" dur="indefinite" restart="never" nodeType="tmRoot"/>
-      </p:par>
-    </p:tnLst>
-  </p:timing>
-</p:sld>
-</file>
-
-<file path=ppt/slides/slide9.xml><?xml version="1.0" encoding="utf-8"?>
-<p:sld xmlns:a="http://schemas.openxmlformats.org/drawingml/2006/main" xmlns:r="http://schemas.openxmlformats.org/officeDocument/2006/relationships" xmlns:p="http://schemas.openxmlformats.org/presentationml/2006/main">
-  <p:cSld>
-    <p:spTree>
-      <p:nvGrpSpPr>
-        <p:cNvPr id="1" name=""/>
-        <p:cNvGrpSpPr/>
-        <p:nvPr/>
-      </p:nvGrpSpPr>
-      <p:grpSpPr>
-        <a:xfrm>
-          <a:off x="0" y="0"/>
-          <a:ext cx="0" cy="0"/>
-          <a:chOff x="0" y="0"/>
-          <a:chExt cx="0" cy="0"/>
-        </a:xfrm>
-      </p:grpSpPr>
-      <p:sp>
-        <p:nvSpPr>
-          <p:cNvPr id="2" name="Title 1"/>
-          <p:cNvSpPr>
-            <a:spLocks noGrp="1"/>
-          </p:cNvSpPr>
-          <p:nvPr>
-            <p:ph type="title"/>
-          </p:nvPr>
-        </p:nvSpPr>
-        <p:spPr>
-          <a:xfrm>
-            <a:off x="838200" y="365125"/>
-            <a:ext cx="10585174" cy="1325563"/>
-          </a:xfrm>
-        </p:spPr>
-        <p:txBody>
-          <a:bodyPr>
-            <a:normAutofit fontScale="90000"/>
-          </a:bodyPr>
-          <a:lstStyle/>
-          <a:p>
-            <a:pPr algn="ctr"/>
-            <a:r>
-              <a:rPr lang="en-US" dirty="0" smtClean="0"/>
-              <a:t>It’s a little scary, but comforting to draw </a:t>
-            </a:r>
-            <a:r>
-              <a:rPr lang="en-US" dirty="0" err="1" smtClean="0"/>
-              <a:t>glowy</a:t>
-            </a:r>
-            <a:r>
-              <a:rPr lang="en-US" dirty="0" smtClean="0"/>
-              <a:t> trails in front of them by swinging the torch around as they get their bearings</a:t>
-            </a:r>
-            <a:endParaRPr lang="en-US" dirty="0"/>
-          </a:p>
-        </p:txBody>
-      </p:sp>
-      <p:sp>
-        <p:nvSpPr>
-          <p:cNvPr id="4" name="Rectangle 3"/>
-          <p:cNvSpPr/>
-          <p:nvPr/>
-        </p:nvSpPr>
-        <p:spPr>
-          <a:xfrm>
-            <a:off x="739346" y="2471351"/>
-            <a:ext cx="4969476" cy="3805881"/>
-          </a:xfrm>
-          <a:prstGeom prst="rect">
-            <a:avLst/>
-          </a:prstGeom>
-        </p:spPr>
-        <p:style>
-          <a:lnRef idx="2">
-            <a:schemeClr val="accent1">
-              <a:shade val="50000"/>
-            </a:schemeClr>
-          </a:lnRef>
-          <a:fillRef idx="1">
-            <a:schemeClr val="accent1"/>
-          </a:fillRef>
-          <a:effectRef idx="0">
-            <a:schemeClr val="accent1"/>
-          </a:effectRef>
-          <a:fontRef idx="minor">
-            <a:schemeClr val="lt1"/>
-          </a:fontRef>
-        </p:style>
-        <p:txBody>
-          <a:bodyPr rtlCol="0" anchor="ctr"/>
-          <a:lstStyle/>
-          <a:p>
-            <a:pPr algn="ctr"/>
-            <a:endParaRPr lang="en-US" dirty="0"/>
-          </a:p>
-        </p:txBody>
-      </p:sp>
-      <p:sp>
-        <p:nvSpPr>
-          <p:cNvPr id="7" name="Oval 6"/>
-          <p:cNvSpPr/>
-          <p:nvPr/>
-        </p:nvSpPr>
-        <p:spPr>
-          <a:xfrm>
-            <a:off x="838200" y="5628368"/>
-            <a:ext cx="532371" cy="532371"/>
-          </a:xfrm>
-          <a:prstGeom prst="ellipse">
-            <a:avLst/>
-          </a:prstGeom>
-        </p:spPr>
-        <p:style>
-          <a:lnRef idx="2">
-            <a:schemeClr val="accent1">
-              <a:shade val="50000"/>
-            </a:schemeClr>
-          </a:lnRef>
-          <a:fillRef idx="1">
-            <a:schemeClr val="accent1"/>
-          </a:fillRef>
-          <a:effectRef idx="0">
-            <a:schemeClr val="accent1"/>
-          </a:effectRef>
-          <a:fontRef idx="minor">
-            <a:schemeClr val="lt1"/>
-          </a:fontRef>
-        </p:style>
-        <p:txBody>
-          <a:bodyPr rtlCol="0" anchor="ctr"/>
-          <a:lstStyle/>
-          <a:p>
-            <a:pPr algn="ctr"/>
-            <a:endParaRPr lang="en-US"/>
-          </a:p>
-        </p:txBody>
-      </p:sp>
-      <p:sp>
-        <p:nvSpPr>
-          <p:cNvPr id="8" name="Oval 7"/>
-          <p:cNvSpPr/>
-          <p:nvPr/>
-        </p:nvSpPr>
-        <p:spPr>
-          <a:xfrm>
-            <a:off x="838200" y="2591958"/>
-            <a:ext cx="532371" cy="532371"/>
-          </a:xfrm>
-          <a:prstGeom prst="ellipse">
-            <a:avLst/>
-          </a:prstGeom>
-        </p:spPr>
-        <p:style>
-          <a:lnRef idx="2">
-            <a:schemeClr val="accent1">
-              <a:shade val="50000"/>
-            </a:schemeClr>
-          </a:lnRef>
-          <a:fillRef idx="1">
-            <a:schemeClr val="accent1"/>
-          </a:fillRef>
-          <a:effectRef idx="0">
-            <a:schemeClr val="accent1"/>
-          </a:effectRef>
-          <a:fontRef idx="minor">
-            <a:schemeClr val="lt1"/>
-          </a:fontRef>
-        </p:style>
-        <p:txBody>
-          <a:bodyPr rtlCol="0" anchor="ctr"/>
-          <a:lstStyle/>
-          <a:p>
-            <a:pPr algn="ctr"/>
-            <a:endParaRPr lang="en-US"/>
-          </a:p>
-        </p:txBody>
-      </p:sp>
-      <p:sp>
-        <p:nvSpPr>
-          <p:cNvPr id="9" name="Oval 8"/>
-          <p:cNvSpPr/>
-          <p:nvPr/>
-        </p:nvSpPr>
-        <p:spPr>
-          <a:xfrm>
-            <a:off x="5088404" y="2590281"/>
-            <a:ext cx="532371" cy="532371"/>
-          </a:xfrm>
-          <a:prstGeom prst="ellipse">
-            <a:avLst/>
-          </a:prstGeom>
-        </p:spPr>
-        <p:style>
-          <a:lnRef idx="2">
-            <a:schemeClr val="accent1">
-              <a:shade val="50000"/>
-            </a:schemeClr>
-          </a:lnRef>
-          <a:fillRef idx="1">
-            <a:schemeClr val="accent1"/>
-          </a:fillRef>
-          <a:effectRef idx="0">
-            <a:schemeClr val="accent1"/>
-          </a:effectRef>
-          <a:fontRef idx="minor">
-            <a:schemeClr val="lt1"/>
-          </a:fontRef>
-        </p:style>
-        <p:txBody>
-          <a:bodyPr rtlCol="0" anchor="ctr"/>
-          <a:lstStyle/>
-          <a:p>
-            <a:pPr algn="ctr"/>
-            <a:endParaRPr lang="en-US"/>
-          </a:p>
-        </p:txBody>
-      </p:sp>
-      <p:sp>
-        <p:nvSpPr>
-          <p:cNvPr id="10" name="Oval 9"/>
-          <p:cNvSpPr/>
-          <p:nvPr/>
-        </p:nvSpPr>
-        <p:spPr>
-          <a:xfrm>
-            <a:off x="5088403" y="5625929"/>
-            <a:ext cx="532371" cy="532371"/>
-          </a:xfrm>
-          <a:prstGeom prst="ellipse">
-            <a:avLst/>
-          </a:prstGeom>
-        </p:spPr>
-        <p:style>
-          <a:lnRef idx="2">
-            <a:schemeClr val="accent1">
-              <a:shade val="50000"/>
-            </a:schemeClr>
-          </a:lnRef>
-          <a:fillRef idx="1">
-            <a:schemeClr val="accent1"/>
-          </a:fillRef>
-          <a:effectRef idx="0">
-            <a:schemeClr val="accent1"/>
-          </a:effectRef>
-          <a:fontRef idx="minor">
-            <a:schemeClr val="lt1"/>
-          </a:fontRef>
-        </p:style>
-        <p:txBody>
-          <a:bodyPr rtlCol="0" anchor="ctr"/>
-          <a:lstStyle/>
-          <a:p>
-            <a:pPr algn="ctr"/>
-            <a:endParaRPr lang="en-US"/>
-          </a:p>
-        </p:txBody>
-      </p:sp>
-      <p:sp>
-        <p:nvSpPr>
-          <p:cNvPr id="11" name="Oval 10"/>
-          <p:cNvSpPr/>
-          <p:nvPr/>
-        </p:nvSpPr>
-        <p:spPr>
-          <a:xfrm>
-            <a:off x="838200" y="4138481"/>
-            <a:ext cx="532371" cy="532371"/>
-          </a:xfrm>
-          <a:prstGeom prst="ellipse">
-            <a:avLst/>
-          </a:prstGeom>
-        </p:spPr>
-        <p:style>
-          <a:lnRef idx="2">
-            <a:schemeClr val="accent1">
-              <a:shade val="50000"/>
-            </a:schemeClr>
-          </a:lnRef>
-          <a:fillRef idx="1">
-            <a:schemeClr val="accent1"/>
-          </a:fillRef>
-          <a:effectRef idx="0">
-            <a:schemeClr val="accent1"/>
-          </a:effectRef>
-          <a:fontRef idx="minor">
-            <a:schemeClr val="lt1"/>
-          </a:fontRef>
-        </p:style>
-        <p:txBody>
-          <a:bodyPr rtlCol="0" anchor="ctr"/>
-          <a:lstStyle/>
-          <a:p>
-            <a:pPr algn="ctr"/>
-            <a:endParaRPr lang="en-US"/>
-          </a:p>
-        </p:txBody>
-      </p:sp>
-      <p:sp>
-        <p:nvSpPr>
-          <p:cNvPr id="12" name="Oval 11"/>
-          <p:cNvSpPr/>
-          <p:nvPr/>
-        </p:nvSpPr>
-        <p:spPr>
-          <a:xfrm>
-            <a:off x="2890451" y="5628368"/>
-            <a:ext cx="532371" cy="532371"/>
-          </a:xfrm>
-          <a:prstGeom prst="ellipse">
-            <a:avLst/>
-          </a:prstGeom>
-        </p:spPr>
-        <p:style>
-          <a:lnRef idx="2">
-            <a:schemeClr val="accent1">
-              <a:shade val="50000"/>
-            </a:schemeClr>
-          </a:lnRef>
-          <a:fillRef idx="1">
-            <a:schemeClr val="accent1"/>
-          </a:fillRef>
-          <a:effectRef idx="0">
-            <a:schemeClr val="accent1"/>
-          </a:effectRef>
-          <a:fontRef idx="minor">
-            <a:schemeClr val="lt1"/>
-          </a:fontRef>
-        </p:style>
-        <p:txBody>
-          <a:bodyPr rtlCol="0" anchor="ctr"/>
-          <a:lstStyle/>
-          <a:p>
-            <a:pPr algn="ctr"/>
-            <a:endParaRPr lang="en-US"/>
-          </a:p>
-        </p:txBody>
-      </p:sp>
-      <p:sp>
-        <p:nvSpPr>
-          <p:cNvPr id="13" name="Oval 12"/>
-          <p:cNvSpPr/>
-          <p:nvPr/>
-        </p:nvSpPr>
-        <p:spPr>
-          <a:xfrm>
-            <a:off x="2964591" y="2590281"/>
-            <a:ext cx="532371" cy="532371"/>
-          </a:xfrm>
-          <a:prstGeom prst="ellipse">
-            <a:avLst/>
-          </a:prstGeom>
-        </p:spPr>
-        <p:style>
-          <a:lnRef idx="2">
-            <a:schemeClr val="accent1">
-              <a:shade val="50000"/>
-            </a:schemeClr>
-          </a:lnRef>
-          <a:fillRef idx="1">
-            <a:schemeClr val="accent1"/>
-          </a:fillRef>
-          <a:effectRef idx="0">
-            <a:schemeClr val="accent1"/>
-          </a:effectRef>
-          <a:fontRef idx="minor">
-            <a:schemeClr val="lt1"/>
-          </a:fontRef>
-        </p:style>
-        <p:txBody>
-          <a:bodyPr rtlCol="0" anchor="ctr"/>
-          <a:lstStyle/>
-          <a:p>
-            <a:pPr algn="ctr"/>
-            <a:endParaRPr lang="en-US"/>
-          </a:p>
-        </p:txBody>
-      </p:sp>
-      <p:sp>
-        <p:nvSpPr>
-          <p:cNvPr id="14" name="Oval 13"/>
-          <p:cNvSpPr/>
-          <p:nvPr/>
-        </p:nvSpPr>
-        <p:spPr>
-          <a:xfrm>
-            <a:off x="5088405" y="4108105"/>
-            <a:ext cx="532371" cy="532371"/>
-          </a:xfrm>
-          <a:prstGeom prst="ellipse">
-            <a:avLst/>
-          </a:prstGeom>
-        </p:spPr>
-        <p:style>
-          <a:lnRef idx="2">
-            <a:schemeClr val="accent1">
-              <a:shade val="50000"/>
-            </a:schemeClr>
-          </a:lnRef>
-          <a:fillRef idx="1">
-            <a:schemeClr val="accent1"/>
-          </a:fillRef>
-          <a:effectRef idx="0">
-            <a:schemeClr val="accent1"/>
-          </a:effectRef>
-          <a:fontRef idx="minor">
-            <a:schemeClr val="lt1"/>
-          </a:fontRef>
-        </p:style>
-        <p:txBody>
-          <a:bodyPr rtlCol="0" anchor="ctr"/>
-          <a:lstStyle/>
-          <a:p>
-            <a:pPr algn="ctr"/>
-            <a:endParaRPr lang="en-US"/>
-          </a:p>
-        </p:txBody>
-      </p:sp>
-      <p:pic>
-        <p:nvPicPr>
-          <p:cNvPr id="1028" name="Picture 4" descr="http://pcgamingwiki.com/images/thumb/3/3c/Editor_Icon_-_VR.svg/120px-Editor_Icon_-_VR.svg.png"/>
-          <p:cNvPicPr>
-            <a:picLocks noChangeAspect="1" noChangeArrowheads="1"/>
-          </p:cNvPicPr>
-          <p:nvPr/>
-        </p:nvPicPr>
-        <p:blipFill>
-          <a:blip r:embed="rId2" cstate="print">
-            <a:extLst>
-              <a:ext uri="{28A0092B-C50C-407E-A947-70E740481C1C}">
-                <a14:useLocalDpi xmlns:a14="http://schemas.microsoft.com/office/drawing/2010/main" val="0"/>
-              </a:ext>
-            </a:extLst>
-          </a:blip>
-          <a:srcRect/>
-          <a:stretch>
-            <a:fillRect/>
-          </a:stretch>
-        </p:blipFill>
-        <p:spPr bwMode="auto">
-          <a:xfrm>
-            <a:off x="2987760" y="3670983"/>
-            <a:ext cx="472647" cy="472647"/>
-          </a:xfrm>
-          <a:prstGeom prst="rect">
-            <a:avLst/>
-          </a:prstGeom>
-          <a:noFill/>
-          <a:extLst>
-            <a:ext uri="{909E8E84-426E-40DD-AFC4-6F175D3DCCD1}">
-              <a14:hiddenFill xmlns:a14="http://schemas.microsoft.com/office/drawing/2010/main">
-                <a:solidFill>
-                  <a:srgbClr val="FFFFFF"/>
-                </a:solidFill>
-              </a14:hiddenFill>
-            </a:ext>
-          </a:extLst>
-        </p:spPr>
-      </p:pic>
-      <p:pic>
-        <p:nvPicPr>
-          <p:cNvPr id="2050" name="Picture 2" descr="http://icons.iconarchive.com/icons/icons8/windows-8/512/Sports-Olympic-Torch-icon.png"/>
-          <p:cNvPicPr>
-            <a:picLocks noChangeAspect="1" noChangeArrowheads="1"/>
-          </p:cNvPicPr>
-          <p:nvPr/>
-        </p:nvPicPr>
-        <p:blipFill>
-          <a:blip r:embed="rId3" cstate="print">
-            <a:extLst>
-              <a:ext uri="{28A0092B-C50C-407E-A947-70E740481C1C}">
-                <a14:useLocalDpi xmlns:a14="http://schemas.microsoft.com/office/drawing/2010/main" val="0"/>
-              </a:ext>
-            </a:extLst>
-          </a:blip>
-          <a:srcRect/>
-          <a:stretch>
-            <a:fillRect/>
-          </a:stretch>
-        </p:blipFill>
-        <p:spPr bwMode="auto">
-          <a:xfrm>
-            <a:off x="3340443" y="3593756"/>
-            <a:ext cx="507656" cy="507656"/>
-          </a:xfrm>
-          <a:prstGeom prst="rect">
-            <a:avLst/>
-          </a:prstGeom>
-          <a:noFill/>
-          <a:extLst>
-            <a:ext uri="{909E8E84-426E-40DD-AFC4-6F175D3DCCD1}">
-              <a14:hiddenFill xmlns:a14="http://schemas.microsoft.com/office/drawing/2010/main">
-                <a:solidFill>
-                  <a:srgbClr val="FFFFFF"/>
-                </a:solidFill>
-              </a14:hiddenFill>
-            </a:ext>
-          </a:extLst>
-        </p:spPr>
-      </p:pic>
-      <p:pic>
-        <p:nvPicPr>
-          <p:cNvPr id="4098" name="Picture 2" descr="https://i.vimeocdn.com/video/466361221_640.jpg"/>
-          <p:cNvPicPr>
-            <a:picLocks noChangeAspect="1" noChangeArrowheads="1"/>
-          </p:cNvPicPr>
-          <p:nvPr/>
-        </p:nvPicPr>
-        <p:blipFill>
-          <a:blip r:embed="rId4">
-            <a:extLst>
-              <a:ext uri="{28A0092B-C50C-407E-A947-70E740481C1C}">
-                <a14:useLocalDpi xmlns:a14="http://schemas.microsoft.com/office/drawing/2010/main" val="0"/>
-              </a:ext>
-            </a:extLst>
-          </a:blip>
-          <a:srcRect/>
-          <a:stretch>
-            <a:fillRect/>
-          </a:stretch>
-        </p:blipFill>
-        <p:spPr bwMode="auto">
-          <a:xfrm>
-            <a:off x="6595095" y="2990332"/>
-            <a:ext cx="5028740" cy="2828667"/>
-          </a:xfrm>
-          <a:prstGeom prst="rect">
-            <a:avLst/>
-          </a:prstGeom>
-          <a:noFill/>
-          <a:effectLst>
-            <a:outerShdw blurRad="50800" dist="38100" dir="2700000" algn="tl" rotWithShape="0">
-              <a:prstClr val="black">
-                <a:alpha val="40000"/>
-              </a:prstClr>
-            </a:outerShdw>
-          </a:effectLst>
-          <a:extLst>
-            <a:ext uri="{909E8E84-426E-40DD-AFC4-6F175D3DCCD1}">
-              <a14:hiddenFill xmlns:a14="http://schemas.microsoft.com/office/drawing/2010/main">
-                <a:solidFill>
-                  <a:srgbClr val="FFFFFF"/>
-                </a:solidFill>
-              </a14:hiddenFill>
-            </a:ext>
-          </a:extLst>
-        </p:spPr>
-      </p:pic>
-      <p:sp>
-        <p:nvSpPr>
-          <p:cNvPr id="17" name="Freeform 16"/>
-          <p:cNvSpPr/>
-          <p:nvPr/>
-        </p:nvSpPr>
-        <p:spPr>
-          <a:xfrm>
-            <a:off x="1338470" y="3008182"/>
-            <a:ext cx="3127513" cy="2372201"/>
-          </a:xfrm>
-          <a:custGeom>
-            <a:avLst/>
-            <a:gdLst>
-              <a:gd name="connsiteX0" fmla="*/ 2160104 w 3127513"/>
-              <a:gd name="connsiteY0" fmla="*/ 1338531 h 2372201"/>
-              <a:gd name="connsiteX1" fmla="*/ 2226365 w 3127513"/>
-              <a:gd name="connsiteY1" fmla="*/ 1365035 h 2372201"/>
-              <a:gd name="connsiteX2" fmla="*/ 2266121 w 3127513"/>
-              <a:gd name="connsiteY2" fmla="*/ 1378288 h 2372201"/>
-              <a:gd name="connsiteX3" fmla="*/ 2517913 w 3127513"/>
-              <a:gd name="connsiteY3" fmla="*/ 1365035 h 2372201"/>
-              <a:gd name="connsiteX4" fmla="*/ 2570921 w 3127513"/>
-              <a:gd name="connsiteY4" fmla="*/ 1312027 h 2372201"/>
-              <a:gd name="connsiteX5" fmla="*/ 2650434 w 3127513"/>
-              <a:gd name="connsiteY5" fmla="*/ 1259018 h 2372201"/>
-              <a:gd name="connsiteX6" fmla="*/ 2703443 w 3127513"/>
-              <a:gd name="connsiteY6" fmla="*/ 1206009 h 2372201"/>
-              <a:gd name="connsiteX7" fmla="*/ 2743200 w 3127513"/>
-              <a:gd name="connsiteY7" fmla="*/ 1126496 h 2372201"/>
-              <a:gd name="connsiteX8" fmla="*/ 2769704 w 3127513"/>
-              <a:gd name="connsiteY8" fmla="*/ 1046983 h 2372201"/>
-              <a:gd name="connsiteX9" fmla="*/ 2835965 w 3127513"/>
-              <a:gd name="connsiteY9" fmla="*/ 954218 h 2372201"/>
-              <a:gd name="connsiteX10" fmla="*/ 2928730 w 3127513"/>
-              <a:gd name="connsiteY10" fmla="*/ 927714 h 2372201"/>
-              <a:gd name="connsiteX11" fmla="*/ 3008243 w 3127513"/>
-              <a:gd name="connsiteY11" fmla="*/ 940966 h 2372201"/>
-              <a:gd name="connsiteX12" fmla="*/ 3061252 w 3127513"/>
-              <a:gd name="connsiteY12" fmla="*/ 1020479 h 2372201"/>
-              <a:gd name="connsiteX13" fmla="*/ 3087756 w 3127513"/>
-              <a:gd name="connsiteY13" fmla="*/ 1060235 h 2372201"/>
-              <a:gd name="connsiteX14" fmla="*/ 3114260 w 3127513"/>
-              <a:gd name="connsiteY14" fmla="*/ 1139748 h 2372201"/>
-              <a:gd name="connsiteX15" fmla="*/ 3127513 w 3127513"/>
-              <a:gd name="connsiteY15" fmla="*/ 1179505 h 2372201"/>
-              <a:gd name="connsiteX16" fmla="*/ 3101008 w 3127513"/>
-              <a:gd name="connsiteY16" fmla="*/ 1457801 h 2372201"/>
-              <a:gd name="connsiteX17" fmla="*/ 3087756 w 3127513"/>
-              <a:gd name="connsiteY17" fmla="*/ 1497557 h 2372201"/>
-              <a:gd name="connsiteX18" fmla="*/ 3061252 w 3127513"/>
-              <a:gd name="connsiteY18" fmla="*/ 1537314 h 2372201"/>
-              <a:gd name="connsiteX19" fmla="*/ 3021495 w 3127513"/>
-              <a:gd name="connsiteY19" fmla="*/ 1603575 h 2372201"/>
-              <a:gd name="connsiteX20" fmla="*/ 3008243 w 3127513"/>
-              <a:gd name="connsiteY20" fmla="*/ 1643331 h 2372201"/>
-              <a:gd name="connsiteX21" fmla="*/ 2862469 w 3127513"/>
-              <a:gd name="connsiteY21" fmla="*/ 1762601 h 2372201"/>
-              <a:gd name="connsiteX22" fmla="*/ 2782956 w 3127513"/>
-              <a:gd name="connsiteY22" fmla="*/ 1789105 h 2372201"/>
-              <a:gd name="connsiteX23" fmla="*/ 2743200 w 3127513"/>
-              <a:gd name="connsiteY23" fmla="*/ 1815609 h 2372201"/>
-              <a:gd name="connsiteX24" fmla="*/ 2703443 w 3127513"/>
-              <a:gd name="connsiteY24" fmla="*/ 1828861 h 2372201"/>
-              <a:gd name="connsiteX25" fmla="*/ 2650434 w 3127513"/>
-              <a:gd name="connsiteY25" fmla="*/ 1881870 h 2372201"/>
-              <a:gd name="connsiteX26" fmla="*/ 2623930 w 3127513"/>
-              <a:gd name="connsiteY26" fmla="*/ 1908375 h 2372201"/>
-              <a:gd name="connsiteX27" fmla="*/ 2597426 w 3127513"/>
-              <a:gd name="connsiteY27" fmla="*/ 2001140 h 2372201"/>
-              <a:gd name="connsiteX28" fmla="*/ 2584173 w 3127513"/>
-              <a:gd name="connsiteY28" fmla="*/ 2054148 h 2372201"/>
-              <a:gd name="connsiteX29" fmla="*/ 2557669 w 3127513"/>
-              <a:gd name="connsiteY29" fmla="*/ 2093905 h 2372201"/>
-              <a:gd name="connsiteX30" fmla="*/ 2544417 w 3127513"/>
-              <a:gd name="connsiteY30" fmla="*/ 2133661 h 2372201"/>
-              <a:gd name="connsiteX31" fmla="*/ 2504660 w 3127513"/>
-              <a:gd name="connsiteY31" fmla="*/ 2160166 h 2372201"/>
-              <a:gd name="connsiteX32" fmla="*/ 2491408 w 3127513"/>
-              <a:gd name="connsiteY32" fmla="*/ 2199922 h 2372201"/>
-              <a:gd name="connsiteX33" fmla="*/ 2411895 w 3127513"/>
-              <a:gd name="connsiteY33" fmla="*/ 2239679 h 2372201"/>
-              <a:gd name="connsiteX34" fmla="*/ 2385391 w 3127513"/>
-              <a:gd name="connsiteY34" fmla="*/ 2279435 h 2372201"/>
-              <a:gd name="connsiteX35" fmla="*/ 2345634 w 3127513"/>
-              <a:gd name="connsiteY35" fmla="*/ 2292688 h 2372201"/>
-              <a:gd name="connsiteX36" fmla="*/ 2305878 w 3127513"/>
-              <a:gd name="connsiteY36" fmla="*/ 2319192 h 2372201"/>
-              <a:gd name="connsiteX37" fmla="*/ 2173356 w 3127513"/>
-              <a:gd name="connsiteY37" fmla="*/ 2358948 h 2372201"/>
-              <a:gd name="connsiteX38" fmla="*/ 2133600 w 3127513"/>
-              <a:gd name="connsiteY38" fmla="*/ 2372201 h 2372201"/>
-              <a:gd name="connsiteX39" fmla="*/ 1789043 w 3127513"/>
-              <a:gd name="connsiteY39" fmla="*/ 2358948 h 2372201"/>
-              <a:gd name="connsiteX40" fmla="*/ 1709530 w 3127513"/>
-              <a:gd name="connsiteY40" fmla="*/ 2332444 h 2372201"/>
-              <a:gd name="connsiteX41" fmla="*/ 1683026 w 3127513"/>
-              <a:gd name="connsiteY41" fmla="*/ 2292688 h 2372201"/>
-              <a:gd name="connsiteX42" fmla="*/ 1643269 w 3127513"/>
-              <a:gd name="connsiteY42" fmla="*/ 2266183 h 2372201"/>
-              <a:gd name="connsiteX43" fmla="*/ 1590260 w 3127513"/>
-              <a:gd name="connsiteY43" fmla="*/ 2186670 h 2372201"/>
-              <a:gd name="connsiteX44" fmla="*/ 1550504 w 3127513"/>
-              <a:gd name="connsiteY44" fmla="*/ 2054148 h 2372201"/>
-              <a:gd name="connsiteX45" fmla="*/ 1510747 w 3127513"/>
-              <a:gd name="connsiteY45" fmla="*/ 1908375 h 2372201"/>
-              <a:gd name="connsiteX46" fmla="*/ 1444487 w 3127513"/>
-              <a:gd name="connsiteY46" fmla="*/ 1842114 h 2372201"/>
-              <a:gd name="connsiteX47" fmla="*/ 1378226 w 3127513"/>
-              <a:gd name="connsiteY47" fmla="*/ 1789105 h 2372201"/>
-              <a:gd name="connsiteX48" fmla="*/ 1325217 w 3127513"/>
-              <a:gd name="connsiteY48" fmla="*/ 1775853 h 2372201"/>
-              <a:gd name="connsiteX49" fmla="*/ 1219200 w 3127513"/>
-              <a:gd name="connsiteY49" fmla="*/ 1736096 h 2372201"/>
-              <a:gd name="connsiteX50" fmla="*/ 1046921 w 3127513"/>
-              <a:gd name="connsiteY50" fmla="*/ 1696340 h 2372201"/>
-              <a:gd name="connsiteX51" fmla="*/ 1020417 w 3127513"/>
-              <a:gd name="connsiteY51" fmla="*/ 1669835 h 2372201"/>
-              <a:gd name="connsiteX52" fmla="*/ 940904 w 3127513"/>
-              <a:gd name="connsiteY52" fmla="*/ 1643331 h 2372201"/>
-              <a:gd name="connsiteX53" fmla="*/ 914400 w 3127513"/>
-              <a:gd name="connsiteY53" fmla="*/ 1603575 h 2372201"/>
-              <a:gd name="connsiteX54" fmla="*/ 874643 w 3127513"/>
-              <a:gd name="connsiteY54" fmla="*/ 1590322 h 2372201"/>
-              <a:gd name="connsiteX55" fmla="*/ 861391 w 3127513"/>
-              <a:gd name="connsiteY55" fmla="*/ 1550566 h 2372201"/>
-              <a:gd name="connsiteX56" fmla="*/ 808382 w 3127513"/>
-              <a:gd name="connsiteY56" fmla="*/ 1497557 h 2372201"/>
-              <a:gd name="connsiteX57" fmla="*/ 781878 w 3127513"/>
-              <a:gd name="connsiteY57" fmla="*/ 1418044 h 2372201"/>
-              <a:gd name="connsiteX58" fmla="*/ 768626 w 3127513"/>
-              <a:gd name="connsiteY58" fmla="*/ 1378288 h 2372201"/>
-              <a:gd name="connsiteX59" fmla="*/ 742121 w 3127513"/>
-              <a:gd name="connsiteY59" fmla="*/ 1272270 h 2372201"/>
-              <a:gd name="connsiteX60" fmla="*/ 728869 w 3127513"/>
-              <a:gd name="connsiteY60" fmla="*/ 1219261 h 2372201"/>
-              <a:gd name="connsiteX61" fmla="*/ 715617 w 3127513"/>
-              <a:gd name="connsiteY61" fmla="*/ 371122 h 2372201"/>
-              <a:gd name="connsiteX62" fmla="*/ 662608 w 3127513"/>
-              <a:gd name="connsiteY62" fmla="*/ 304861 h 2372201"/>
-              <a:gd name="connsiteX63" fmla="*/ 636104 w 3127513"/>
-              <a:gd name="connsiteY63" fmla="*/ 265105 h 2372201"/>
-              <a:gd name="connsiteX64" fmla="*/ 596347 w 3127513"/>
-              <a:gd name="connsiteY64" fmla="*/ 251853 h 2372201"/>
-              <a:gd name="connsiteX65" fmla="*/ 543339 w 3127513"/>
-              <a:gd name="connsiteY65" fmla="*/ 185592 h 2372201"/>
-              <a:gd name="connsiteX66" fmla="*/ 490330 w 3127513"/>
-              <a:gd name="connsiteY66" fmla="*/ 132583 h 2372201"/>
-              <a:gd name="connsiteX67" fmla="*/ 410817 w 3127513"/>
-              <a:gd name="connsiteY67" fmla="*/ 106079 h 2372201"/>
-              <a:gd name="connsiteX68" fmla="*/ 371060 w 3127513"/>
-              <a:gd name="connsiteY68" fmla="*/ 79575 h 2372201"/>
-              <a:gd name="connsiteX69" fmla="*/ 318052 w 3127513"/>
-              <a:gd name="connsiteY69" fmla="*/ 66322 h 2372201"/>
-              <a:gd name="connsiteX70" fmla="*/ 251791 w 3127513"/>
-              <a:gd name="connsiteY70" fmla="*/ 53070 h 2372201"/>
-              <a:gd name="connsiteX71" fmla="*/ 172278 w 3127513"/>
-              <a:gd name="connsiteY71" fmla="*/ 39818 h 2372201"/>
-              <a:gd name="connsiteX72" fmla="*/ 92765 w 3127513"/>
-              <a:gd name="connsiteY72" fmla="*/ 13314 h 2372201"/>
-              <a:gd name="connsiteX73" fmla="*/ 0 w 3127513"/>
-              <a:gd name="connsiteY73" fmla="*/ 61 h 2372201"/>
-            </a:gdLst>
-            <a:ahLst/>
-            <a:cxnLst>
-              <a:cxn ang="0">
-                <a:pos x="connsiteX0" y="connsiteY0"/>
-              </a:cxn>
-              <a:cxn ang="0">
-                <a:pos x="connsiteX1" y="connsiteY1"/>
-              </a:cxn>
-              <a:cxn ang="0">
-                <a:pos x="connsiteX2" y="connsiteY2"/>
-              </a:cxn>
-              <a:cxn ang="0">
-                <a:pos x="connsiteX3" y="connsiteY3"/>
-              </a:cxn>
-              <a:cxn ang="0">
-                <a:pos x="connsiteX4" y="connsiteY4"/>
-              </a:cxn>
-              <a:cxn ang="0">
-                <a:pos x="connsiteX5" y="connsiteY5"/>
-              </a:cxn>
-              <a:cxn ang="0">
-                <a:pos x="connsiteX6" y="connsiteY6"/>
-              </a:cxn>
-              <a:cxn ang="0">
-                <a:pos x="connsiteX7" y="connsiteY7"/>
-              </a:cxn>
-              <a:cxn ang="0">
-                <a:pos x="connsiteX8" y="connsiteY8"/>
-              </a:cxn>
-              <a:cxn ang="0">
-                <a:pos x="connsiteX9" y="connsiteY9"/>
-              </a:cxn>
-              <a:cxn ang="0">
-                <a:pos x="connsiteX10" y="connsiteY10"/>
-              </a:cxn>
-              <a:cxn ang="0">
-                <a:pos x="connsiteX11" y="connsiteY11"/>
-              </a:cxn>
-              <a:cxn ang="0">
-                <a:pos x="connsiteX12" y="connsiteY12"/>
-              </a:cxn>
-              <a:cxn ang="0">
-                <a:pos x="connsiteX13" y="connsiteY13"/>
-              </a:cxn>
-              <a:cxn ang="0">
-                <a:pos x="connsiteX14" y="connsiteY14"/>
-              </a:cxn>
-              <a:cxn ang="0">
-                <a:pos x="connsiteX15" y="connsiteY15"/>
-              </a:cxn>
-              <a:cxn ang="0">
-                <a:pos x="connsiteX16" y="connsiteY16"/>
-              </a:cxn>
-              <a:cxn ang="0">
-                <a:pos x="connsiteX17" y="connsiteY17"/>
-              </a:cxn>
-              <a:cxn ang="0">
-                <a:pos x="connsiteX18" y="connsiteY18"/>
-              </a:cxn>
-              <a:cxn ang="0">
-                <a:pos x="connsiteX19" y="connsiteY19"/>
-              </a:cxn>
-              <a:cxn ang="0">
-                <a:pos x="connsiteX20" y="connsiteY20"/>
-              </a:cxn>
-              <a:cxn ang="0">
-                <a:pos x="connsiteX21" y="connsiteY21"/>
-              </a:cxn>
-              <a:cxn ang="0">
-                <a:pos x="connsiteX22" y="connsiteY22"/>
-              </a:cxn>
-              <a:cxn ang="0">
-                <a:pos x="connsiteX23" y="connsiteY23"/>
-              </a:cxn>
-              <a:cxn ang="0">
-                <a:pos x="connsiteX24" y="connsiteY24"/>
-              </a:cxn>
-              <a:cxn ang="0">
-                <a:pos x="connsiteX25" y="connsiteY25"/>
-              </a:cxn>
-              <a:cxn ang="0">
-                <a:pos x="connsiteX26" y="connsiteY26"/>
-              </a:cxn>
-              <a:cxn ang="0">
-                <a:pos x="connsiteX27" y="connsiteY27"/>
-              </a:cxn>
-              <a:cxn ang="0">
-                <a:pos x="connsiteX28" y="connsiteY28"/>
-              </a:cxn>
-              <a:cxn ang="0">
-                <a:pos x="connsiteX29" y="connsiteY29"/>
-              </a:cxn>
-              <a:cxn ang="0">
-                <a:pos x="connsiteX30" y="connsiteY30"/>
-              </a:cxn>
-              <a:cxn ang="0">
-                <a:pos x="connsiteX31" y="connsiteY31"/>
-              </a:cxn>
-              <a:cxn ang="0">
-                <a:pos x="connsiteX32" y="connsiteY32"/>
-              </a:cxn>
-              <a:cxn ang="0">
-                <a:pos x="connsiteX33" y="connsiteY33"/>
-              </a:cxn>
-              <a:cxn ang="0">
-                <a:pos x="connsiteX34" y="connsiteY34"/>
-              </a:cxn>
-              <a:cxn ang="0">
-                <a:pos x="connsiteX35" y="connsiteY35"/>
-              </a:cxn>
-              <a:cxn ang="0">
-                <a:pos x="connsiteX36" y="connsiteY36"/>
-              </a:cxn>
-              <a:cxn ang="0">
-                <a:pos x="connsiteX37" y="connsiteY37"/>
-              </a:cxn>
-              <a:cxn ang="0">
-                <a:pos x="connsiteX38" y="connsiteY38"/>
-              </a:cxn>
-              <a:cxn ang="0">
-                <a:pos x="connsiteX39" y="connsiteY39"/>
-              </a:cxn>
-              <a:cxn ang="0">
-                <a:pos x="connsiteX40" y="connsiteY40"/>
-              </a:cxn>
-              <a:cxn ang="0">
-                <a:pos x="connsiteX41" y="connsiteY41"/>
-              </a:cxn>
-              <a:cxn ang="0">
-                <a:pos x="connsiteX42" y="connsiteY42"/>
-              </a:cxn>
-              <a:cxn ang="0">
-                <a:pos x="connsiteX43" y="connsiteY43"/>
-              </a:cxn>
-              <a:cxn ang="0">
-                <a:pos x="connsiteX44" y="connsiteY44"/>
-              </a:cxn>
-              <a:cxn ang="0">
-                <a:pos x="connsiteX45" y="connsiteY45"/>
-              </a:cxn>
-              <a:cxn ang="0">
-                <a:pos x="connsiteX46" y="connsiteY46"/>
-              </a:cxn>
-              <a:cxn ang="0">
-                <a:pos x="connsiteX47" y="connsiteY47"/>
-              </a:cxn>
-              <a:cxn ang="0">
-                <a:pos x="connsiteX48" y="connsiteY48"/>
-              </a:cxn>
-              <a:cxn ang="0">
-                <a:pos x="connsiteX49" y="connsiteY49"/>
-              </a:cxn>
-              <a:cxn ang="0">
-                <a:pos x="connsiteX50" y="connsiteY50"/>
-              </a:cxn>
-              <a:cxn ang="0">
-                <a:pos x="connsiteX51" y="connsiteY51"/>
-              </a:cxn>
-              <a:cxn ang="0">
-                <a:pos x="connsiteX52" y="connsiteY52"/>
-              </a:cxn>
-              <a:cxn ang="0">
-                <a:pos x="connsiteX53" y="connsiteY53"/>
-              </a:cxn>
-              <a:cxn ang="0">
-                <a:pos x="connsiteX54" y="connsiteY54"/>
-              </a:cxn>
-              <a:cxn ang="0">
-                <a:pos x="connsiteX55" y="connsiteY55"/>
-              </a:cxn>
-              <a:cxn ang="0">
-                <a:pos x="connsiteX56" y="connsiteY56"/>
-              </a:cxn>
-              <a:cxn ang="0">
-                <a:pos x="connsiteX57" y="connsiteY57"/>
-              </a:cxn>
-              <a:cxn ang="0">
-                <a:pos x="connsiteX58" y="connsiteY58"/>
-              </a:cxn>
-              <a:cxn ang="0">
-                <a:pos x="connsiteX59" y="connsiteY59"/>
-              </a:cxn>
-              <a:cxn ang="0">
-                <a:pos x="connsiteX60" y="connsiteY60"/>
-              </a:cxn>
-              <a:cxn ang="0">
-                <a:pos x="connsiteX61" y="connsiteY61"/>
-              </a:cxn>
-              <a:cxn ang="0">
-                <a:pos x="connsiteX62" y="connsiteY62"/>
-              </a:cxn>
-              <a:cxn ang="0">
-                <a:pos x="connsiteX63" y="connsiteY63"/>
-              </a:cxn>
-              <a:cxn ang="0">
-                <a:pos x="connsiteX64" y="connsiteY64"/>
-              </a:cxn>
-              <a:cxn ang="0">
-                <a:pos x="connsiteX65" y="connsiteY65"/>
-              </a:cxn>
-              <a:cxn ang="0">
-                <a:pos x="connsiteX66" y="connsiteY66"/>
-              </a:cxn>
-              <a:cxn ang="0">
-                <a:pos x="connsiteX67" y="connsiteY67"/>
-              </a:cxn>
-              <a:cxn ang="0">
-                <a:pos x="connsiteX68" y="connsiteY68"/>
-              </a:cxn>
-              <a:cxn ang="0">
-                <a:pos x="connsiteX69" y="connsiteY69"/>
-              </a:cxn>
-              <a:cxn ang="0">
-                <a:pos x="connsiteX70" y="connsiteY70"/>
-              </a:cxn>
-              <a:cxn ang="0">
-                <a:pos x="connsiteX71" y="connsiteY71"/>
-              </a:cxn>
-              <a:cxn ang="0">
-                <a:pos x="connsiteX72" y="connsiteY72"/>
-              </a:cxn>
-              <a:cxn ang="0">
-                <a:pos x="connsiteX73" y="connsiteY73"/>
-              </a:cxn>
-            </a:cxnLst>
-            <a:rect l="l" t="t" r="r" b="b"/>
-            <a:pathLst>
-              <a:path w="3127513" h="2372201">
-                <a:moveTo>
-                  <a:pt x="2160104" y="1338531"/>
-                </a:moveTo>
-                <a:cubicBezTo>
-                  <a:pt x="2182191" y="1347366"/>
-                  <a:pt x="2204091" y="1356682"/>
-                  <a:pt x="2226365" y="1365035"/>
-                </a:cubicBezTo>
-                <a:cubicBezTo>
-                  <a:pt x="2239445" y="1369940"/>
-                  <a:pt x="2252152" y="1378288"/>
-                  <a:pt x="2266121" y="1378288"/>
-                </a:cubicBezTo>
-                <a:cubicBezTo>
-                  <a:pt x="2350168" y="1378288"/>
-                  <a:pt x="2433982" y="1369453"/>
-                  <a:pt x="2517913" y="1365035"/>
-                </a:cubicBezTo>
-                <a:cubicBezTo>
-                  <a:pt x="2623929" y="1329696"/>
-                  <a:pt x="2500244" y="1382704"/>
-                  <a:pt x="2570921" y="1312027"/>
-                </a:cubicBezTo>
-                <a:cubicBezTo>
-                  <a:pt x="2593445" y="1289503"/>
-                  <a:pt x="2627910" y="1281542"/>
-                  <a:pt x="2650434" y="1259018"/>
-                </a:cubicBezTo>
-                <a:lnTo>
-                  <a:pt x="2703443" y="1206009"/>
-                </a:lnTo>
-                <a:cubicBezTo>
-                  <a:pt x="2751774" y="1061017"/>
-                  <a:pt x="2674692" y="1280638"/>
-                  <a:pt x="2743200" y="1126496"/>
-                </a:cubicBezTo>
-                <a:cubicBezTo>
-                  <a:pt x="2754547" y="1100966"/>
-                  <a:pt x="2760869" y="1073487"/>
-                  <a:pt x="2769704" y="1046983"/>
-                </a:cubicBezTo>
-                <a:cubicBezTo>
-                  <a:pt x="2781271" y="1012283"/>
-                  <a:pt x="2790230" y="965652"/>
-                  <a:pt x="2835965" y="954218"/>
-                </a:cubicBezTo>
-                <a:cubicBezTo>
-                  <a:pt x="2902525" y="937578"/>
-                  <a:pt x="2871694" y="946725"/>
-                  <a:pt x="2928730" y="927714"/>
-                </a:cubicBezTo>
-                <a:cubicBezTo>
-                  <a:pt x="2955234" y="932131"/>
-                  <a:pt x="2983689" y="930053"/>
-                  <a:pt x="3008243" y="940966"/>
-                </a:cubicBezTo>
-                <a:cubicBezTo>
-                  <a:pt x="3056693" y="962499"/>
-                  <a:pt x="3042956" y="983887"/>
-                  <a:pt x="3061252" y="1020479"/>
-                </a:cubicBezTo>
-                <a:cubicBezTo>
-                  <a:pt x="3068375" y="1034725"/>
-                  <a:pt x="3078921" y="1046983"/>
-                  <a:pt x="3087756" y="1060235"/>
-                </a:cubicBezTo>
-                <a:lnTo>
-                  <a:pt x="3114260" y="1139748"/>
-                </a:lnTo>
-                <a:lnTo>
-                  <a:pt x="3127513" y="1179505"/>
-                </a:lnTo>
-                <a:cubicBezTo>
-                  <a:pt x="3119966" y="1300243"/>
-                  <a:pt x="3125886" y="1358288"/>
-                  <a:pt x="3101008" y="1457801"/>
-                </a:cubicBezTo>
-                <a:cubicBezTo>
-                  <a:pt x="3097620" y="1471353"/>
-                  <a:pt x="3094003" y="1485063"/>
-                  <a:pt x="3087756" y="1497557"/>
-                </a:cubicBezTo>
-                <a:cubicBezTo>
-                  <a:pt x="3080633" y="1511803"/>
-                  <a:pt x="3068375" y="1523068"/>
-                  <a:pt x="3061252" y="1537314"/>
-                </a:cubicBezTo>
-                <a:cubicBezTo>
-                  <a:pt x="3026847" y="1606126"/>
-                  <a:pt x="3073264" y="1551806"/>
-                  <a:pt x="3021495" y="1603575"/>
-                </a:cubicBezTo>
-                <a:cubicBezTo>
-                  <a:pt x="3017078" y="1616827"/>
-                  <a:pt x="3016624" y="1632156"/>
-                  <a:pt x="3008243" y="1643331"/>
-                </a:cubicBezTo>
-                <a:cubicBezTo>
-                  <a:pt x="2983538" y="1676271"/>
-                  <a:pt x="2902622" y="1749217"/>
-                  <a:pt x="2862469" y="1762601"/>
-                </a:cubicBezTo>
-                <a:lnTo>
-                  <a:pt x="2782956" y="1789105"/>
-                </a:lnTo>
-                <a:cubicBezTo>
-                  <a:pt x="2769704" y="1797940"/>
-                  <a:pt x="2757446" y="1808486"/>
-                  <a:pt x="2743200" y="1815609"/>
-                </a:cubicBezTo>
-                <a:cubicBezTo>
-                  <a:pt x="2730706" y="1821856"/>
-                  <a:pt x="2714810" y="1820742"/>
-                  <a:pt x="2703443" y="1828861"/>
-                </a:cubicBezTo>
-                <a:cubicBezTo>
-                  <a:pt x="2683109" y="1843385"/>
-                  <a:pt x="2668104" y="1864200"/>
-                  <a:pt x="2650434" y="1881870"/>
-                </a:cubicBezTo>
-                <a:lnTo>
-                  <a:pt x="2623930" y="1908375"/>
-                </a:lnTo>
-                <a:cubicBezTo>
-                  <a:pt x="2582516" y="2074032"/>
-                  <a:pt x="2635439" y="1868099"/>
-                  <a:pt x="2597426" y="2001140"/>
-                </a:cubicBezTo>
-                <a:cubicBezTo>
-                  <a:pt x="2592422" y="2018652"/>
-                  <a:pt x="2591348" y="2037407"/>
-                  <a:pt x="2584173" y="2054148"/>
-                </a:cubicBezTo>
-                <a:cubicBezTo>
-                  <a:pt x="2577899" y="2068787"/>
-                  <a:pt x="2564792" y="2079659"/>
-                  <a:pt x="2557669" y="2093905"/>
-                </a:cubicBezTo>
-                <a:cubicBezTo>
-                  <a:pt x="2551422" y="2106399"/>
-                  <a:pt x="2553143" y="2122753"/>
-                  <a:pt x="2544417" y="2133661"/>
-                </a:cubicBezTo>
-                <a:cubicBezTo>
-                  <a:pt x="2534467" y="2146098"/>
-                  <a:pt x="2517912" y="2151331"/>
-                  <a:pt x="2504660" y="2160166"/>
-                </a:cubicBezTo>
-                <a:cubicBezTo>
-                  <a:pt x="2500243" y="2173418"/>
-                  <a:pt x="2500134" y="2189014"/>
-                  <a:pt x="2491408" y="2199922"/>
-                </a:cubicBezTo>
-                <a:cubicBezTo>
-                  <a:pt x="2472723" y="2223278"/>
-                  <a:pt x="2438087" y="2230949"/>
-                  <a:pt x="2411895" y="2239679"/>
-                </a:cubicBezTo>
-                <a:cubicBezTo>
-                  <a:pt x="2403060" y="2252931"/>
-                  <a:pt x="2397828" y="2269486"/>
-                  <a:pt x="2385391" y="2279435"/>
-                </a:cubicBezTo>
-                <a:cubicBezTo>
-                  <a:pt x="2374483" y="2288162"/>
-                  <a:pt x="2358128" y="2286441"/>
-                  <a:pt x="2345634" y="2292688"/>
-                </a:cubicBezTo>
-                <a:cubicBezTo>
-                  <a:pt x="2331389" y="2299811"/>
-                  <a:pt x="2320432" y="2312724"/>
-                  <a:pt x="2305878" y="2319192"/>
-                </a:cubicBezTo>
-                <a:cubicBezTo>
-                  <a:pt x="2249184" y="2344389"/>
-                  <a:pt x="2227328" y="2343527"/>
-                  <a:pt x="2173356" y="2358948"/>
-                </a:cubicBezTo>
-                <a:cubicBezTo>
-                  <a:pt x="2159925" y="2362786"/>
-                  <a:pt x="2146852" y="2367783"/>
-                  <a:pt x="2133600" y="2372201"/>
-                </a:cubicBezTo>
-                <a:cubicBezTo>
-                  <a:pt x="2018748" y="2367783"/>
-                  <a:pt x="1903478" y="2369676"/>
-                  <a:pt x="1789043" y="2358948"/>
-                </a:cubicBezTo>
-                <a:cubicBezTo>
-                  <a:pt x="1761227" y="2356340"/>
-                  <a:pt x="1709530" y="2332444"/>
-                  <a:pt x="1709530" y="2332444"/>
-                </a:cubicBezTo>
-                <a:cubicBezTo>
-                  <a:pt x="1700695" y="2319192"/>
-                  <a:pt x="1694288" y="2303950"/>
-                  <a:pt x="1683026" y="2292688"/>
-                </a:cubicBezTo>
-                <a:cubicBezTo>
-                  <a:pt x="1671764" y="2281426"/>
-                  <a:pt x="1653757" y="2278170"/>
-                  <a:pt x="1643269" y="2266183"/>
-                </a:cubicBezTo>
-                <a:cubicBezTo>
-                  <a:pt x="1622293" y="2242210"/>
-                  <a:pt x="1590260" y="2186670"/>
-                  <a:pt x="1590260" y="2186670"/>
-                </a:cubicBezTo>
-                <a:cubicBezTo>
-                  <a:pt x="1568236" y="2120597"/>
-                  <a:pt x="1563856" y="2114234"/>
-                  <a:pt x="1550504" y="2054148"/>
-                </a:cubicBezTo>
-                <a:cubicBezTo>
-                  <a:pt x="1542206" y="2016806"/>
-                  <a:pt x="1531434" y="1939407"/>
-                  <a:pt x="1510747" y="1908375"/>
-                </a:cubicBezTo>
-                <a:cubicBezTo>
-                  <a:pt x="1465312" y="1840220"/>
-                  <a:pt x="1507592" y="1892598"/>
-                  <a:pt x="1444487" y="1842114"/>
-                </a:cubicBezTo>
-                <a:cubicBezTo>
-                  <a:pt x="1411605" y="1815808"/>
-                  <a:pt x="1422151" y="1807930"/>
-                  <a:pt x="1378226" y="1789105"/>
-                </a:cubicBezTo>
-                <a:cubicBezTo>
-                  <a:pt x="1361485" y="1781930"/>
-                  <a:pt x="1342887" y="1780270"/>
-                  <a:pt x="1325217" y="1775853"/>
-                </a:cubicBezTo>
-                <a:cubicBezTo>
-                  <a:pt x="1274969" y="1725603"/>
-                  <a:pt x="1321241" y="1761606"/>
-                  <a:pt x="1219200" y="1736096"/>
-                </a:cubicBezTo>
-                <a:cubicBezTo>
-                  <a:pt x="1025164" y="1687588"/>
-                  <a:pt x="1262255" y="1727101"/>
-                  <a:pt x="1046921" y="1696340"/>
-                </a:cubicBezTo>
-                <a:cubicBezTo>
-                  <a:pt x="1038086" y="1687505"/>
-                  <a:pt x="1031592" y="1675423"/>
-                  <a:pt x="1020417" y="1669835"/>
-                </a:cubicBezTo>
-                <a:cubicBezTo>
-                  <a:pt x="995429" y="1657341"/>
-                  <a:pt x="940904" y="1643331"/>
-                  <a:pt x="940904" y="1643331"/>
-                </a:cubicBezTo>
-                <a:cubicBezTo>
-                  <a:pt x="932069" y="1630079"/>
-                  <a:pt x="926837" y="1613524"/>
-                  <a:pt x="914400" y="1603575"/>
-                </a:cubicBezTo>
-                <a:cubicBezTo>
-                  <a:pt x="903492" y="1594848"/>
-                  <a:pt x="884521" y="1600200"/>
-                  <a:pt x="874643" y="1590322"/>
-                </a:cubicBezTo>
-                <a:cubicBezTo>
-                  <a:pt x="864766" y="1580445"/>
-                  <a:pt x="869510" y="1561933"/>
-                  <a:pt x="861391" y="1550566"/>
-                </a:cubicBezTo>
-                <a:cubicBezTo>
-                  <a:pt x="846867" y="1530232"/>
-                  <a:pt x="808382" y="1497557"/>
-                  <a:pt x="808382" y="1497557"/>
-                </a:cubicBezTo>
-                <a:lnTo>
-                  <a:pt x="781878" y="1418044"/>
-                </a:lnTo>
-                <a:cubicBezTo>
-                  <a:pt x="777461" y="1404792"/>
-                  <a:pt x="772014" y="1391840"/>
-                  <a:pt x="768626" y="1378288"/>
-                </a:cubicBezTo>
-                <a:lnTo>
-                  <a:pt x="742121" y="1272270"/>
-                </a:lnTo>
-                <a:lnTo>
-                  <a:pt x="728869" y="1219261"/>
-                </a:lnTo>
-                <a:cubicBezTo>
-                  <a:pt x="724452" y="936548"/>
-                  <a:pt x="728265" y="653586"/>
-                  <a:pt x="715617" y="371122"/>
-                </a:cubicBezTo>
-                <a:cubicBezTo>
-                  <a:pt x="714650" y="349519"/>
-                  <a:pt x="674905" y="320232"/>
-                  <a:pt x="662608" y="304861"/>
-                </a:cubicBezTo>
-                <a:cubicBezTo>
-                  <a:pt x="652659" y="292424"/>
-                  <a:pt x="648541" y="275054"/>
-                  <a:pt x="636104" y="265105"/>
-                </a:cubicBezTo>
-                <a:cubicBezTo>
-                  <a:pt x="625196" y="256379"/>
-                  <a:pt x="609599" y="256270"/>
-                  <a:pt x="596347" y="251853"/>
-                </a:cubicBezTo>
-                <a:cubicBezTo>
-                  <a:pt x="574053" y="184969"/>
-                  <a:pt x="599285" y="233546"/>
-                  <a:pt x="543339" y="185592"/>
-                </a:cubicBezTo>
-                <a:cubicBezTo>
-                  <a:pt x="524366" y="169330"/>
-                  <a:pt x="514036" y="140485"/>
-                  <a:pt x="490330" y="132583"/>
-                </a:cubicBezTo>
-                <a:cubicBezTo>
-                  <a:pt x="463826" y="123748"/>
-                  <a:pt x="434063" y="121576"/>
-                  <a:pt x="410817" y="106079"/>
-                </a:cubicBezTo>
-                <a:cubicBezTo>
-                  <a:pt x="397565" y="97244"/>
-                  <a:pt x="385699" y="85849"/>
-                  <a:pt x="371060" y="79575"/>
-                </a:cubicBezTo>
-                <a:cubicBezTo>
-                  <a:pt x="354319" y="72400"/>
-                  <a:pt x="335831" y="70273"/>
-                  <a:pt x="318052" y="66322"/>
-                </a:cubicBezTo>
-                <a:cubicBezTo>
-                  <a:pt x="296064" y="61436"/>
-                  <a:pt x="273952" y="57099"/>
-                  <a:pt x="251791" y="53070"/>
-                </a:cubicBezTo>
-                <a:cubicBezTo>
-                  <a:pt x="225354" y="48263"/>
-                  <a:pt x="198346" y="46335"/>
-                  <a:pt x="172278" y="39818"/>
-                </a:cubicBezTo>
-                <a:cubicBezTo>
-                  <a:pt x="145174" y="33042"/>
-                  <a:pt x="120160" y="18793"/>
-                  <a:pt x="92765" y="13314"/>
-                </a:cubicBezTo>
-                <a:cubicBezTo>
-                  <a:pt x="17841" y="-1672"/>
-                  <a:pt x="49028" y="61"/>
-                  <a:pt x="0" y="61"/>
-                </a:cubicBezTo>
-              </a:path>
-            </a:pathLst>
-          </a:custGeom>
-          <a:effectLst>
-            <a:glow rad="139700">
-              <a:schemeClr val="accent4">
-                <a:satMod val="175000"/>
-                <a:alpha val="40000"/>
-              </a:schemeClr>
-            </a:glow>
-          </a:effectLst>
-        </p:spPr>
-        <p:style>
-          <a:lnRef idx="1">
-            <a:schemeClr val="accent5"/>
-          </a:lnRef>
-          <a:fillRef idx="0">
-            <a:schemeClr val="accent5"/>
-          </a:fillRef>
-          <a:effectRef idx="0">
-            <a:schemeClr val="accent5"/>
-          </a:effectRef>
-          <a:fontRef idx="minor">
-            <a:schemeClr val="tx1"/>
-          </a:fontRef>
-        </p:style>
-        <p:txBody>
-          <a:bodyPr rtlCol="0" anchor="ctr"/>
-          <a:lstStyle/>
-          <a:p>
-            <a:pPr algn="ctr"/>
-            <a:endParaRPr lang="en-US">
-              <a:effectLst>
-                <a:glow rad="101600">
-                  <a:schemeClr val="accent4">
-                    <a:satMod val="175000"/>
-                    <a:alpha val="40000"/>
-                  </a:schemeClr>
-                </a:glow>
-              </a:effectLst>
-            </a:endParaRPr>
-          </a:p>
-        </p:txBody>
-      </p:sp>
-      <p:sp>
-        <p:nvSpPr>
-          <p:cNvPr id="18" name="Oval 17"/>
-          <p:cNvSpPr/>
-          <p:nvPr/>
-        </p:nvSpPr>
-        <p:spPr>
-          <a:xfrm>
-            <a:off x="2890451" y="4101412"/>
-            <a:ext cx="606511" cy="606511"/>
-          </a:xfrm>
-          <a:prstGeom prst="ellipse">
-            <a:avLst/>
-          </a:prstGeom>
-          <a:solidFill>
-            <a:schemeClr val="bg1">
-              <a:alpha val="35000"/>
-            </a:schemeClr>
-          </a:solidFill>
-        </p:spPr>
-        <p:style>
-          <a:lnRef idx="2">
-            <a:schemeClr val="accent1">
-              <a:shade val="50000"/>
-            </a:schemeClr>
-          </a:lnRef>
-          <a:fillRef idx="1">
-            <a:schemeClr val="accent1"/>
-          </a:fillRef>
-          <a:effectRef idx="0">
-            <a:schemeClr val="accent1"/>
-          </a:effectRef>
-          <a:fontRef idx="minor">
-            <a:schemeClr val="lt1"/>
-          </a:fontRef>
-        </p:style>
-        <p:txBody>
-          <a:bodyPr rtlCol="0" anchor="ctr"/>
-          <a:lstStyle/>
-          <a:p>
-            <a:pPr algn="ctr"/>
-            <a:endParaRPr lang="en-US">
-              <a:solidFill>
-                <a:srgbClr val="FF0000"/>
-              </a:solidFill>
-            </a:endParaRPr>
-          </a:p>
-        </p:txBody>
-      </p:sp>
-    </p:spTree>
-    <p:extLst>
-      <p:ext uri="{BB962C8B-B14F-4D97-AF65-F5344CB8AC3E}">
-        <p14:creationId xmlns:p14="http://schemas.microsoft.com/office/powerpoint/2010/main" val="1580254765"/>
       </p:ext>
     </p:extLst>
   </p:cSld>

--- a/docs/8NightsVRDesign.pptx
+++ b/docs/8NightsVRDesign.pptx
@@ -259,7 +259,7 @@
           <a:p>
             <a:fld id="{8A733DA4-D56C-479F-9AE8-3CF782CB7FF4}" type="datetimeFigureOut">
               <a:rPr lang="en-US" smtClean="0"/>
-              <a:t>9/29/2015</a:t>
+              <a:t>10/9/2015</a:t>
             </a:fld>
             <a:endParaRPr lang="en-US"/>
           </a:p>
@@ -429,7 +429,7 @@
           <a:p>
             <a:fld id="{8A733DA4-D56C-479F-9AE8-3CF782CB7FF4}" type="datetimeFigureOut">
               <a:rPr lang="en-US" smtClean="0"/>
-              <a:t>9/29/2015</a:t>
+              <a:t>10/9/2015</a:t>
             </a:fld>
             <a:endParaRPr lang="en-US"/>
           </a:p>
@@ -609,7 +609,7 @@
           <a:p>
             <a:fld id="{8A733DA4-D56C-479F-9AE8-3CF782CB7FF4}" type="datetimeFigureOut">
               <a:rPr lang="en-US" smtClean="0"/>
-              <a:t>9/29/2015</a:t>
+              <a:t>10/9/2015</a:t>
             </a:fld>
             <a:endParaRPr lang="en-US"/>
           </a:p>
@@ -779,7 +779,7 @@
           <a:p>
             <a:fld id="{8A733DA4-D56C-479F-9AE8-3CF782CB7FF4}" type="datetimeFigureOut">
               <a:rPr lang="en-US" smtClean="0"/>
-              <a:t>9/29/2015</a:t>
+              <a:t>10/9/2015</a:t>
             </a:fld>
             <a:endParaRPr lang="en-US"/>
           </a:p>
@@ -1025,7 +1025,7 @@
           <a:p>
             <a:fld id="{8A733DA4-D56C-479F-9AE8-3CF782CB7FF4}" type="datetimeFigureOut">
               <a:rPr lang="en-US" smtClean="0"/>
-              <a:t>9/29/2015</a:t>
+              <a:t>10/9/2015</a:t>
             </a:fld>
             <a:endParaRPr lang="en-US"/>
           </a:p>
@@ -1257,7 +1257,7 @@
           <a:p>
             <a:fld id="{8A733DA4-D56C-479F-9AE8-3CF782CB7FF4}" type="datetimeFigureOut">
               <a:rPr lang="en-US" smtClean="0"/>
-              <a:t>9/29/2015</a:t>
+              <a:t>10/9/2015</a:t>
             </a:fld>
             <a:endParaRPr lang="en-US"/>
           </a:p>
@@ -1624,7 +1624,7 @@
           <a:p>
             <a:fld id="{8A733DA4-D56C-479F-9AE8-3CF782CB7FF4}" type="datetimeFigureOut">
               <a:rPr lang="en-US" smtClean="0"/>
-              <a:t>9/29/2015</a:t>
+              <a:t>10/9/2015</a:t>
             </a:fld>
             <a:endParaRPr lang="en-US"/>
           </a:p>
@@ -1742,7 +1742,7 @@
           <a:p>
             <a:fld id="{8A733DA4-D56C-479F-9AE8-3CF782CB7FF4}" type="datetimeFigureOut">
               <a:rPr lang="en-US" smtClean="0"/>
-              <a:t>9/29/2015</a:t>
+              <a:t>10/9/2015</a:t>
             </a:fld>
             <a:endParaRPr lang="en-US"/>
           </a:p>
@@ -1837,7 +1837,7 @@
           <a:p>
             <a:fld id="{8A733DA4-D56C-479F-9AE8-3CF782CB7FF4}" type="datetimeFigureOut">
               <a:rPr lang="en-US" smtClean="0"/>
-              <a:t>9/29/2015</a:t>
+              <a:t>10/9/2015</a:t>
             </a:fld>
             <a:endParaRPr lang="en-US"/>
           </a:p>
@@ -2114,7 +2114,7 @@
           <a:p>
             <a:fld id="{8A733DA4-D56C-479F-9AE8-3CF782CB7FF4}" type="datetimeFigureOut">
               <a:rPr lang="en-US" smtClean="0"/>
-              <a:t>9/29/2015</a:t>
+              <a:t>10/9/2015</a:t>
             </a:fld>
             <a:endParaRPr lang="en-US"/>
           </a:p>
@@ -2367,7 +2367,7 @@
           <a:p>
             <a:fld id="{8A733DA4-D56C-479F-9AE8-3CF782CB7FF4}" type="datetimeFigureOut">
               <a:rPr lang="en-US" smtClean="0"/>
-              <a:t>9/29/2015</a:t>
+              <a:t>10/9/2015</a:t>
             </a:fld>
             <a:endParaRPr lang="en-US"/>
           </a:p>
@@ -2580,7 +2580,7 @@
           <a:p>
             <a:fld id="{8A733DA4-D56C-479F-9AE8-3CF782CB7FF4}" type="datetimeFigureOut">
               <a:rPr lang="en-US" smtClean="0"/>
-              <a:t>9/29/2015</a:t>
+              <a:t>10/9/2015</a:t>
             </a:fld>
             <a:endParaRPr lang="en-US"/>
           </a:p>
@@ -12754,30 +12754,14 @@
             <a:pPr algn="ctr"/>
             <a:r>
               <a:rPr lang="en-US" sz="3600" dirty="0" smtClean="0"/>
-              <a:t>We swap in people until all the beacons are </a:t>
-            </a:r>
-            <a:r>
-              <a:rPr lang="en-US" sz="3600" dirty="0" smtClean="0"/>
-              <a:t>lit and 8 voices are singing.   Should </a:t>
-            </a:r>
-            <a:r>
-              <a:rPr lang="en-US" sz="3600" dirty="0" smtClean="0"/>
-              <a:t>take about 20 minutes in total.  </a:t>
-            </a:r>
-            <a:r>
-              <a:rPr lang="en-US" sz="3600" dirty="0" smtClean="0"/>
-              <a:t/>
+              <a:t>We swap in people until all the beacons are lit and 8 voices are singing.   Should take about 20 minutes in total.  </a:t>
             </a:r>
             <a:br>
               <a:rPr lang="en-US" sz="3600" dirty="0" smtClean="0"/>
             </a:br>
             <a:r>
               <a:rPr lang="en-US" sz="3600" dirty="0" smtClean="0"/>
-              <a:t>The </a:t>
-            </a:r>
-            <a:r>
-              <a:rPr lang="en-US" sz="3600" dirty="0" smtClean="0"/>
-              <a:t>room has gone for dark + mysterious to vibrant + joyous</a:t>
+              <a:t>The room has gone for dark + mysterious to vibrant + joyous</a:t>
             </a:r>
             <a:endParaRPr lang="en-US" sz="3600" dirty="0"/>
           </a:p>
@@ -14289,7 +14273,7 @@
         <p:spPr>
           <a:xfrm>
             <a:off x="1955602" y="224093"/>
-            <a:ext cx="8576066" cy="769441"/>
+            <a:ext cx="8936614" cy="769441"/>
           </a:xfrm>
           <a:prstGeom prst="rect">
             <a:avLst/>
@@ -14303,7 +14287,11 @@
           <a:p>
             <a:r>
               <a:rPr lang="en-US" sz="4400" dirty="0" smtClean="0"/>
-              <a:t>Goal: Illuminate 8 Beacon Sculptures</a:t>
+              <a:t>Goal: Illuminate 8 </a:t>
+            </a:r>
+            <a:r>
+              <a:rPr lang="en-US" sz="4400" dirty="0" smtClean="0"/>
+              <a:t>“Candle” Sculptures</a:t>
             </a:r>
             <a:endParaRPr lang="en-US" sz="4400" dirty="0"/>
           </a:p>
@@ -15466,7 +15454,7 @@
         <p:spPr>
           <a:xfrm>
             <a:off x="4734058" y="33709"/>
-            <a:ext cx="2092368" cy="769441"/>
+            <a:ext cx="2443298" cy="769441"/>
           </a:xfrm>
           <a:prstGeom prst="rect">
             <a:avLst/>
@@ -15480,7 +15468,7 @@
           <a:p>
             <a:r>
               <a:rPr lang="en-US" sz="4400" dirty="0" smtClean="0"/>
-              <a:t>Beacons</a:t>
+              <a:t>“Candles”</a:t>
             </a:r>
             <a:endParaRPr lang="en-US" sz="4400" dirty="0"/>
           </a:p>
